--- a/Slides/02 - Synapse Development.pptx
+++ b/Slides/02 - Synapse Development.pptx
@@ -5,7 +5,7 @@
     <p:sldMasterId id="2147483648" r:id="rId1"/>
   </p:sldMasterIdLst>
   <p:notesMasterIdLst>
-    <p:notesMasterId r:id="rId76"/>
+    <p:notesMasterId r:id="rId77"/>
   </p:notesMasterIdLst>
   <p:sldIdLst>
     <p:sldId id="256" r:id="rId2"/>
@@ -57,31 +57,32 @@
     <p:sldId id="305" r:id="rId48"/>
     <p:sldId id="306" r:id="rId49"/>
     <p:sldId id="307" r:id="rId50"/>
-    <p:sldId id="308" r:id="rId51"/>
-    <p:sldId id="333" r:id="rId52"/>
-    <p:sldId id="309" r:id="rId53"/>
-    <p:sldId id="334" r:id="rId54"/>
-    <p:sldId id="310" r:id="rId55"/>
-    <p:sldId id="335" r:id="rId56"/>
-    <p:sldId id="311" r:id="rId57"/>
-    <p:sldId id="260" r:id="rId58"/>
-    <p:sldId id="277" r:id="rId59"/>
-    <p:sldId id="279" r:id="rId60"/>
-    <p:sldId id="278" r:id="rId61"/>
-    <p:sldId id="275" r:id="rId62"/>
-    <p:sldId id="304" r:id="rId63"/>
-    <p:sldId id="297" r:id="rId64"/>
-    <p:sldId id="11934" r:id="rId65"/>
-    <p:sldId id="332" r:id="rId66"/>
-    <p:sldId id="11933" r:id="rId67"/>
-    <p:sldId id="298" r:id="rId68"/>
-    <p:sldId id="301" r:id="rId69"/>
-    <p:sldId id="11936" r:id="rId70"/>
-    <p:sldId id="300" r:id="rId71"/>
-    <p:sldId id="11935" r:id="rId72"/>
-    <p:sldId id="276" r:id="rId73"/>
-    <p:sldId id="261" r:id="rId74"/>
-    <p:sldId id="274" r:id="rId75"/>
+    <p:sldId id="11937" r:id="rId51"/>
+    <p:sldId id="308" r:id="rId52"/>
+    <p:sldId id="333" r:id="rId53"/>
+    <p:sldId id="309" r:id="rId54"/>
+    <p:sldId id="334" r:id="rId55"/>
+    <p:sldId id="310" r:id="rId56"/>
+    <p:sldId id="335" r:id="rId57"/>
+    <p:sldId id="311" r:id="rId58"/>
+    <p:sldId id="260" r:id="rId59"/>
+    <p:sldId id="277" r:id="rId60"/>
+    <p:sldId id="279" r:id="rId61"/>
+    <p:sldId id="278" r:id="rId62"/>
+    <p:sldId id="275" r:id="rId63"/>
+    <p:sldId id="304" r:id="rId64"/>
+    <p:sldId id="297" r:id="rId65"/>
+    <p:sldId id="11934" r:id="rId66"/>
+    <p:sldId id="332" r:id="rId67"/>
+    <p:sldId id="11933" r:id="rId68"/>
+    <p:sldId id="298" r:id="rId69"/>
+    <p:sldId id="301" r:id="rId70"/>
+    <p:sldId id="11936" r:id="rId71"/>
+    <p:sldId id="300" r:id="rId72"/>
+    <p:sldId id="11935" r:id="rId73"/>
+    <p:sldId id="276" r:id="rId74"/>
+    <p:sldId id="261" r:id="rId75"/>
+    <p:sldId id="274" r:id="rId76"/>
   </p:sldIdLst>
   <p:sldSz cx="12192000" cy="6858000"/>
   <p:notesSz cx="6858000" cy="9144000"/>
@@ -602,7 +603,7 @@
           <a:p>
             <a:fld id="{67E65352-95B5-4433-84FB-24BF035F4B44}" type="slidenum">
               <a:rPr lang="en-US" smtClean="0"/>
-              <a:t>66</a:t>
+              <a:t>67</a:t>
             </a:fld>
             <a:endParaRPr lang="en-US"/>
           </a:p>
@@ -9320,7 +9321,7 @@
           <a:p>
             <a:r>
               <a:rPr lang="en-US" dirty="0"/>
-              <a:t>Data Loading Techniques</a:t>
+              <a:t>Raw Data</a:t>
             </a:r>
           </a:p>
         </p:txBody>
@@ -9343,85 +9344,46 @@
         </p:nvSpPr>
         <p:spPr/>
         <p:txBody>
-          <a:bodyPr>
-            <a:normAutofit lnSpcReduction="10000"/>
-          </a:bodyPr>
+          <a:bodyPr/>
           <a:lstStyle/>
           <a:p>
-            <a:pPr marL="0" indent="0">
-              <a:buNone/>
-            </a:pPr>
-            <a:r>
-              <a:rPr lang="en-US" dirty="0"/>
-              <a:t>Batch data loading:</a:t>
-            </a:r>
-          </a:p>
-          <a:p>
-            <a:r>
-              <a:rPr lang="en-US" dirty="0"/>
-              <a:t>Take data from sources and save as CSV or Parquet files</a:t>
-            </a:r>
-          </a:p>
-          <a:p>
-            <a:r>
-              <a:rPr lang="en-US" dirty="0"/>
-              <a:t>One option:  use </a:t>
-            </a:r>
-            <a:r>
-              <a:rPr lang="en-US" dirty="0" err="1"/>
-              <a:t>AzCopy</a:t>
-            </a:r>
-            <a:r>
-              <a:rPr lang="en-US" dirty="0"/>
-              <a:t> to upload data to Data Lake Storage</a:t>
-            </a:r>
-          </a:p>
-          <a:p>
-            <a:pPr lvl="1"/>
-            <a:r>
-              <a:rPr lang="en-US" dirty="0"/>
-              <a:t>Especially easy moving files from S3 or Google Cloud</a:t>
-            </a:r>
-          </a:p>
-          <a:p>
-            <a:pPr marL="0" indent="0">
-              <a:buNone/>
-            </a:pPr>
+            <a:r>
+              <a:rPr lang="en-US" dirty="0"/>
+              <a:t>Information coming from source systems or events</a:t>
+            </a:r>
+          </a:p>
+          <a:p>
+            <a:r>
+              <a:rPr lang="en-US" dirty="0"/>
+              <a:t>Store this incoming information long-term</a:t>
+            </a:r>
+          </a:p>
+          <a:p>
+            <a:r>
+              <a:rPr lang="en-US" dirty="0"/>
+              <a:t>Source systems tend not to save history, so we </a:t>
+            </a:r>
+            <a:r>
+              <a:rPr lang="en-US"/>
+              <a:t>want to do so</a:t>
+            </a:r>
             <a:endParaRPr lang="en-US" dirty="0"/>
           </a:p>
           <a:p>
-            <a:pPr marL="0" indent="0">
-              <a:buNone/>
-            </a:pPr>
-            <a:r>
-              <a:rPr lang="en-US" dirty="0"/>
-              <a:t>Alternative load options:</a:t>
-            </a:r>
-          </a:p>
-          <a:p>
-            <a:r>
-              <a:rPr lang="en-US" dirty="0"/>
-              <a:t>Self-hosted integration runtime on-premises</a:t>
-            </a:r>
-          </a:p>
-          <a:p>
-            <a:r>
-              <a:rPr lang="en-US" dirty="0"/>
-              <a:t>Extract and copy data from Synapse Pipeline</a:t>
-            </a:r>
-          </a:p>
-          <a:p>
-            <a:r>
-              <a:rPr lang="en-US" dirty="0"/>
-              <a:t>Stream in data and handle via Stream Analytics or Spark Streaming</a:t>
-            </a:r>
+            <a:r>
+              <a:rPr lang="en-US" dirty="0"/>
+              <a:t>Able to rebuild later layers in event of bug in code</a:t>
+            </a:r>
+          </a:p>
+          <a:p>
+            <a:endParaRPr lang="en-US" dirty="0"/>
           </a:p>
         </p:txBody>
       </p:sp>
     </p:spTree>
     <p:extLst>
       <p:ext uri="{BB962C8B-B14F-4D97-AF65-F5344CB8AC3E}">
-        <p14:creationId xmlns:p14="http://schemas.microsoft.com/office/powerpoint/2010/main" val="4281520794"/>
+        <p14:creationId xmlns:p14="http://schemas.microsoft.com/office/powerpoint/2010/main" val="921300682"/>
       </p:ext>
     </p:extLst>
   </p:cSld>
@@ -9471,7 +9433,7 @@
           <a:p>
             <a:r>
               <a:rPr lang="en-US" dirty="0"/>
-              <a:t>Data Transformation for the Data Lake</a:t>
+              <a:t>Data Loading Techniques</a:t>
             </a:r>
           </a:p>
         </p:txBody>
@@ -9494,74 +9456,77 @@
         </p:nvSpPr>
         <p:spPr/>
         <p:txBody>
-          <a:bodyPr/>
+          <a:bodyPr>
+            <a:normAutofit lnSpcReduction="10000"/>
+          </a:bodyPr>
           <a:lstStyle/>
           <a:p>
-            <a:r>
-              <a:rPr lang="en-US" dirty="0"/>
-              <a:t>Input batch formats</a:t>
+            <a:pPr marL="0" indent="0">
+              <a:buNone/>
+            </a:pPr>
+            <a:r>
+              <a:rPr lang="en-US" dirty="0"/>
+              <a:t>Batch data loading:</a:t>
+            </a:r>
+          </a:p>
+          <a:p>
+            <a:r>
+              <a:rPr lang="en-US" dirty="0"/>
+              <a:t>Take data from sources and save as CSV or Parquet files</a:t>
+            </a:r>
+          </a:p>
+          <a:p>
+            <a:r>
+              <a:rPr lang="en-US" dirty="0"/>
+              <a:t>One option:  use </a:t>
+            </a:r>
+            <a:r>
+              <a:rPr lang="en-US" dirty="0" err="1"/>
+              <a:t>AzCopy</a:t>
+            </a:r>
+            <a:r>
+              <a:rPr lang="en-US" dirty="0"/>
+              <a:t> to upload data to Data Lake Storage</a:t>
             </a:r>
           </a:p>
           <a:p>
             <a:pPr lvl="1"/>
             <a:r>
               <a:rPr lang="en-US" dirty="0"/>
-              <a:t>Delimited text</a:t>
-            </a:r>
-          </a:p>
-          <a:p>
-            <a:pPr lvl="1"/>
-            <a:r>
-              <a:rPr lang="en-US" dirty="0"/>
-              <a:t>Avro</a:t>
-            </a:r>
-          </a:p>
-          <a:p>
-            <a:pPr lvl="1"/>
-            <a:r>
-              <a:rPr lang="en-US" b="1" dirty="0"/>
-              <a:t>Parquet</a:t>
-            </a:r>
-          </a:p>
-          <a:p>
-            <a:pPr lvl="1"/>
-            <a:r>
-              <a:rPr lang="en-US" dirty="0"/>
-              <a:t>ORC</a:t>
-            </a:r>
-          </a:p>
-          <a:p>
-            <a:pPr lvl="1"/>
-            <a:r>
-              <a:rPr lang="en-US" dirty="0"/>
-              <a:t>JSON</a:t>
-            </a:r>
-          </a:p>
-          <a:p>
-            <a:pPr lvl="1"/>
-            <a:r>
-              <a:rPr lang="en-US" dirty="0"/>
-              <a:t>XML</a:t>
-            </a:r>
-          </a:p>
-          <a:p>
-            <a:r>
-              <a:rPr lang="en-US" dirty="0"/>
-              <a:t>Input stream sources</a:t>
-            </a:r>
-          </a:p>
-          <a:p>
-            <a:pPr lvl="1"/>
-            <a:r>
-              <a:rPr lang="en-US" dirty="0"/>
-              <a:t>Event Hub</a:t>
-            </a:r>
-          </a:p>
-          <a:p>
-            <a:pPr lvl="1"/>
-            <a:r>
-              <a:rPr lang="en-US" dirty="0"/>
-              <a:t>IoT Hub</a:t>
+              <a:t>Especially easy moving files from S3 or Google Cloud</a:t>
+            </a:r>
+          </a:p>
+          <a:p>
+            <a:pPr marL="0" indent="0">
+              <a:buNone/>
+            </a:pPr>
+            <a:endParaRPr lang="en-US" dirty="0"/>
+          </a:p>
+          <a:p>
+            <a:pPr marL="0" indent="0">
+              <a:buNone/>
+            </a:pPr>
+            <a:r>
+              <a:rPr lang="en-US" dirty="0"/>
+              <a:t>Alternative load options:</a:t>
+            </a:r>
+          </a:p>
+          <a:p>
+            <a:r>
+              <a:rPr lang="en-US" dirty="0"/>
+              <a:t>Self-hosted integration runtime on-premises</a:t>
+            </a:r>
+          </a:p>
+          <a:p>
+            <a:r>
+              <a:rPr lang="en-US" dirty="0"/>
+              <a:t>Extract and copy data from Synapse Pipeline</a:t>
+            </a:r>
+          </a:p>
+          <a:p>
+            <a:r>
+              <a:rPr lang="en-US" dirty="0"/>
+              <a:t>Stream in data and handle via Stream Analytics or Spark Streaming</a:t>
             </a:r>
           </a:p>
         </p:txBody>
@@ -9569,7 +9534,7 @@
     </p:spTree>
     <p:extLst>
       <p:ext uri="{BB962C8B-B14F-4D97-AF65-F5344CB8AC3E}">
-        <p14:creationId xmlns:p14="http://schemas.microsoft.com/office/powerpoint/2010/main" val="105561005"/>
+        <p14:creationId xmlns:p14="http://schemas.microsoft.com/office/powerpoint/2010/main" val="4281520794"/>
       </p:ext>
     </p:extLst>
   </p:cSld>
@@ -9619,7 +9584,7 @@
           <a:p>
             <a:r>
               <a:rPr lang="en-US" dirty="0"/>
-              <a:t>Data Cleansing Operations</a:t>
+              <a:t>Data Transformation for the Data Lake</a:t>
             </a:r>
           </a:p>
         </p:txBody>
@@ -9647,60 +9612,77 @@
           <a:p>
             <a:r>
               <a:rPr lang="en-US" dirty="0"/>
-              <a:t>Typically handled through Spark pools – Python, Scala, maybe F#/C#</a:t>
-            </a:r>
-          </a:p>
-          <a:p>
-            <a:r>
-              <a:rPr lang="en-US" dirty="0"/>
-              <a:t>Common file issues:</a:t>
+              <a:t>Input batch formats</a:t>
             </a:r>
           </a:p>
           <a:p>
             <a:pPr lvl="1"/>
             <a:r>
               <a:rPr lang="en-US" dirty="0"/>
-              <a:t>Improperly formatted delimited files</a:t>
+              <a:t>Delimited text</a:t>
             </a:r>
           </a:p>
           <a:p>
             <a:pPr lvl="1"/>
             <a:r>
               <a:rPr lang="en-US" dirty="0"/>
-              <a:t>Restructuring free-form text</a:t>
+              <a:t>Avro</a:t>
             </a:r>
           </a:p>
           <a:p>
             <a:pPr lvl="1"/>
             <a:r>
-              <a:rPr lang="en-US" dirty="0"/>
-              <a:t>Nested data</a:t>
+              <a:rPr lang="en-US" b="1" dirty="0"/>
+              <a:t>Parquet</a:t>
             </a:r>
           </a:p>
           <a:p>
             <a:pPr lvl="1"/>
             <a:r>
               <a:rPr lang="en-US" dirty="0"/>
-              <a:t>XML data inside file</a:t>
+              <a:t>ORC</a:t>
             </a:r>
           </a:p>
           <a:p>
             <a:pPr lvl="1"/>
             <a:r>
               <a:rPr lang="en-US" dirty="0"/>
-              <a:t>Missing / NULL entries</a:t>
+              <a:t>JSON</a:t>
             </a:r>
           </a:p>
           <a:p>
             <a:pPr lvl="1"/>
-            <a:endParaRPr lang="en-US" dirty="0"/>
+            <a:r>
+              <a:rPr lang="en-US" dirty="0"/>
+              <a:t>XML</a:t>
+            </a:r>
+          </a:p>
+          <a:p>
+            <a:r>
+              <a:rPr lang="en-US" dirty="0"/>
+              <a:t>Input stream sources</a:t>
+            </a:r>
+          </a:p>
+          <a:p>
+            <a:pPr lvl="1"/>
+            <a:r>
+              <a:rPr lang="en-US" dirty="0"/>
+              <a:t>Event Hub</a:t>
+            </a:r>
+          </a:p>
+          <a:p>
+            <a:pPr lvl="1"/>
+            <a:r>
+              <a:rPr lang="en-US" dirty="0"/>
+              <a:t>IoT Hub</a:t>
+            </a:r>
           </a:p>
         </p:txBody>
       </p:sp>
     </p:spTree>
     <p:extLst>
       <p:ext uri="{BB962C8B-B14F-4D97-AF65-F5344CB8AC3E}">
-        <p14:creationId xmlns:p14="http://schemas.microsoft.com/office/powerpoint/2010/main" val="1109056329"/>
+        <p14:creationId xmlns:p14="http://schemas.microsoft.com/office/powerpoint/2010/main" val="105561005"/>
       </p:ext>
     </p:extLst>
   </p:cSld>
@@ -9778,62 +9760,48 @@
           <a:p>
             <a:r>
               <a:rPr lang="en-US" dirty="0"/>
-              <a:t>Don’t forget data issues!</a:t>
+              <a:t>Typically handled through Spark pools – Python, Scala, maybe F#/C#</a:t>
+            </a:r>
+          </a:p>
+          <a:p>
+            <a:r>
+              <a:rPr lang="en-US" dirty="0"/>
+              <a:t>Common file issues:</a:t>
             </a:r>
           </a:p>
           <a:p>
             <a:pPr lvl="1"/>
             <a:r>
               <a:rPr lang="en-US" dirty="0"/>
-              <a:t>Impossible values (e.g., age &gt; 200, salary &lt; 0)</a:t>
+              <a:t>Improperly formatted delimited files</a:t>
             </a:r>
           </a:p>
           <a:p>
             <a:pPr lvl="1"/>
             <a:r>
               <a:rPr lang="en-US" dirty="0"/>
-              <a:t>Mismatched values (e.g., X in system 1, Y in system 2)</a:t>
+              <a:t>Restructuring free-form text</a:t>
             </a:r>
           </a:p>
           <a:p>
             <a:pPr lvl="1"/>
             <a:r>
               <a:rPr lang="en-US" dirty="0"/>
-              <a:t>Inaccurate data (e.g., need legal name but sent nickname)</a:t>
+              <a:t>Nested data</a:t>
             </a:r>
           </a:p>
           <a:p>
             <a:pPr lvl="1"/>
             <a:r>
               <a:rPr lang="en-US" dirty="0"/>
-              <a:t>Duplicate data</a:t>
+              <a:t>XML data inside file</a:t>
             </a:r>
           </a:p>
           <a:p>
             <a:pPr lvl="1"/>
             <a:r>
               <a:rPr lang="en-US" dirty="0"/>
-              <a:t>Misspellings</a:t>
-            </a:r>
-          </a:p>
-          <a:p>
-            <a:pPr lvl="1"/>
-            <a:r>
-              <a:rPr lang="en-US" dirty="0"/>
-              <a:t>Old data mixed with current (e.g., FLA and MIA Marlins)</a:t>
-            </a:r>
-          </a:p>
-          <a:p>
-            <a:pPr lvl="1"/>
-            <a:r>
-              <a:rPr lang="en-US" dirty="0"/>
-              <a:t>Impute or calculate missing values</a:t>
-            </a:r>
-          </a:p>
-          <a:p>
-            <a:r>
-              <a:rPr lang="en-US" dirty="0"/>
-              <a:t>Reminder:  fix data issues as early as possible, where you have the most information</a:t>
+              <a:t>Missing / NULL entries</a:t>
             </a:r>
           </a:p>
           <a:p>
@@ -9845,7 +9813,7 @@
     </p:spTree>
     <p:extLst>
       <p:ext uri="{BB962C8B-B14F-4D97-AF65-F5344CB8AC3E}">
-        <p14:creationId xmlns:p14="http://schemas.microsoft.com/office/powerpoint/2010/main" val="1147437722"/>
+        <p14:creationId xmlns:p14="http://schemas.microsoft.com/office/powerpoint/2010/main" val="1109056329"/>
       </p:ext>
     </p:extLst>
   </p:cSld>
@@ -9895,7 +9863,7 @@
           <a:p>
             <a:r>
               <a:rPr lang="en-US" dirty="0"/>
-              <a:t>Refining Data</a:t>
+              <a:t>Data Cleansing Operations</a:t>
             </a:r>
           </a:p>
         </p:txBody>
@@ -9923,33 +9891,74 @@
           <a:p>
             <a:r>
               <a:rPr lang="en-US" dirty="0"/>
-              <a:t>“Refined” data:  useful for querying and analysis</a:t>
-            </a:r>
-          </a:p>
-          <a:p>
-            <a:r>
-              <a:rPr lang="en-US" dirty="0"/>
-              <a:t>Known good data—or at least as good as possible!</a:t>
-            </a:r>
-          </a:p>
-          <a:p>
-            <a:r>
-              <a:rPr lang="en-US" dirty="0"/>
-              <a:t>Data linked together in meaningful ways—lookups, joins, etc. already done</a:t>
-            </a:r>
-          </a:p>
-          <a:p>
-            <a:r>
-              <a:rPr lang="en-US" dirty="0"/>
-              <a:t>Ideally, one file contains sufficient information for a query—we aren’t normalizing data here!</a:t>
-            </a:r>
+              <a:t>Don’t forget data issues!</a:t>
+            </a:r>
+          </a:p>
+          <a:p>
+            <a:pPr lvl="1"/>
+            <a:r>
+              <a:rPr lang="en-US" dirty="0"/>
+              <a:t>Impossible values (e.g., age &gt; 200, salary &lt; 0)</a:t>
+            </a:r>
+          </a:p>
+          <a:p>
+            <a:pPr lvl="1"/>
+            <a:r>
+              <a:rPr lang="en-US" dirty="0"/>
+              <a:t>Mismatched values (e.g., X in system 1, Y in system 2)</a:t>
+            </a:r>
+          </a:p>
+          <a:p>
+            <a:pPr lvl="1"/>
+            <a:r>
+              <a:rPr lang="en-US" dirty="0"/>
+              <a:t>Inaccurate data (e.g., need legal name but sent nickname)</a:t>
+            </a:r>
+          </a:p>
+          <a:p>
+            <a:pPr lvl="1"/>
+            <a:r>
+              <a:rPr lang="en-US" dirty="0"/>
+              <a:t>Duplicate data</a:t>
+            </a:r>
+          </a:p>
+          <a:p>
+            <a:pPr lvl="1"/>
+            <a:r>
+              <a:rPr lang="en-US" dirty="0"/>
+              <a:t>Misspellings</a:t>
+            </a:r>
+          </a:p>
+          <a:p>
+            <a:pPr lvl="1"/>
+            <a:r>
+              <a:rPr lang="en-US" dirty="0"/>
+              <a:t>Old data mixed with current (e.g., FLA and MIA Marlins)</a:t>
+            </a:r>
+          </a:p>
+          <a:p>
+            <a:pPr lvl="1"/>
+            <a:r>
+              <a:rPr lang="en-US" dirty="0"/>
+              <a:t>Impute or calculate missing values</a:t>
+            </a:r>
+          </a:p>
+          <a:p>
+            <a:r>
+              <a:rPr lang="en-US" dirty="0"/>
+              <a:t>Reminder:  fix data issues as early as possible, where you have the most information</a:t>
+            </a:r>
+          </a:p>
+          <a:p>
+            <a:pPr lvl="1"/>
+            <a:endParaRPr lang="en-US" dirty="0"/>
           </a:p>
         </p:txBody>
       </p:sp>
     </p:spTree>
     <p:extLst>
       <p:ext uri="{BB962C8B-B14F-4D97-AF65-F5344CB8AC3E}">
-        <p14:creationId xmlns:p14="http://schemas.microsoft.com/office/powerpoint/2010/main" val="1482961279"/>
+        <p14:creationId xmlns:p14="http://schemas.microsoft.com/office/powerpoint/2010/main" val="1147437722"/>
       </p:ext>
     </p:extLst>
   </p:cSld>
@@ -9999,7 +10008,7 @@
           <a:p>
             <a:r>
               <a:rPr lang="en-US" dirty="0"/>
-              <a:t>Curating Data</a:t>
+              <a:t>Refining Data</a:t>
             </a:r>
           </a:p>
         </p:txBody>
@@ -10027,25 +10036,25 @@
           <a:p>
             <a:r>
               <a:rPr lang="en-US" dirty="0"/>
-              <a:t>“Curated” data:  ready for reporting tools</a:t>
-            </a:r>
-          </a:p>
-          <a:p>
-            <a:r>
-              <a:rPr lang="en-US" dirty="0"/>
-              <a:t>Additional measures created:  new aggregates or calculations</a:t>
-            </a:r>
-          </a:p>
-          <a:p>
-            <a:r>
-              <a:rPr lang="en-US" dirty="0"/>
-              <a:t>Aggregates pre-calculated to make loading faster</a:t>
-            </a:r>
-          </a:p>
-          <a:p>
-            <a:r>
-              <a:rPr lang="en-US" dirty="0"/>
-              <a:t>Data shaped in a way which makes it easy for tools like Power BI to load</a:t>
+              <a:t>“Refined” data:  useful for querying and analysis</a:t>
+            </a:r>
+          </a:p>
+          <a:p>
+            <a:r>
+              <a:rPr lang="en-US" dirty="0"/>
+              <a:t>Known good data—or at least as good as possible!</a:t>
+            </a:r>
+          </a:p>
+          <a:p>
+            <a:r>
+              <a:rPr lang="en-US" dirty="0"/>
+              <a:t>Data linked together in meaningful ways—lookups, joins, etc. already done</a:t>
+            </a:r>
+          </a:p>
+          <a:p>
+            <a:r>
+              <a:rPr lang="en-US" dirty="0"/>
+              <a:t>Ideally, one file contains sufficient information for a query—we aren’t normalizing data here!</a:t>
             </a:r>
           </a:p>
         </p:txBody>
@@ -10053,7 +10062,7 @@
     </p:spTree>
     <p:extLst>
       <p:ext uri="{BB962C8B-B14F-4D97-AF65-F5344CB8AC3E}">
-        <p14:creationId xmlns:p14="http://schemas.microsoft.com/office/powerpoint/2010/main" val="2608317051"/>
+        <p14:creationId xmlns:p14="http://schemas.microsoft.com/office/powerpoint/2010/main" val="1482961279"/>
       </p:ext>
     </p:extLst>
   </p:cSld>
@@ -10103,7 +10112,7 @@
           <a:p>
             <a:r>
               <a:rPr lang="en-US" dirty="0"/>
-              <a:t>Making Data Accessible</a:t>
+              <a:t>Curating Data</a:t>
             </a:r>
           </a:p>
         </p:txBody>
@@ -10131,61 +10140,25 @@
           <a:p>
             <a:r>
               <a:rPr lang="en-US" dirty="0"/>
-              <a:t>Security</a:t>
-            </a:r>
-          </a:p>
-          <a:p>
-            <a:pPr lvl="1"/>
-            <a:r>
-              <a:rPr lang="en-US" dirty="0"/>
-              <a:t>Storage Blob Data Contributor</a:t>
-            </a:r>
-          </a:p>
-          <a:p>
-            <a:pPr lvl="1"/>
-            <a:r>
-              <a:rPr lang="en-US" dirty="0"/>
-              <a:t>Can lock down Raw data to data engineers—end users don’t need to see this</a:t>
-            </a:r>
-          </a:p>
-          <a:p>
-            <a:pPr lvl="1"/>
-            <a:r>
-              <a:rPr lang="en-US" dirty="0"/>
-              <a:t>Refined should be accessible to analysts</a:t>
-            </a:r>
-          </a:p>
-          <a:p>
-            <a:pPr lvl="1"/>
-            <a:r>
-              <a:rPr lang="en-US" dirty="0"/>
-              <a:t>Curated should be accessible to end users and reporting tools</a:t>
-            </a:r>
-          </a:p>
-          <a:p>
-            <a:r>
-              <a:rPr lang="en-US" dirty="0"/>
-              <a:t>Consistency</a:t>
-            </a:r>
-          </a:p>
-          <a:p>
-            <a:pPr lvl="1"/>
-            <a:r>
-              <a:rPr lang="en-US" dirty="0"/>
-              <a:t>Scheme consistency:  as common a folder structure as is reasonable</a:t>
-            </a:r>
-          </a:p>
-          <a:p>
-            <a:pPr lvl="1"/>
-            <a:r>
-              <a:rPr lang="en-US" dirty="0"/>
-              <a:t>Format consistency:  Parquet for stored files</a:t>
-            </a:r>
-          </a:p>
-          <a:p>
-            <a:r>
-              <a:rPr lang="en-US" dirty="0"/>
-              <a:t>Few stops—ensure users don’t need to join multiple folders together to get basic work done</a:t>
+              <a:t>“Curated” data:  ready for reporting tools</a:t>
+            </a:r>
+          </a:p>
+          <a:p>
+            <a:r>
+              <a:rPr lang="en-US" dirty="0"/>
+              <a:t>Additional measures created:  new aggregates or calculations</a:t>
+            </a:r>
+          </a:p>
+          <a:p>
+            <a:r>
+              <a:rPr lang="en-US" dirty="0"/>
+              <a:t>Aggregates pre-calculated to make loading faster</a:t>
+            </a:r>
+          </a:p>
+          <a:p>
+            <a:r>
+              <a:rPr lang="en-US" dirty="0"/>
+              <a:t>Data shaped in a way which makes it easy for tools like Power BI to load</a:t>
             </a:r>
           </a:p>
         </p:txBody>
@@ -10193,7 +10166,7 @@
     </p:spTree>
     <p:extLst>
       <p:ext uri="{BB962C8B-B14F-4D97-AF65-F5344CB8AC3E}">
-        <p14:creationId xmlns:p14="http://schemas.microsoft.com/office/powerpoint/2010/main" val="3453720110"/>
+        <p14:creationId xmlns:p14="http://schemas.microsoft.com/office/powerpoint/2010/main" val="2608317051"/>
       </p:ext>
     </p:extLst>
   </p:cSld>
@@ -10225,6 +10198,146 @@
           <p:cNvPr id="2" name="Title 1">
             <a:extLst>
               <a:ext uri="{FF2B5EF4-FFF2-40B4-BE49-F238E27FC236}">
+                <a16:creationId xmlns:a16="http://schemas.microsoft.com/office/drawing/2014/main" id="{B22C245E-2B4F-FD50-59A0-517F533BEB13}"/>
+              </a:ext>
+            </a:extLst>
+          </p:cNvPr>
+          <p:cNvSpPr>
+            <a:spLocks noGrp="1"/>
+          </p:cNvSpPr>
+          <p:nvPr>
+            <p:ph type="title"/>
+          </p:nvPr>
+        </p:nvSpPr>
+        <p:spPr/>
+        <p:txBody>
+          <a:bodyPr/>
+          <a:lstStyle/>
+          <a:p>
+            <a:r>
+              <a:rPr lang="en-US" dirty="0"/>
+              <a:t>Making Data Accessible</a:t>
+            </a:r>
+          </a:p>
+        </p:txBody>
+      </p:sp>
+      <p:sp>
+        <p:nvSpPr>
+          <p:cNvPr id="3" name="Content Placeholder 2">
+            <a:extLst>
+              <a:ext uri="{FF2B5EF4-FFF2-40B4-BE49-F238E27FC236}">
+                <a16:creationId xmlns:a16="http://schemas.microsoft.com/office/drawing/2014/main" id="{566CAAAE-75F3-7B5E-C61A-03FF68C88573}"/>
+              </a:ext>
+            </a:extLst>
+          </p:cNvPr>
+          <p:cNvSpPr>
+            <a:spLocks noGrp="1"/>
+          </p:cNvSpPr>
+          <p:nvPr>
+            <p:ph idx="1"/>
+          </p:nvPr>
+        </p:nvSpPr>
+        <p:spPr/>
+        <p:txBody>
+          <a:bodyPr/>
+          <a:lstStyle/>
+          <a:p>
+            <a:r>
+              <a:rPr lang="en-US" dirty="0"/>
+              <a:t>Security</a:t>
+            </a:r>
+          </a:p>
+          <a:p>
+            <a:pPr lvl="1"/>
+            <a:r>
+              <a:rPr lang="en-US" dirty="0"/>
+              <a:t>Storage Blob Data Contributor</a:t>
+            </a:r>
+          </a:p>
+          <a:p>
+            <a:pPr lvl="1"/>
+            <a:r>
+              <a:rPr lang="en-US" dirty="0"/>
+              <a:t>Can lock down Raw data to data engineers—end users don’t need to see this</a:t>
+            </a:r>
+          </a:p>
+          <a:p>
+            <a:pPr lvl="1"/>
+            <a:r>
+              <a:rPr lang="en-US" dirty="0"/>
+              <a:t>Refined should be accessible to analysts</a:t>
+            </a:r>
+          </a:p>
+          <a:p>
+            <a:pPr lvl="1"/>
+            <a:r>
+              <a:rPr lang="en-US" dirty="0"/>
+              <a:t>Curated should be accessible to end users and reporting tools</a:t>
+            </a:r>
+          </a:p>
+          <a:p>
+            <a:r>
+              <a:rPr lang="en-US" dirty="0"/>
+              <a:t>Consistency</a:t>
+            </a:r>
+          </a:p>
+          <a:p>
+            <a:pPr lvl="1"/>
+            <a:r>
+              <a:rPr lang="en-US" dirty="0"/>
+              <a:t>Scheme consistency:  as common a folder structure as is reasonable</a:t>
+            </a:r>
+          </a:p>
+          <a:p>
+            <a:pPr lvl="1"/>
+            <a:r>
+              <a:rPr lang="en-US" dirty="0"/>
+              <a:t>Format consistency:  Parquet for stored files</a:t>
+            </a:r>
+          </a:p>
+          <a:p>
+            <a:r>
+              <a:rPr lang="en-US" dirty="0"/>
+              <a:t>Few stops—ensure users don’t need to join multiple folders together to get basic work done</a:t>
+            </a:r>
+          </a:p>
+        </p:txBody>
+      </p:sp>
+    </p:spTree>
+    <p:extLst>
+      <p:ext uri="{BB962C8B-B14F-4D97-AF65-F5344CB8AC3E}">
+        <p14:creationId xmlns:p14="http://schemas.microsoft.com/office/powerpoint/2010/main" val="3453720110"/>
+      </p:ext>
+    </p:extLst>
+  </p:cSld>
+  <p:clrMapOvr>
+    <a:masterClrMapping/>
+  </p:clrMapOvr>
+</p:sld>
+</file>
+
+<file path=ppt/slides/slide58.xml><?xml version="1.0" encoding="utf-8"?>
+<p:sld xmlns:a="http://schemas.openxmlformats.org/drawingml/2006/main" xmlns:r="http://schemas.openxmlformats.org/officeDocument/2006/relationships" xmlns:p="http://schemas.openxmlformats.org/presentationml/2006/main">
+  <p:cSld>
+    <p:spTree>
+      <p:nvGrpSpPr>
+        <p:cNvPr id="1" name=""/>
+        <p:cNvGrpSpPr/>
+        <p:nvPr/>
+      </p:nvGrpSpPr>
+      <p:grpSpPr>
+        <a:xfrm>
+          <a:off x="0" y="0"/>
+          <a:ext cx="0" cy="0"/>
+          <a:chOff x="0" y="0"/>
+          <a:chExt cx="0" cy="0"/>
+        </a:xfrm>
+      </p:grpSpPr>
+      <p:sp>
+        <p:nvSpPr>
+          <p:cNvPr id="2" name="Title 1">
+            <a:extLst>
+              <a:ext uri="{FF2B5EF4-FFF2-40B4-BE49-F238E27FC236}">
                 <a16:creationId xmlns:a16="http://schemas.microsoft.com/office/drawing/2014/main" id="{EC13CA8F-1BA1-8E30-EC44-4ECC2E6CADBF}"/>
               </a:ext>
             </a:extLst>
@@ -10286,7 +10399,7 @@
 </p:sld>
 </file>
 
-<file path=ppt/slides/slide58.xml><?xml version="1.0" encoding="utf-8"?>
+<file path=ppt/slides/slide59.xml><?xml version="1.0" encoding="utf-8"?>
 <p:sld xmlns:a="http://schemas.openxmlformats.org/drawingml/2006/main" xmlns:r="http://schemas.openxmlformats.org/officeDocument/2006/relationships" xmlns:p="http://schemas.openxmlformats.org/presentationml/2006/main">
   <p:cSld>
     <p:spTree>
@@ -10408,7 +10521,99 @@
 </p:sld>
 </file>
 
-<file path=ppt/slides/slide59.xml><?xml version="1.0" encoding="utf-8"?>
+<file path=ppt/slides/slide6.xml><?xml version="1.0" encoding="utf-8"?>
+<p:sld xmlns:a="http://schemas.openxmlformats.org/drawingml/2006/main" xmlns:r="http://schemas.openxmlformats.org/officeDocument/2006/relationships" xmlns:p="http://schemas.openxmlformats.org/presentationml/2006/main">
+  <p:cSld>
+    <p:spTree>
+      <p:nvGrpSpPr>
+        <p:cNvPr id="1" name=""/>
+        <p:cNvGrpSpPr/>
+        <p:nvPr/>
+      </p:nvGrpSpPr>
+      <p:grpSpPr>
+        <a:xfrm>
+          <a:off x="0" y="0"/>
+          <a:ext cx="0" cy="0"/>
+          <a:chOff x="0" y="0"/>
+          <a:chExt cx="0" cy="0"/>
+        </a:xfrm>
+      </p:grpSpPr>
+      <p:sp>
+        <p:nvSpPr>
+          <p:cNvPr id="2" name="Title 1">
+            <a:extLst>
+              <a:ext uri="{FF2B5EF4-FFF2-40B4-BE49-F238E27FC236}">
+                <a16:creationId xmlns:a16="http://schemas.microsoft.com/office/drawing/2014/main" id="{5C03EE32-2A13-115F-BEB7-AD9AB8093D16}"/>
+              </a:ext>
+            </a:extLst>
+          </p:cNvPr>
+          <p:cNvSpPr>
+            <a:spLocks noGrp="1"/>
+          </p:cNvSpPr>
+          <p:nvPr>
+            <p:ph type="title"/>
+          </p:nvPr>
+        </p:nvSpPr>
+        <p:spPr/>
+        <p:txBody>
+          <a:bodyPr/>
+          <a:lstStyle/>
+          <a:p>
+            <a:r>
+              <a:rPr lang="en-US" dirty="0"/>
+              <a:t>Synapse Pipelines</a:t>
+            </a:r>
+          </a:p>
+        </p:txBody>
+      </p:sp>
+      <p:sp>
+        <p:nvSpPr>
+          <p:cNvPr id="3" name="Content Placeholder 2">
+            <a:extLst>
+              <a:ext uri="{FF2B5EF4-FFF2-40B4-BE49-F238E27FC236}">
+                <a16:creationId xmlns:a16="http://schemas.microsoft.com/office/drawing/2014/main" id="{EE85CFCF-CBC7-F7A0-6088-160B54357F17}"/>
+              </a:ext>
+            </a:extLst>
+          </p:cNvPr>
+          <p:cNvSpPr>
+            <a:spLocks noGrp="1"/>
+          </p:cNvSpPr>
+          <p:nvPr>
+            <p:ph idx="1"/>
+          </p:nvPr>
+        </p:nvSpPr>
+        <p:spPr/>
+        <p:txBody>
+          <a:bodyPr/>
+          <a:lstStyle/>
+          <a:p>
+            <a:r>
+              <a:rPr lang="en-US" dirty="0"/>
+              <a:t>Based on Azure Data Factory code base</a:t>
+            </a:r>
+          </a:p>
+          <a:p>
+            <a:r>
+              <a:rPr lang="en-US" dirty="0"/>
+              <a:t>Works best for ELT, sometimes for ETL</a:t>
+            </a:r>
+          </a:p>
+        </p:txBody>
+      </p:sp>
+    </p:spTree>
+    <p:extLst>
+      <p:ext uri="{BB962C8B-B14F-4D97-AF65-F5344CB8AC3E}">
+        <p14:creationId xmlns:p14="http://schemas.microsoft.com/office/powerpoint/2010/main" val="448488041"/>
+      </p:ext>
+    </p:extLst>
+  </p:cSld>
+  <p:clrMapOvr>
+    <a:masterClrMapping/>
+  </p:clrMapOvr>
+</p:sld>
+</file>
+
+<file path=ppt/slides/slide60.xml><?xml version="1.0" encoding="utf-8"?>
 <p:sld xmlns:a="http://schemas.openxmlformats.org/drawingml/2006/main" xmlns:r="http://schemas.openxmlformats.org/officeDocument/2006/relationships" xmlns:p="http://schemas.openxmlformats.org/presentationml/2006/main">
   <p:cSld>
     <p:spTree>
@@ -10535,99 +10740,7 @@
 </p:sld>
 </file>
 
-<file path=ppt/slides/slide6.xml><?xml version="1.0" encoding="utf-8"?>
-<p:sld xmlns:a="http://schemas.openxmlformats.org/drawingml/2006/main" xmlns:r="http://schemas.openxmlformats.org/officeDocument/2006/relationships" xmlns:p="http://schemas.openxmlformats.org/presentationml/2006/main">
-  <p:cSld>
-    <p:spTree>
-      <p:nvGrpSpPr>
-        <p:cNvPr id="1" name=""/>
-        <p:cNvGrpSpPr/>
-        <p:nvPr/>
-      </p:nvGrpSpPr>
-      <p:grpSpPr>
-        <a:xfrm>
-          <a:off x="0" y="0"/>
-          <a:ext cx="0" cy="0"/>
-          <a:chOff x="0" y="0"/>
-          <a:chExt cx="0" cy="0"/>
-        </a:xfrm>
-      </p:grpSpPr>
-      <p:sp>
-        <p:nvSpPr>
-          <p:cNvPr id="2" name="Title 1">
-            <a:extLst>
-              <a:ext uri="{FF2B5EF4-FFF2-40B4-BE49-F238E27FC236}">
-                <a16:creationId xmlns:a16="http://schemas.microsoft.com/office/drawing/2014/main" id="{5C03EE32-2A13-115F-BEB7-AD9AB8093D16}"/>
-              </a:ext>
-            </a:extLst>
-          </p:cNvPr>
-          <p:cNvSpPr>
-            <a:spLocks noGrp="1"/>
-          </p:cNvSpPr>
-          <p:nvPr>
-            <p:ph type="title"/>
-          </p:nvPr>
-        </p:nvSpPr>
-        <p:spPr/>
-        <p:txBody>
-          <a:bodyPr/>
-          <a:lstStyle/>
-          <a:p>
-            <a:r>
-              <a:rPr lang="en-US" dirty="0"/>
-              <a:t>Synapse Pipelines</a:t>
-            </a:r>
-          </a:p>
-        </p:txBody>
-      </p:sp>
-      <p:sp>
-        <p:nvSpPr>
-          <p:cNvPr id="3" name="Content Placeholder 2">
-            <a:extLst>
-              <a:ext uri="{FF2B5EF4-FFF2-40B4-BE49-F238E27FC236}">
-                <a16:creationId xmlns:a16="http://schemas.microsoft.com/office/drawing/2014/main" id="{EE85CFCF-CBC7-F7A0-6088-160B54357F17}"/>
-              </a:ext>
-            </a:extLst>
-          </p:cNvPr>
-          <p:cNvSpPr>
-            <a:spLocks noGrp="1"/>
-          </p:cNvSpPr>
-          <p:nvPr>
-            <p:ph idx="1"/>
-          </p:nvPr>
-        </p:nvSpPr>
-        <p:spPr/>
-        <p:txBody>
-          <a:bodyPr/>
-          <a:lstStyle/>
-          <a:p>
-            <a:r>
-              <a:rPr lang="en-US" dirty="0"/>
-              <a:t>Based on Azure Data Factory code base</a:t>
-            </a:r>
-          </a:p>
-          <a:p>
-            <a:r>
-              <a:rPr lang="en-US" dirty="0"/>
-              <a:t>Works best for ELT, sometimes for ETL</a:t>
-            </a:r>
-          </a:p>
-        </p:txBody>
-      </p:sp>
-    </p:spTree>
-    <p:extLst>
-      <p:ext uri="{BB962C8B-B14F-4D97-AF65-F5344CB8AC3E}">
-        <p14:creationId xmlns:p14="http://schemas.microsoft.com/office/powerpoint/2010/main" val="448488041"/>
-      </p:ext>
-    </p:extLst>
-  </p:cSld>
-  <p:clrMapOvr>
-    <a:masterClrMapping/>
-  </p:clrMapOvr>
-</p:sld>
-</file>
-
-<file path=ppt/slides/slide60.xml><?xml version="1.0" encoding="utf-8"?>
+<file path=ppt/slides/slide61.xml><?xml version="1.0" encoding="utf-8"?>
 <p:sld xmlns:a="http://schemas.openxmlformats.org/drawingml/2006/main" xmlns:r="http://schemas.openxmlformats.org/officeDocument/2006/relationships" xmlns:p="http://schemas.openxmlformats.org/presentationml/2006/main">
   <p:cSld>
     <p:spTree>
@@ -10750,110 +10863,6 @@
 </p:sld>
 </file>
 
-<file path=ppt/slides/slide61.xml><?xml version="1.0" encoding="utf-8"?>
-<p:sld xmlns:a="http://schemas.openxmlformats.org/drawingml/2006/main" xmlns:r="http://schemas.openxmlformats.org/officeDocument/2006/relationships" xmlns:p="http://schemas.openxmlformats.org/presentationml/2006/main">
-  <p:cSld>
-    <p:spTree>
-      <p:nvGrpSpPr>
-        <p:cNvPr id="1" name=""/>
-        <p:cNvGrpSpPr/>
-        <p:nvPr/>
-      </p:nvGrpSpPr>
-      <p:grpSpPr>
-        <a:xfrm>
-          <a:off x="0" y="0"/>
-          <a:ext cx="0" cy="0"/>
-          <a:chOff x="0" y="0"/>
-          <a:chExt cx="0" cy="0"/>
-        </a:xfrm>
-      </p:grpSpPr>
-      <p:sp>
-        <p:nvSpPr>
-          <p:cNvPr id="2" name="Title 1">
-            <a:extLst>
-              <a:ext uri="{FF2B5EF4-FFF2-40B4-BE49-F238E27FC236}">
-                <a16:creationId xmlns:a16="http://schemas.microsoft.com/office/drawing/2014/main" id="{B22C245E-2B4F-FD50-59A0-517F533BEB13}"/>
-              </a:ext>
-            </a:extLst>
-          </p:cNvPr>
-          <p:cNvSpPr>
-            <a:spLocks noGrp="1"/>
-          </p:cNvSpPr>
-          <p:nvPr>
-            <p:ph type="title"/>
-          </p:nvPr>
-        </p:nvSpPr>
-        <p:spPr/>
-        <p:txBody>
-          <a:bodyPr/>
-          <a:lstStyle/>
-          <a:p>
-            <a:r>
-              <a:rPr lang="en-US" dirty="0"/>
-              <a:t>Lab Part 2</a:t>
-            </a:r>
-          </a:p>
-        </p:txBody>
-      </p:sp>
-      <p:sp>
-        <p:nvSpPr>
-          <p:cNvPr id="3" name="Content Placeholder 2">
-            <a:extLst>
-              <a:ext uri="{FF2B5EF4-FFF2-40B4-BE49-F238E27FC236}">
-                <a16:creationId xmlns:a16="http://schemas.microsoft.com/office/drawing/2014/main" id="{566CAAAE-75F3-7B5E-C61A-03FF68C88573}"/>
-              </a:ext>
-            </a:extLst>
-          </p:cNvPr>
-          <p:cNvSpPr>
-            <a:spLocks noGrp="1"/>
-          </p:cNvSpPr>
-          <p:nvPr>
-            <p:ph idx="1"/>
-          </p:nvPr>
-        </p:nvSpPr>
-        <p:spPr/>
-        <p:txBody>
-          <a:bodyPr/>
-          <a:lstStyle/>
-          <a:p>
-            <a:r>
-              <a:rPr lang="en-US" dirty="0"/>
-              <a:t>Read data from the data lake</a:t>
-            </a:r>
-          </a:p>
-          <a:p>
-            <a:r>
-              <a:rPr lang="en-US" dirty="0"/>
-              <a:t>Process data with Python and Spark SQL</a:t>
-            </a:r>
-          </a:p>
-          <a:p>
-            <a:r>
-              <a:rPr lang="en-US" dirty="0"/>
-              <a:t>Perform basic machine learning with Python</a:t>
-            </a:r>
-          </a:p>
-          <a:p>
-            <a:r>
-              <a:rPr lang="en-US" dirty="0"/>
-              <a:t>Write results to the data lake</a:t>
-            </a:r>
-          </a:p>
-        </p:txBody>
-      </p:sp>
-    </p:spTree>
-    <p:extLst>
-      <p:ext uri="{BB962C8B-B14F-4D97-AF65-F5344CB8AC3E}">
-        <p14:creationId xmlns:p14="http://schemas.microsoft.com/office/powerpoint/2010/main" val="3738787417"/>
-      </p:ext>
-    </p:extLst>
-  </p:cSld>
-  <p:clrMapOvr>
-    <a:masterClrMapping/>
-  </p:clrMapOvr>
-</p:sld>
-</file>
-
 <file path=ppt/slides/slide62.xml><?xml version="1.0" encoding="utf-8"?>
 <p:sld xmlns:a="http://schemas.openxmlformats.org/drawingml/2006/main" xmlns:r="http://schemas.openxmlformats.org/officeDocument/2006/relationships" xmlns:p="http://schemas.openxmlformats.org/presentationml/2006/main">
   <p:cSld>
@@ -10876,7 +10885,7 @@
           <p:cNvPr id="2" name="Title 1">
             <a:extLst>
               <a:ext uri="{FF2B5EF4-FFF2-40B4-BE49-F238E27FC236}">
-                <a16:creationId xmlns:a16="http://schemas.microsoft.com/office/drawing/2014/main" id="{EC13CA8F-1BA1-8E30-EC44-4ECC2E6CADBF}"/>
+                <a16:creationId xmlns:a16="http://schemas.microsoft.com/office/drawing/2014/main" id="{B22C245E-2B4F-FD50-59A0-517F533BEB13}"/>
               </a:ext>
             </a:extLst>
           </p:cNvPr>
@@ -10894,17 +10903,17 @@
           <a:p>
             <a:r>
               <a:rPr lang="en-US" dirty="0"/>
-              <a:t>Synapse Pipelines</a:t>
-            </a:r>
-          </a:p>
-        </p:txBody>
-      </p:sp>
-      <p:sp>
-        <p:nvSpPr>
-          <p:cNvPr id="3" name="Text Placeholder 2">
-            <a:extLst>
-              <a:ext uri="{FF2B5EF4-FFF2-40B4-BE49-F238E27FC236}">
-                <a16:creationId xmlns:a16="http://schemas.microsoft.com/office/drawing/2014/main" id="{01CE36E8-5BB2-8735-36ED-2830E523ACB3}"/>
+              <a:t>Lab Part 2</a:t>
+            </a:r>
+          </a:p>
+        </p:txBody>
+      </p:sp>
+      <p:sp>
+        <p:nvSpPr>
+          <p:cNvPr id="3" name="Content Placeholder 2">
+            <a:extLst>
+              <a:ext uri="{FF2B5EF4-FFF2-40B4-BE49-F238E27FC236}">
+                <a16:creationId xmlns:a16="http://schemas.microsoft.com/office/drawing/2014/main" id="{566CAAAE-75F3-7B5E-C61A-03FF68C88573}"/>
               </a:ext>
             </a:extLst>
           </p:cNvPr>
@@ -10912,7 +10921,7 @@
             <a:spLocks noGrp="1"/>
           </p:cNvSpPr>
           <p:nvPr>
-            <p:ph type="body" idx="1"/>
+            <p:ph idx="1"/>
           </p:nvPr>
         </p:nvSpPr>
         <p:spPr/>
@@ -10920,14 +10929,35 @@
           <a:bodyPr/>
           <a:lstStyle/>
           <a:p>
-            <a:endParaRPr lang="en-US"/>
+            <a:r>
+              <a:rPr lang="en-US" dirty="0"/>
+              <a:t>Read data from the data lake</a:t>
+            </a:r>
+          </a:p>
+          <a:p>
+            <a:r>
+              <a:rPr lang="en-US" dirty="0"/>
+              <a:t>Process data with Python and Spark SQL</a:t>
+            </a:r>
+          </a:p>
+          <a:p>
+            <a:r>
+              <a:rPr lang="en-US" dirty="0"/>
+              <a:t>Perform basic machine learning with Python</a:t>
+            </a:r>
+          </a:p>
+          <a:p>
+            <a:r>
+              <a:rPr lang="en-US" dirty="0"/>
+              <a:t>Write results to the data lake</a:t>
+            </a:r>
           </a:p>
         </p:txBody>
       </p:sp>
     </p:spTree>
     <p:extLst>
       <p:ext uri="{BB962C8B-B14F-4D97-AF65-F5344CB8AC3E}">
-        <p14:creationId xmlns:p14="http://schemas.microsoft.com/office/powerpoint/2010/main" val="3473337278"/>
+        <p14:creationId xmlns:p14="http://schemas.microsoft.com/office/powerpoint/2010/main" val="3738787417"/>
       </p:ext>
     </p:extLst>
   </p:cSld>
@@ -10959,6 +10989,89 @@
           <p:cNvPr id="2" name="Title 1">
             <a:extLst>
               <a:ext uri="{FF2B5EF4-FFF2-40B4-BE49-F238E27FC236}">
+                <a16:creationId xmlns:a16="http://schemas.microsoft.com/office/drawing/2014/main" id="{EC13CA8F-1BA1-8E30-EC44-4ECC2E6CADBF}"/>
+              </a:ext>
+            </a:extLst>
+          </p:cNvPr>
+          <p:cNvSpPr>
+            <a:spLocks noGrp="1"/>
+          </p:cNvSpPr>
+          <p:nvPr>
+            <p:ph type="title"/>
+          </p:nvPr>
+        </p:nvSpPr>
+        <p:spPr/>
+        <p:txBody>
+          <a:bodyPr/>
+          <a:lstStyle/>
+          <a:p>
+            <a:r>
+              <a:rPr lang="en-US" dirty="0"/>
+              <a:t>Synapse Pipelines</a:t>
+            </a:r>
+          </a:p>
+        </p:txBody>
+      </p:sp>
+      <p:sp>
+        <p:nvSpPr>
+          <p:cNvPr id="3" name="Text Placeholder 2">
+            <a:extLst>
+              <a:ext uri="{FF2B5EF4-FFF2-40B4-BE49-F238E27FC236}">
+                <a16:creationId xmlns:a16="http://schemas.microsoft.com/office/drawing/2014/main" id="{01CE36E8-5BB2-8735-36ED-2830E523ACB3}"/>
+              </a:ext>
+            </a:extLst>
+          </p:cNvPr>
+          <p:cNvSpPr>
+            <a:spLocks noGrp="1"/>
+          </p:cNvSpPr>
+          <p:nvPr>
+            <p:ph type="body" idx="1"/>
+          </p:nvPr>
+        </p:nvSpPr>
+        <p:spPr/>
+        <p:txBody>
+          <a:bodyPr/>
+          <a:lstStyle/>
+          <a:p>
+            <a:endParaRPr lang="en-US"/>
+          </a:p>
+        </p:txBody>
+      </p:sp>
+    </p:spTree>
+    <p:extLst>
+      <p:ext uri="{BB962C8B-B14F-4D97-AF65-F5344CB8AC3E}">
+        <p14:creationId xmlns:p14="http://schemas.microsoft.com/office/powerpoint/2010/main" val="3473337278"/>
+      </p:ext>
+    </p:extLst>
+  </p:cSld>
+  <p:clrMapOvr>
+    <a:masterClrMapping/>
+  </p:clrMapOvr>
+</p:sld>
+</file>
+
+<file path=ppt/slides/slide64.xml><?xml version="1.0" encoding="utf-8"?>
+<p:sld xmlns:a="http://schemas.openxmlformats.org/drawingml/2006/main" xmlns:r="http://schemas.openxmlformats.org/officeDocument/2006/relationships" xmlns:p="http://schemas.openxmlformats.org/presentationml/2006/main">
+  <p:cSld>
+    <p:spTree>
+      <p:nvGrpSpPr>
+        <p:cNvPr id="1" name=""/>
+        <p:cNvGrpSpPr/>
+        <p:nvPr/>
+      </p:nvGrpSpPr>
+      <p:grpSpPr>
+        <a:xfrm>
+          <a:off x="0" y="0"/>
+          <a:ext cx="0" cy="0"/>
+          <a:chOff x="0" y="0"/>
+          <a:chExt cx="0" cy="0"/>
+        </a:xfrm>
+      </p:grpSpPr>
+      <p:sp>
+        <p:nvSpPr>
+          <p:cNvPr id="2" name="Title 1">
+            <a:extLst>
+              <a:ext uri="{FF2B5EF4-FFF2-40B4-BE49-F238E27FC236}">
                 <a16:creationId xmlns:a16="http://schemas.microsoft.com/office/drawing/2014/main" id="{B22C245E-2B4F-FD50-59A0-517F533BEB13}"/>
               </a:ext>
             </a:extLst>
@@ -11069,7 +11182,7 @@
 </p:sld>
 </file>
 
-<file path=ppt/slides/slide64.xml><?xml version="1.0" encoding="utf-8"?>
+<file path=ppt/slides/slide65.xml><?xml version="1.0" encoding="utf-8"?>
 <p:sld xmlns:a="http://schemas.openxmlformats.org/drawingml/2006/main" xmlns:r="http://schemas.openxmlformats.org/officeDocument/2006/relationships" xmlns:p="http://schemas.openxmlformats.org/presentationml/2006/main">
   <p:cSld>
     <p:spTree>
@@ -11156,7 +11269,7 @@
 </p:sld>
 </file>
 
-<file path=ppt/slides/slide65.xml><?xml version="1.0" encoding="utf-8"?>
+<file path=ppt/slides/slide66.xml><?xml version="1.0" encoding="utf-8"?>
 <p:sld xmlns:a="http://schemas.openxmlformats.org/drawingml/2006/main" xmlns:r="http://schemas.openxmlformats.org/officeDocument/2006/relationships" xmlns:p="http://schemas.openxmlformats.org/presentationml/2006/main">
   <p:cSld>
     <p:spTree>
@@ -12148,7 +12261,7 @@
 </p:sld>
 </file>
 
-<file path=ppt/slides/slide66.xml><?xml version="1.0" encoding="utf-8"?>
+<file path=ppt/slides/slide67.xml><?xml version="1.0" encoding="utf-8"?>
 <p:sld xmlns:a="http://schemas.openxmlformats.org/drawingml/2006/main" xmlns:r="http://schemas.openxmlformats.org/officeDocument/2006/relationships" xmlns:p="http://schemas.openxmlformats.org/presentationml/2006/main">
   <p:cSld>
     <p:spTree>
@@ -18465,7 +18578,7 @@
 </p:sld>
 </file>
 
-<file path=ppt/slides/slide67.xml><?xml version="1.0" encoding="utf-8"?>
+<file path=ppt/slides/slide68.xml><?xml version="1.0" encoding="utf-8"?>
 <p:sld xmlns:a="http://schemas.openxmlformats.org/drawingml/2006/main" xmlns:r="http://schemas.openxmlformats.org/officeDocument/2006/relationships" xmlns:p="http://schemas.openxmlformats.org/presentationml/2006/main">
   <p:cSld>
     <p:spTree>
@@ -18622,7 +18735,7 @@
 </p:sld>
 </file>
 
-<file path=ppt/slides/slide68.xml><?xml version="1.0" encoding="utf-8"?>
+<file path=ppt/slides/slide69.xml><?xml version="1.0" encoding="utf-8"?>
 <p:sld xmlns:a="http://schemas.openxmlformats.org/drawingml/2006/main" xmlns:r="http://schemas.openxmlformats.org/officeDocument/2006/relationships" xmlns:p="http://schemas.openxmlformats.org/presentationml/2006/main">
   <p:cSld>
     <p:spTree>
@@ -18773,7 +18886,141 @@
 </p:sld>
 </file>
 
-<file path=ppt/slides/slide69.xml><?xml version="1.0" encoding="utf-8"?>
+<file path=ppt/slides/slide7.xml><?xml version="1.0" encoding="utf-8"?>
+<p:sld xmlns:a="http://schemas.openxmlformats.org/drawingml/2006/main" xmlns:r="http://schemas.openxmlformats.org/officeDocument/2006/relationships" xmlns:p="http://schemas.openxmlformats.org/presentationml/2006/main">
+  <p:cSld>
+    <p:spTree>
+      <p:nvGrpSpPr>
+        <p:cNvPr id="1" name=""/>
+        <p:cNvGrpSpPr/>
+        <p:nvPr/>
+      </p:nvGrpSpPr>
+      <p:grpSpPr>
+        <a:xfrm>
+          <a:off x="0" y="0"/>
+          <a:ext cx="0" cy="0"/>
+          <a:chOff x="0" y="0"/>
+          <a:chExt cx="0" cy="0"/>
+        </a:xfrm>
+      </p:grpSpPr>
+      <p:sp>
+        <p:nvSpPr>
+          <p:cNvPr id="2" name="Title 1">
+            <a:extLst>
+              <a:ext uri="{FF2B5EF4-FFF2-40B4-BE49-F238E27FC236}">
+                <a16:creationId xmlns:a16="http://schemas.microsoft.com/office/drawing/2014/main" id="{AE4E9D02-F4B1-7DDD-4DA4-4FB21F80A804}"/>
+              </a:ext>
+            </a:extLst>
+          </p:cNvPr>
+          <p:cNvSpPr>
+            <a:spLocks noGrp="1"/>
+          </p:cNvSpPr>
+          <p:nvPr>
+            <p:ph type="title"/>
+          </p:nvPr>
+        </p:nvSpPr>
+        <p:spPr/>
+        <p:txBody>
+          <a:bodyPr/>
+          <a:lstStyle/>
+          <a:p>
+            <a:r>
+              <a:rPr lang="en-US" dirty="0"/>
+              <a:t>Where Is My Data?</a:t>
+            </a:r>
+          </a:p>
+        </p:txBody>
+      </p:sp>
+      <p:sp>
+        <p:nvSpPr>
+          <p:cNvPr id="3" name="Content Placeholder 2">
+            <a:extLst>
+              <a:ext uri="{FF2B5EF4-FFF2-40B4-BE49-F238E27FC236}">
+                <a16:creationId xmlns:a16="http://schemas.microsoft.com/office/drawing/2014/main" id="{AC869689-4A76-C95F-DF1B-1503917B22E1}"/>
+              </a:ext>
+            </a:extLst>
+          </p:cNvPr>
+          <p:cNvSpPr>
+            <a:spLocks noGrp="1"/>
+          </p:cNvSpPr>
+          <p:nvPr>
+            <p:ph idx="1"/>
+          </p:nvPr>
+        </p:nvSpPr>
+        <p:spPr/>
+        <p:txBody>
+          <a:bodyPr/>
+          <a:lstStyle/>
+          <a:p>
+            <a:r>
+              <a:rPr lang="en-US" dirty="0"/>
+              <a:t>Dedicated SQL pool</a:t>
+            </a:r>
+          </a:p>
+          <a:p>
+            <a:pPr lvl="1"/>
+            <a:r>
+              <a:rPr lang="en-US" dirty="0"/>
+              <a:t>Split into 60 distributions but can logically be considered together</a:t>
+            </a:r>
+          </a:p>
+          <a:p>
+            <a:pPr lvl="1"/>
+            <a:r>
+              <a:rPr lang="en-US" dirty="0"/>
+              <a:t>Closest thing to a “normal” database for SQL Server users, though plenty of differences</a:t>
+            </a:r>
+          </a:p>
+          <a:p>
+            <a:r>
+              <a:rPr lang="en-US" dirty="0"/>
+              <a:t>Data Lake</a:t>
+            </a:r>
+          </a:p>
+          <a:p>
+            <a:pPr lvl="1"/>
+            <a:r>
+              <a:rPr lang="en-US" dirty="0"/>
+              <a:t>Data files stored in Azure Data Lake Storage Gen2</a:t>
+            </a:r>
+          </a:p>
+          <a:p>
+            <a:pPr lvl="1"/>
+            <a:r>
+              <a:rPr lang="en-US" dirty="0"/>
+              <a:t>Typically follows a particular hierarchical breakdown:</a:t>
+            </a:r>
+            <a:br>
+              <a:rPr lang="en-US" dirty="0"/>
+            </a:br>
+            <a:r>
+              <a:rPr lang="en-US" dirty="0"/>
+              <a:t>Measure \ Year \ Month \ Day \ {Hour \ … }</a:t>
+            </a:r>
+          </a:p>
+          <a:p>
+            <a:pPr lvl="1"/>
+            <a:r>
+              <a:rPr lang="en-US" dirty="0"/>
+              <a:t>Data typically stored in quasi-structured formats:  CSV/delimited file, JSON, ORC, Parquet</a:t>
+            </a:r>
+          </a:p>
+        </p:txBody>
+      </p:sp>
+    </p:spTree>
+    <p:extLst>
+      <p:ext uri="{BB962C8B-B14F-4D97-AF65-F5344CB8AC3E}">
+        <p14:creationId xmlns:p14="http://schemas.microsoft.com/office/powerpoint/2010/main" val="2524622518"/>
+      </p:ext>
+    </p:extLst>
+  </p:cSld>
+  <p:clrMapOvr>
+    <a:masterClrMapping/>
+  </p:clrMapOvr>
+</p:sld>
+</file>
+
+<file path=ppt/slides/slide70.xml><?xml version="1.0" encoding="utf-8"?>
 <p:sld xmlns:a="http://schemas.openxmlformats.org/drawingml/2006/main" xmlns:r="http://schemas.openxmlformats.org/officeDocument/2006/relationships" xmlns:p="http://schemas.openxmlformats.org/presentationml/2006/main">
   <p:cSld>
     <p:spTree>
@@ -18904,141 +19151,7 @@
 </p:sld>
 </file>
 
-<file path=ppt/slides/slide7.xml><?xml version="1.0" encoding="utf-8"?>
-<p:sld xmlns:a="http://schemas.openxmlformats.org/drawingml/2006/main" xmlns:r="http://schemas.openxmlformats.org/officeDocument/2006/relationships" xmlns:p="http://schemas.openxmlformats.org/presentationml/2006/main">
-  <p:cSld>
-    <p:spTree>
-      <p:nvGrpSpPr>
-        <p:cNvPr id="1" name=""/>
-        <p:cNvGrpSpPr/>
-        <p:nvPr/>
-      </p:nvGrpSpPr>
-      <p:grpSpPr>
-        <a:xfrm>
-          <a:off x="0" y="0"/>
-          <a:ext cx="0" cy="0"/>
-          <a:chOff x="0" y="0"/>
-          <a:chExt cx="0" cy="0"/>
-        </a:xfrm>
-      </p:grpSpPr>
-      <p:sp>
-        <p:nvSpPr>
-          <p:cNvPr id="2" name="Title 1">
-            <a:extLst>
-              <a:ext uri="{FF2B5EF4-FFF2-40B4-BE49-F238E27FC236}">
-                <a16:creationId xmlns:a16="http://schemas.microsoft.com/office/drawing/2014/main" id="{AE4E9D02-F4B1-7DDD-4DA4-4FB21F80A804}"/>
-              </a:ext>
-            </a:extLst>
-          </p:cNvPr>
-          <p:cNvSpPr>
-            <a:spLocks noGrp="1"/>
-          </p:cNvSpPr>
-          <p:nvPr>
-            <p:ph type="title"/>
-          </p:nvPr>
-        </p:nvSpPr>
-        <p:spPr/>
-        <p:txBody>
-          <a:bodyPr/>
-          <a:lstStyle/>
-          <a:p>
-            <a:r>
-              <a:rPr lang="en-US" dirty="0"/>
-              <a:t>Where Is My Data?</a:t>
-            </a:r>
-          </a:p>
-        </p:txBody>
-      </p:sp>
-      <p:sp>
-        <p:nvSpPr>
-          <p:cNvPr id="3" name="Content Placeholder 2">
-            <a:extLst>
-              <a:ext uri="{FF2B5EF4-FFF2-40B4-BE49-F238E27FC236}">
-                <a16:creationId xmlns:a16="http://schemas.microsoft.com/office/drawing/2014/main" id="{AC869689-4A76-C95F-DF1B-1503917B22E1}"/>
-              </a:ext>
-            </a:extLst>
-          </p:cNvPr>
-          <p:cNvSpPr>
-            <a:spLocks noGrp="1"/>
-          </p:cNvSpPr>
-          <p:nvPr>
-            <p:ph idx="1"/>
-          </p:nvPr>
-        </p:nvSpPr>
-        <p:spPr/>
-        <p:txBody>
-          <a:bodyPr/>
-          <a:lstStyle/>
-          <a:p>
-            <a:r>
-              <a:rPr lang="en-US" dirty="0"/>
-              <a:t>Dedicated SQL pool</a:t>
-            </a:r>
-          </a:p>
-          <a:p>
-            <a:pPr lvl="1"/>
-            <a:r>
-              <a:rPr lang="en-US" dirty="0"/>
-              <a:t>Split into 60 distributions but can logically be considered together</a:t>
-            </a:r>
-          </a:p>
-          <a:p>
-            <a:pPr lvl="1"/>
-            <a:r>
-              <a:rPr lang="en-US" dirty="0"/>
-              <a:t>Closest thing to a “normal” database for SQL Server users, though plenty of differences</a:t>
-            </a:r>
-          </a:p>
-          <a:p>
-            <a:r>
-              <a:rPr lang="en-US" dirty="0"/>
-              <a:t>Data Lake</a:t>
-            </a:r>
-          </a:p>
-          <a:p>
-            <a:pPr lvl="1"/>
-            <a:r>
-              <a:rPr lang="en-US" dirty="0"/>
-              <a:t>Data files stored in Azure Data Lake Storage Gen2</a:t>
-            </a:r>
-          </a:p>
-          <a:p>
-            <a:pPr lvl="1"/>
-            <a:r>
-              <a:rPr lang="en-US" dirty="0"/>
-              <a:t>Typically follows a particular hierarchical breakdown:</a:t>
-            </a:r>
-            <a:br>
-              <a:rPr lang="en-US" dirty="0"/>
-            </a:br>
-            <a:r>
-              <a:rPr lang="en-US" dirty="0"/>
-              <a:t>Measure \ Year \ Month \ Day \ {Hour \ … }</a:t>
-            </a:r>
-          </a:p>
-          <a:p>
-            <a:pPr lvl="1"/>
-            <a:r>
-              <a:rPr lang="en-US" dirty="0"/>
-              <a:t>Data typically stored in quasi-structured formats:  CSV/delimited file, JSON, ORC, Parquet</a:t>
-            </a:r>
-          </a:p>
-        </p:txBody>
-      </p:sp>
-    </p:spTree>
-    <p:extLst>
-      <p:ext uri="{BB962C8B-B14F-4D97-AF65-F5344CB8AC3E}">
-        <p14:creationId xmlns:p14="http://schemas.microsoft.com/office/powerpoint/2010/main" val="2524622518"/>
-      </p:ext>
-    </p:extLst>
-  </p:cSld>
-  <p:clrMapOvr>
-    <a:masterClrMapping/>
-  </p:clrMapOvr>
-</p:sld>
-</file>
-
-<file path=ppt/slides/slide70.xml><?xml version="1.0" encoding="utf-8"?>
+<file path=ppt/slides/slide71.xml><?xml version="1.0" encoding="utf-8"?>
 <p:sld xmlns:a="http://schemas.openxmlformats.org/drawingml/2006/main" xmlns:r="http://schemas.openxmlformats.org/officeDocument/2006/relationships" xmlns:p="http://schemas.openxmlformats.org/presentationml/2006/main">
   <p:cSld>
     <p:spTree>
@@ -19199,7 +19312,7 @@
 </p:sld>
 </file>
 
-<file path=ppt/slides/slide71.xml><?xml version="1.0" encoding="utf-8"?>
+<file path=ppt/slides/slide72.xml><?xml version="1.0" encoding="utf-8"?>
 <p:sld xmlns:a="http://schemas.openxmlformats.org/drawingml/2006/main" xmlns:r="http://schemas.openxmlformats.org/officeDocument/2006/relationships" xmlns:p="http://schemas.openxmlformats.org/presentationml/2006/main">
   <p:cSld>
     <p:spTree>
@@ -19329,104 +19442,6 @@
 </p:sld>
 </file>
 
-<file path=ppt/slides/slide72.xml><?xml version="1.0" encoding="utf-8"?>
-<p:sld xmlns:a="http://schemas.openxmlformats.org/drawingml/2006/main" xmlns:r="http://schemas.openxmlformats.org/officeDocument/2006/relationships" xmlns:p="http://schemas.openxmlformats.org/presentationml/2006/main">
-  <p:cSld>
-    <p:spTree>
-      <p:nvGrpSpPr>
-        <p:cNvPr id="1" name=""/>
-        <p:cNvGrpSpPr/>
-        <p:nvPr/>
-      </p:nvGrpSpPr>
-      <p:grpSpPr>
-        <a:xfrm>
-          <a:off x="0" y="0"/>
-          <a:ext cx="0" cy="0"/>
-          <a:chOff x="0" y="0"/>
-          <a:chExt cx="0" cy="0"/>
-        </a:xfrm>
-      </p:grpSpPr>
-      <p:sp>
-        <p:nvSpPr>
-          <p:cNvPr id="2" name="Title 1">
-            <a:extLst>
-              <a:ext uri="{FF2B5EF4-FFF2-40B4-BE49-F238E27FC236}">
-                <a16:creationId xmlns:a16="http://schemas.microsoft.com/office/drawing/2014/main" id="{B22C245E-2B4F-FD50-59A0-517F533BEB13}"/>
-              </a:ext>
-            </a:extLst>
-          </p:cNvPr>
-          <p:cNvSpPr>
-            <a:spLocks noGrp="1"/>
-          </p:cNvSpPr>
-          <p:nvPr>
-            <p:ph type="title"/>
-          </p:nvPr>
-        </p:nvSpPr>
-        <p:spPr/>
-        <p:txBody>
-          <a:bodyPr/>
-          <a:lstStyle/>
-          <a:p>
-            <a:r>
-              <a:rPr lang="en-US" dirty="0"/>
-              <a:t>Lab Part 3</a:t>
-            </a:r>
-          </a:p>
-        </p:txBody>
-      </p:sp>
-      <p:sp>
-        <p:nvSpPr>
-          <p:cNvPr id="3" name="Content Placeholder 2">
-            <a:extLst>
-              <a:ext uri="{FF2B5EF4-FFF2-40B4-BE49-F238E27FC236}">
-                <a16:creationId xmlns:a16="http://schemas.microsoft.com/office/drawing/2014/main" id="{566CAAAE-75F3-7B5E-C61A-03FF68C88573}"/>
-              </a:ext>
-            </a:extLst>
-          </p:cNvPr>
-          <p:cNvSpPr>
-            <a:spLocks noGrp="1"/>
-          </p:cNvSpPr>
-          <p:nvPr>
-            <p:ph idx="1"/>
-          </p:nvPr>
-        </p:nvSpPr>
-        <p:spPr/>
-        <p:txBody>
-          <a:bodyPr/>
-          <a:lstStyle/>
-          <a:p>
-            <a:r>
-              <a:rPr lang="en-US" dirty="0"/>
-              <a:t>Convert notebook into Synapse pipeline</a:t>
-            </a:r>
-          </a:p>
-          <a:p>
-            <a:r>
-              <a:rPr lang="en-US" dirty="0"/>
-              <a:t>Execute notebook</a:t>
-            </a:r>
-          </a:p>
-          <a:p>
-            <a:r>
-              <a:rPr lang="en-US" dirty="0"/>
-              <a:t>Trigger on new data</a:t>
-            </a:r>
-          </a:p>
-        </p:txBody>
-      </p:sp>
-    </p:spTree>
-    <p:extLst>
-      <p:ext uri="{BB962C8B-B14F-4D97-AF65-F5344CB8AC3E}">
-        <p14:creationId xmlns:p14="http://schemas.microsoft.com/office/powerpoint/2010/main" val="1127114026"/>
-      </p:ext>
-    </p:extLst>
-  </p:cSld>
-  <p:clrMapOvr>
-    <a:masterClrMapping/>
-  </p:clrMapOvr>
-</p:sld>
-</file>
-
 <file path=ppt/slides/slide73.xml><?xml version="1.0" encoding="utf-8"?>
 <p:sld xmlns:a="http://schemas.openxmlformats.org/drawingml/2006/main" xmlns:r="http://schemas.openxmlformats.org/officeDocument/2006/relationships" xmlns:p="http://schemas.openxmlformats.org/presentationml/2006/main">
   <p:cSld>
@@ -19449,6 +19464,104 @@
           <p:cNvPr id="2" name="Title 1">
             <a:extLst>
               <a:ext uri="{FF2B5EF4-FFF2-40B4-BE49-F238E27FC236}">
+                <a16:creationId xmlns:a16="http://schemas.microsoft.com/office/drawing/2014/main" id="{B22C245E-2B4F-FD50-59A0-517F533BEB13}"/>
+              </a:ext>
+            </a:extLst>
+          </p:cNvPr>
+          <p:cNvSpPr>
+            <a:spLocks noGrp="1"/>
+          </p:cNvSpPr>
+          <p:nvPr>
+            <p:ph type="title"/>
+          </p:nvPr>
+        </p:nvSpPr>
+        <p:spPr/>
+        <p:txBody>
+          <a:bodyPr/>
+          <a:lstStyle/>
+          <a:p>
+            <a:r>
+              <a:rPr lang="en-US" dirty="0"/>
+              <a:t>Lab Part 3</a:t>
+            </a:r>
+          </a:p>
+        </p:txBody>
+      </p:sp>
+      <p:sp>
+        <p:nvSpPr>
+          <p:cNvPr id="3" name="Content Placeholder 2">
+            <a:extLst>
+              <a:ext uri="{FF2B5EF4-FFF2-40B4-BE49-F238E27FC236}">
+                <a16:creationId xmlns:a16="http://schemas.microsoft.com/office/drawing/2014/main" id="{566CAAAE-75F3-7B5E-C61A-03FF68C88573}"/>
+              </a:ext>
+            </a:extLst>
+          </p:cNvPr>
+          <p:cNvSpPr>
+            <a:spLocks noGrp="1"/>
+          </p:cNvSpPr>
+          <p:nvPr>
+            <p:ph idx="1"/>
+          </p:nvPr>
+        </p:nvSpPr>
+        <p:spPr/>
+        <p:txBody>
+          <a:bodyPr/>
+          <a:lstStyle/>
+          <a:p>
+            <a:r>
+              <a:rPr lang="en-US" dirty="0"/>
+              <a:t>Convert notebook into Synapse pipeline</a:t>
+            </a:r>
+          </a:p>
+          <a:p>
+            <a:r>
+              <a:rPr lang="en-US" dirty="0"/>
+              <a:t>Execute notebook</a:t>
+            </a:r>
+          </a:p>
+          <a:p>
+            <a:r>
+              <a:rPr lang="en-US" dirty="0"/>
+              <a:t>Trigger on new data</a:t>
+            </a:r>
+          </a:p>
+        </p:txBody>
+      </p:sp>
+    </p:spTree>
+    <p:extLst>
+      <p:ext uri="{BB962C8B-B14F-4D97-AF65-F5344CB8AC3E}">
+        <p14:creationId xmlns:p14="http://schemas.microsoft.com/office/powerpoint/2010/main" val="1127114026"/>
+      </p:ext>
+    </p:extLst>
+  </p:cSld>
+  <p:clrMapOvr>
+    <a:masterClrMapping/>
+  </p:clrMapOvr>
+</p:sld>
+</file>
+
+<file path=ppt/slides/slide74.xml><?xml version="1.0" encoding="utf-8"?>
+<p:sld xmlns:a="http://schemas.openxmlformats.org/drawingml/2006/main" xmlns:r="http://schemas.openxmlformats.org/officeDocument/2006/relationships" xmlns:p="http://schemas.openxmlformats.org/presentationml/2006/main">
+  <p:cSld>
+    <p:spTree>
+      <p:nvGrpSpPr>
+        <p:cNvPr id="1" name=""/>
+        <p:cNvGrpSpPr/>
+        <p:nvPr/>
+      </p:nvGrpSpPr>
+      <p:grpSpPr>
+        <a:xfrm>
+          <a:off x="0" y="0"/>
+          <a:ext cx="0" cy="0"/>
+          <a:chOff x="0" y="0"/>
+          <a:chExt cx="0" cy="0"/>
+        </a:xfrm>
+      </p:grpSpPr>
+      <p:sp>
+        <p:nvSpPr>
+          <p:cNvPr id="2" name="Title 1">
+            <a:extLst>
+              <a:ext uri="{FF2B5EF4-FFF2-40B4-BE49-F238E27FC236}">
                 <a16:creationId xmlns:a16="http://schemas.microsoft.com/office/drawing/2014/main" id="{F1BF4DF7-6ECF-F443-4A77-36AB5447924C}"/>
               </a:ext>
             </a:extLst>
@@ -19515,7 +19628,7 @@
 </p:sld>
 </file>
 
-<file path=ppt/slides/slide74.xml><?xml version="1.0" encoding="utf-8"?>
+<file path=ppt/slides/slide75.xml><?xml version="1.0" encoding="utf-8"?>
 <p:sld xmlns:a="http://schemas.openxmlformats.org/drawingml/2006/main" xmlns:r="http://schemas.openxmlformats.org/officeDocument/2006/relationships" xmlns:p="http://schemas.openxmlformats.org/presentationml/2006/main">
   <p:cSld>
     <p:spTree>

--- a/Slides/02 - Synapse Development.pptx
+++ b/Slides/02 - Synapse Development.pptx
@@ -17,7 +17,7 @@
     <p:sldId id="265" r:id="rId8"/>
     <p:sldId id="266" r:id="rId9"/>
     <p:sldId id="267" r:id="rId10"/>
-    <p:sldId id="268" r:id="rId11"/>
+    <p:sldId id="11938" r:id="rId11"/>
     <p:sldId id="269" r:id="rId12"/>
     <p:sldId id="258" r:id="rId13"/>
     <p:sldId id="271" r:id="rId14"/>
@@ -4181,10 +4181,10 @@
       </p:sp>
       <p:sp>
         <p:nvSpPr>
-          <p:cNvPr id="3" name="Content Placeholder 2">
-            <a:extLst>
-              <a:ext uri="{FF2B5EF4-FFF2-40B4-BE49-F238E27FC236}">
-                <a16:creationId xmlns:a16="http://schemas.microsoft.com/office/drawing/2014/main" id="{566CAAAE-75F3-7B5E-C61A-03FF68C88573}"/>
+          <p:cNvPr id="4" name="Text Placeholder 3">
+            <a:extLst>
+              <a:ext uri="{FF2B5EF4-FFF2-40B4-BE49-F238E27FC236}">
+                <a16:creationId xmlns:a16="http://schemas.microsoft.com/office/drawing/2014/main" id="{C47660CF-D06F-F140-D448-8BD6D51BE130}"/>
               </a:ext>
             </a:extLst>
           </p:cNvPr>
@@ -4192,7 +4192,35 @@
             <a:spLocks noGrp="1"/>
           </p:cNvSpPr>
           <p:nvPr>
-            <p:ph idx="1"/>
+            <p:ph type="body" idx="1"/>
+          </p:nvPr>
+        </p:nvSpPr>
+        <p:spPr/>
+        <p:txBody>
+          <a:bodyPr/>
+          <a:lstStyle/>
+          <a:p>
+            <a:r>
+              <a:rPr lang="en-US" dirty="0"/>
+              <a:t>Why Notebooks?</a:t>
+            </a:r>
+          </a:p>
+        </p:txBody>
+      </p:sp>
+      <p:sp>
+        <p:nvSpPr>
+          <p:cNvPr id="3" name="Content Placeholder 2">
+            <a:extLst>
+              <a:ext uri="{FF2B5EF4-FFF2-40B4-BE49-F238E27FC236}">
+                <a16:creationId xmlns:a16="http://schemas.microsoft.com/office/drawing/2014/main" id="{566CAAAE-75F3-7B5E-C61A-03FF68C88573}"/>
+              </a:ext>
+            </a:extLst>
+          </p:cNvPr>
+          <p:cNvSpPr>
+            <a:spLocks noGrp="1"/>
+          </p:cNvSpPr>
+          <p:nvPr>
+            <p:ph sz="half" idx="2"/>
           </p:nvPr>
         </p:nvSpPr>
         <p:spPr/>
@@ -4204,77 +4232,110 @@
           <a:p>
             <a:r>
               <a:rPr lang="en-US" dirty="0"/>
-              <a:t>Why Notebooks?</a:t>
-            </a:r>
-          </a:p>
-          <a:p>
-            <a:pPr lvl="1"/>
-            <a:r>
-              <a:rPr lang="en-US" dirty="0"/>
               <a:t>Easy to create and maintain documentation:  in line with the code</a:t>
             </a:r>
           </a:p>
           <a:p>
-            <a:pPr lvl="1"/>
             <a:r>
               <a:rPr lang="en-US" dirty="0"/>
               <a:t>Supports multiple languages in the same notebook</a:t>
             </a:r>
           </a:p>
           <a:p>
-            <a:pPr lvl="1"/>
             <a:r>
               <a:rPr lang="en-US" dirty="0"/>
               <a:t>Great for pedagogical purposes</a:t>
             </a:r>
           </a:p>
           <a:p>
-            <a:pPr lvl="1"/>
             <a:r>
               <a:rPr lang="en-US" dirty="0"/>
               <a:t>Good interface in Synapse Studio</a:t>
             </a:r>
           </a:p>
+        </p:txBody>
+      </p:sp>
+      <p:sp>
+        <p:nvSpPr>
+          <p:cNvPr id="5" name="Text Placeholder 4">
+            <a:extLst>
+              <a:ext uri="{FF2B5EF4-FFF2-40B4-BE49-F238E27FC236}">
+                <a16:creationId xmlns:a16="http://schemas.microsoft.com/office/drawing/2014/main" id="{45597B22-E042-23AB-EAAA-936E066378B6}"/>
+              </a:ext>
+            </a:extLst>
+          </p:cNvPr>
+          <p:cNvSpPr>
+            <a:spLocks noGrp="1"/>
+          </p:cNvSpPr>
+          <p:nvPr>
+            <p:ph type="body" sz="quarter" idx="3"/>
+          </p:nvPr>
+        </p:nvSpPr>
+        <p:spPr/>
+        <p:txBody>
+          <a:bodyPr/>
+          <a:lstStyle/>
           <a:p>
             <a:r>
               <a:rPr lang="en-US" dirty="0"/>
               <a:t>Why Code?</a:t>
             </a:r>
           </a:p>
-          <a:p>
-            <a:pPr lvl="1"/>
+        </p:txBody>
+      </p:sp>
+      <p:sp>
+        <p:nvSpPr>
+          <p:cNvPr id="6" name="Content Placeholder 5">
+            <a:extLst>
+              <a:ext uri="{FF2B5EF4-FFF2-40B4-BE49-F238E27FC236}">
+                <a16:creationId xmlns:a16="http://schemas.microsoft.com/office/drawing/2014/main" id="{811A5E9C-7F90-1A23-786E-7AB6C5AA2D7A}"/>
+              </a:ext>
+            </a:extLst>
+          </p:cNvPr>
+          <p:cNvSpPr>
+            <a:spLocks noGrp="1"/>
+          </p:cNvSpPr>
+          <p:nvPr>
+            <p:ph sz="quarter" idx="4"/>
+          </p:nvPr>
+        </p:nvSpPr>
+        <p:spPr/>
+        <p:txBody>
+          <a:bodyPr/>
+          <a:lstStyle/>
+          <a:p>
             <a:r>
               <a:rPr lang="en-US" dirty="0"/>
               <a:t>Do not need a separate notebook runner to execute</a:t>
             </a:r>
           </a:p>
           <a:p>
-            <a:pPr lvl="1"/>
             <a:r>
               <a:rPr lang="en-US" dirty="0"/>
               <a:t>Easier to read code in other tools</a:t>
             </a:r>
           </a:p>
           <a:p>
-            <a:pPr lvl="1"/>
             <a:r>
               <a:rPr lang="en-US" dirty="0"/>
               <a:t>Easier to compare in source control</a:t>
             </a:r>
           </a:p>
           <a:p>
-            <a:pPr lvl="1"/>
             <a:r>
               <a:rPr lang="en-US" dirty="0"/>
               <a:t>Better for automating activities</a:t>
             </a:r>
+          </a:p>
+          <a:p>
+            <a:endParaRPr lang="en-US" dirty="0"/>
           </a:p>
         </p:txBody>
       </p:sp>
     </p:spTree>
     <p:extLst>
       <p:ext uri="{BB962C8B-B14F-4D97-AF65-F5344CB8AC3E}">
-        <p14:creationId xmlns:p14="http://schemas.microsoft.com/office/powerpoint/2010/main" val="2844408050"/>
+        <p14:creationId xmlns:p14="http://schemas.microsoft.com/office/powerpoint/2010/main" val="3268262766"/>
       </p:ext>
     </p:extLst>
   </p:cSld>
@@ -8771,7 +8832,7 @@
             <a:spLocks noGrp="1"/>
           </p:cNvSpPr>
           <p:nvPr>
-            <p:ph idx="1"/>
+            <p:ph sz="half" idx="1"/>
           </p:nvPr>
         </p:nvSpPr>
         <p:spPr/>
@@ -8801,6 +8862,55 @@
           </a:p>
         </p:txBody>
       </p:sp>
+      <p:pic>
+        <p:nvPicPr>
+          <p:cNvPr id="5" name="Picture 2" descr="A diagram that shows the different data lake use cases.">
+            <a:extLst>
+              <a:ext uri="{FF2B5EF4-FFF2-40B4-BE49-F238E27FC236}">
+                <a16:creationId xmlns:a16="http://schemas.microsoft.com/office/drawing/2014/main" id="{737F8154-4397-716B-E294-21E662F7F72B}"/>
+              </a:ext>
+            </a:extLst>
+          </p:cNvPr>
+          <p:cNvPicPr>
+            <a:picLocks noGrp="1" noChangeAspect="1" noChangeArrowheads="1"/>
+          </p:cNvPicPr>
+          <p:nvPr>
+            <p:ph sz="half" idx="2"/>
+          </p:nvPr>
+        </p:nvPicPr>
+        <p:blipFill>
+          <a:blip r:embed="rId2">
+            <a:extLst>
+              <a:ext uri="{28A0092B-C50C-407E-A947-70E740481C1C}">
+                <a14:useLocalDpi xmlns:a14="http://schemas.microsoft.com/office/drawing/2010/main" val="0"/>
+              </a:ext>
+            </a:extLst>
+          </a:blip>
+          <a:srcRect/>
+          <a:stretch>
+            <a:fillRect/>
+          </a:stretch>
+        </p:blipFill>
+        <p:spPr bwMode="auto">
+          <a:xfrm>
+            <a:off x="6172202" y="2097573"/>
+            <a:ext cx="5980705" cy="3640754"/>
+          </a:xfrm>
+          <a:prstGeom prst="rect">
+            <a:avLst/>
+          </a:prstGeom>
+          <a:noFill/>
+          <a:extLst>
+            <a:ext uri="{909E8E84-426E-40DD-AFC4-6F175D3DCCD1}">
+              <a14:hiddenFill xmlns:a14="http://schemas.microsoft.com/office/drawing/2010/main">
+                <a:solidFill>
+                  <a:srgbClr val="FFFFFF"/>
+                </a:solidFill>
+              </a14:hiddenFill>
+            </a:ext>
+          </a:extLst>
+        </p:spPr>
+      </p:pic>
     </p:spTree>
     <p:extLst>
       <p:ext uri="{BB962C8B-B14F-4D97-AF65-F5344CB8AC3E}">
@@ -9361,25 +9471,653 @@
           <a:p>
             <a:r>
               <a:rPr lang="en-US" dirty="0"/>
-              <a:t>Source systems tend not to save history, so we </a:t>
-            </a:r>
-            <a:r>
-              <a:rPr lang="en-US"/>
-              <a:t>want to do so</a:t>
-            </a:r>
+              <a:t>Source systems tend not to save history, so we want to do so</a:t>
+            </a:r>
+          </a:p>
+          <a:p>
+            <a:r>
+              <a:rPr lang="en-US" dirty="0"/>
+              <a:t>Able to rebuild later layers in event of bug in code</a:t>
+            </a:r>
+          </a:p>
+          <a:p>
             <a:endParaRPr lang="en-US" dirty="0"/>
           </a:p>
-          <a:p>
-            <a:r>
-              <a:rPr lang="en-US" dirty="0"/>
-              <a:t>Able to rebuild later layers in event of bug in code</a:t>
-            </a:r>
-          </a:p>
-          <a:p>
+        </p:txBody>
+      </p:sp>
+      <p:sp>
+        <p:nvSpPr>
+          <p:cNvPr id="4" name="Rectangle 3">
+            <a:extLst>
+              <a:ext uri="{FF2B5EF4-FFF2-40B4-BE49-F238E27FC236}">
+                <a16:creationId xmlns:a16="http://schemas.microsoft.com/office/drawing/2014/main" id="{08AB3D92-2DA8-EA45-9F9F-570BBD646FCC}"/>
+              </a:ext>
+            </a:extLst>
+          </p:cNvPr>
+          <p:cNvSpPr/>
+          <p:nvPr/>
+        </p:nvSpPr>
+        <p:spPr>
+          <a:xfrm>
+            <a:off x="1726163" y="4358237"/>
+            <a:ext cx="1222310" cy="2332654"/>
+          </a:xfrm>
+          <a:prstGeom prst="rect">
+            <a:avLst/>
+          </a:prstGeom>
+        </p:spPr>
+        <p:style>
+          <a:lnRef idx="2">
+            <a:schemeClr val="accent5">
+              <a:shade val="50000"/>
+            </a:schemeClr>
+          </a:lnRef>
+          <a:fillRef idx="1">
+            <a:schemeClr val="accent5"/>
+          </a:fillRef>
+          <a:effectRef idx="0">
+            <a:schemeClr val="accent5"/>
+          </a:effectRef>
+          <a:fontRef idx="minor">
+            <a:schemeClr val="lt1"/>
+          </a:fontRef>
+        </p:style>
+        <p:txBody>
+          <a:bodyPr rtlCol="0" anchor="ctr"/>
+          <a:lstStyle/>
+          <a:p>
+            <a:pPr algn="ctr"/>
+            <a:r>
+              <a:rPr lang="en-US" dirty="0"/>
+              <a:t>Data Sources</a:t>
+            </a:r>
+          </a:p>
+          <a:p>
+            <a:pPr algn="ctr"/>
             <a:endParaRPr lang="en-US" dirty="0"/>
           </a:p>
-        </p:txBody>
-      </p:sp>
+          <a:p>
+            <a:pPr algn="ctr"/>
+            <a:endParaRPr lang="en-US" dirty="0"/>
+          </a:p>
+          <a:p>
+            <a:pPr algn="ctr"/>
+            <a:endParaRPr lang="en-US" dirty="0"/>
+          </a:p>
+          <a:p>
+            <a:pPr algn="ctr"/>
+            <a:endParaRPr lang="en-US" dirty="0"/>
+          </a:p>
+          <a:p>
+            <a:pPr algn="ctr"/>
+            <a:endParaRPr lang="en-US" dirty="0"/>
+          </a:p>
+          <a:p>
+            <a:pPr algn="ctr"/>
+            <a:endParaRPr lang="en-US" dirty="0"/>
+          </a:p>
+        </p:txBody>
+      </p:sp>
+      <p:sp>
+        <p:nvSpPr>
+          <p:cNvPr id="5" name="Rectangle 4">
+            <a:extLst>
+              <a:ext uri="{FF2B5EF4-FFF2-40B4-BE49-F238E27FC236}">
+                <a16:creationId xmlns:a16="http://schemas.microsoft.com/office/drawing/2014/main" id="{B70472FC-82A1-F3D3-93EB-5F47E61F4440}"/>
+              </a:ext>
+            </a:extLst>
+          </p:cNvPr>
+          <p:cNvSpPr/>
+          <p:nvPr/>
+        </p:nvSpPr>
+        <p:spPr>
+          <a:xfrm>
+            <a:off x="3480318" y="4871421"/>
+            <a:ext cx="1586204" cy="699796"/>
+          </a:xfrm>
+          <a:prstGeom prst="rect">
+            <a:avLst/>
+          </a:prstGeom>
+        </p:spPr>
+        <p:style>
+          <a:lnRef idx="2">
+            <a:schemeClr val="accent5">
+              <a:shade val="50000"/>
+            </a:schemeClr>
+          </a:lnRef>
+          <a:fillRef idx="1">
+            <a:schemeClr val="accent5"/>
+          </a:fillRef>
+          <a:effectRef idx="0">
+            <a:schemeClr val="accent5"/>
+          </a:effectRef>
+          <a:fontRef idx="minor">
+            <a:schemeClr val="lt1"/>
+          </a:fontRef>
+        </p:style>
+        <p:txBody>
+          <a:bodyPr rtlCol="0" anchor="ctr"/>
+          <a:lstStyle/>
+          <a:p>
+            <a:pPr algn="ctr"/>
+            <a:r>
+              <a:rPr lang="en-US" dirty="0"/>
+              <a:t>Raw Layer</a:t>
+            </a:r>
+          </a:p>
+        </p:txBody>
+      </p:sp>
+      <p:sp>
+        <p:nvSpPr>
+          <p:cNvPr id="6" name="Rectangle 5">
+            <a:extLst>
+              <a:ext uri="{FF2B5EF4-FFF2-40B4-BE49-F238E27FC236}">
+                <a16:creationId xmlns:a16="http://schemas.microsoft.com/office/drawing/2014/main" id="{CD52A029-51CB-729B-BADA-26661CB9230D}"/>
+              </a:ext>
+            </a:extLst>
+          </p:cNvPr>
+          <p:cNvSpPr/>
+          <p:nvPr/>
+        </p:nvSpPr>
+        <p:spPr>
+          <a:xfrm>
+            <a:off x="5750767" y="4871421"/>
+            <a:ext cx="1586204" cy="699796"/>
+          </a:xfrm>
+          <a:prstGeom prst="rect">
+            <a:avLst/>
+          </a:prstGeom>
+          <a:solidFill>
+            <a:srgbClr val="5B9BD5">
+              <a:alpha val="50196"/>
+            </a:srgbClr>
+          </a:solidFill>
+        </p:spPr>
+        <p:style>
+          <a:lnRef idx="2">
+            <a:schemeClr val="accent5">
+              <a:shade val="50000"/>
+            </a:schemeClr>
+          </a:lnRef>
+          <a:fillRef idx="1">
+            <a:schemeClr val="accent5"/>
+          </a:fillRef>
+          <a:effectRef idx="0">
+            <a:schemeClr val="accent5"/>
+          </a:effectRef>
+          <a:fontRef idx="minor">
+            <a:schemeClr val="lt1"/>
+          </a:fontRef>
+        </p:style>
+        <p:txBody>
+          <a:bodyPr rtlCol="0" anchor="ctr"/>
+          <a:lstStyle/>
+          <a:p>
+            <a:pPr algn="ctr"/>
+            <a:r>
+              <a:rPr lang="en-US" dirty="0"/>
+              <a:t>Refined Layer</a:t>
+            </a:r>
+          </a:p>
+        </p:txBody>
+      </p:sp>
+      <p:sp>
+        <p:nvSpPr>
+          <p:cNvPr id="7" name="Rectangle 6">
+            <a:extLst>
+              <a:ext uri="{FF2B5EF4-FFF2-40B4-BE49-F238E27FC236}">
+                <a16:creationId xmlns:a16="http://schemas.microsoft.com/office/drawing/2014/main" id="{686B2099-93F3-2EE9-11A7-960659925898}"/>
+              </a:ext>
+            </a:extLst>
+          </p:cNvPr>
+          <p:cNvSpPr/>
+          <p:nvPr/>
+        </p:nvSpPr>
+        <p:spPr>
+          <a:xfrm>
+            <a:off x="8021216" y="4871421"/>
+            <a:ext cx="1586204" cy="699796"/>
+          </a:xfrm>
+          <a:prstGeom prst="rect">
+            <a:avLst/>
+          </a:prstGeom>
+          <a:solidFill>
+            <a:srgbClr val="5B9BD5">
+              <a:alpha val="50196"/>
+            </a:srgbClr>
+          </a:solidFill>
+        </p:spPr>
+        <p:style>
+          <a:lnRef idx="2">
+            <a:schemeClr val="accent5">
+              <a:shade val="50000"/>
+            </a:schemeClr>
+          </a:lnRef>
+          <a:fillRef idx="1">
+            <a:schemeClr val="accent5"/>
+          </a:fillRef>
+          <a:effectRef idx="0">
+            <a:schemeClr val="accent5"/>
+          </a:effectRef>
+          <a:fontRef idx="minor">
+            <a:schemeClr val="lt1"/>
+          </a:fontRef>
+        </p:style>
+        <p:txBody>
+          <a:bodyPr rtlCol="0" anchor="ctr"/>
+          <a:lstStyle/>
+          <a:p>
+            <a:pPr algn="ctr"/>
+            <a:r>
+              <a:rPr lang="en-US" dirty="0"/>
+              <a:t>Curated Layer</a:t>
+            </a:r>
+          </a:p>
+        </p:txBody>
+      </p:sp>
+      <p:sp>
+        <p:nvSpPr>
+          <p:cNvPr id="8" name="Arrow: Right 7">
+            <a:extLst>
+              <a:ext uri="{FF2B5EF4-FFF2-40B4-BE49-F238E27FC236}">
+                <a16:creationId xmlns:a16="http://schemas.microsoft.com/office/drawing/2014/main" id="{F44FD839-0286-0B8F-4C4D-9AE36E4AA40B}"/>
+              </a:ext>
+            </a:extLst>
+          </p:cNvPr>
+          <p:cNvSpPr/>
+          <p:nvPr/>
+        </p:nvSpPr>
+        <p:spPr>
+          <a:xfrm>
+            <a:off x="3004456" y="5123347"/>
+            <a:ext cx="419878" cy="205274"/>
+          </a:xfrm>
+          <a:prstGeom prst="rightArrow">
+            <a:avLst/>
+          </a:prstGeom>
+        </p:spPr>
+        <p:style>
+          <a:lnRef idx="2">
+            <a:schemeClr val="accent5">
+              <a:shade val="50000"/>
+            </a:schemeClr>
+          </a:lnRef>
+          <a:fillRef idx="1">
+            <a:schemeClr val="accent5"/>
+          </a:fillRef>
+          <a:effectRef idx="0">
+            <a:schemeClr val="accent5"/>
+          </a:effectRef>
+          <a:fontRef idx="minor">
+            <a:schemeClr val="lt1"/>
+          </a:fontRef>
+        </p:style>
+        <p:txBody>
+          <a:bodyPr rtlCol="0" anchor="ctr"/>
+          <a:lstStyle/>
+          <a:p>
+            <a:pPr algn="ctr"/>
+            <a:endParaRPr lang="en-US"/>
+          </a:p>
+        </p:txBody>
+      </p:sp>
+      <p:sp>
+        <p:nvSpPr>
+          <p:cNvPr id="9" name="Arrow: Right 8">
+            <a:extLst>
+              <a:ext uri="{FF2B5EF4-FFF2-40B4-BE49-F238E27FC236}">
+                <a16:creationId xmlns:a16="http://schemas.microsoft.com/office/drawing/2014/main" id="{4C1BB5D9-2BEA-CE61-2D26-7847CEC70F8A}"/>
+              </a:ext>
+            </a:extLst>
+          </p:cNvPr>
+          <p:cNvSpPr/>
+          <p:nvPr/>
+        </p:nvSpPr>
+        <p:spPr>
+          <a:xfrm>
+            <a:off x="5198705" y="5123347"/>
+            <a:ext cx="419878" cy="205274"/>
+          </a:xfrm>
+          <a:prstGeom prst="rightArrow">
+            <a:avLst/>
+          </a:prstGeom>
+          <a:solidFill>
+            <a:srgbClr val="5B9BD5">
+              <a:alpha val="50196"/>
+            </a:srgbClr>
+          </a:solidFill>
+        </p:spPr>
+        <p:style>
+          <a:lnRef idx="2">
+            <a:schemeClr val="accent5">
+              <a:shade val="50000"/>
+            </a:schemeClr>
+          </a:lnRef>
+          <a:fillRef idx="1">
+            <a:schemeClr val="accent5"/>
+          </a:fillRef>
+          <a:effectRef idx="0">
+            <a:schemeClr val="accent5"/>
+          </a:effectRef>
+          <a:fontRef idx="minor">
+            <a:schemeClr val="lt1"/>
+          </a:fontRef>
+        </p:style>
+        <p:txBody>
+          <a:bodyPr rtlCol="0" anchor="ctr"/>
+          <a:lstStyle/>
+          <a:p>
+            <a:pPr algn="ctr"/>
+            <a:endParaRPr lang="en-US"/>
+          </a:p>
+        </p:txBody>
+      </p:sp>
+      <p:sp>
+        <p:nvSpPr>
+          <p:cNvPr id="10" name="Arrow: Right 9">
+            <a:extLst>
+              <a:ext uri="{FF2B5EF4-FFF2-40B4-BE49-F238E27FC236}">
+                <a16:creationId xmlns:a16="http://schemas.microsoft.com/office/drawing/2014/main" id="{CAD8DDC4-265F-C060-E9C3-9BE588BCB424}"/>
+              </a:ext>
+            </a:extLst>
+          </p:cNvPr>
+          <p:cNvSpPr/>
+          <p:nvPr/>
+        </p:nvSpPr>
+        <p:spPr>
+          <a:xfrm>
+            <a:off x="7469154" y="5118682"/>
+            <a:ext cx="419878" cy="205274"/>
+          </a:xfrm>
+          <a:prstGeom prst="rightArrow">
+            <a:avLst/>
+          </a:prstGeom>
+          <a:solidFill>
+            <a:srgbClr val="5B9BD5">
+              <a:alpha val="50196"/>
+            </a:srgbClr>
+          </a:solidFill>
+        </p:spPr>
+        <p:style>
+          <a:lnRef idx="2">
+            <a:schemeClr val="accent5">
+              <a:shade val="50000"/>
+            </a:schemeClr>
+          </a:lnRef>
+          <a:fillRef idx="1">
+            <a:schemeClr val="accent5"/>
+          </a:fillRef>
+          <a:effectRef idx="0">
+            <a:schemeClr val="accent5"/>
+          </a:effectRef>
+          <a:fontRef idx="minor">
+            <a:schemeClr val="lt1"/>
+          </a:fontRef>
+        </p:style>
+        <p:txBody>
+          <a:bodyPr rtlCol="0" anchor="ctr"/>
+          <a:lstStyle/>
+          <a:p>
+            <a:pPr algn="ctr"/>
+            <a:endParaRPr lang="en-US"/>
+          </a:p>
+        </p:txBody>
+      </p:sp>
+      <p:pic>
+        <p:nvPicPr>
+          <p:cNvPr id="12" name="Picture 11">
+            <a:extLst>
+              <a:ext uri="{FF2B5EF4-FFF2-40B4-BE49-F238E27FC236}">
+                <a16:creationId xmlns:a16="http://schemas.microsoft.com/office/drawing/2014/main" id="{429908A4-49AC-1059-5E03-25964B72E1C6}"/>
+              </a:ext>
+            </a:extLst>
+          </p:cNvPr>
+          <p:cNvPicPr>
+            <a:picLocks noChangeAspect="1"/>
+          </p:cNvPicPr>
+          <p:nvPr/>
+        </p:nvPicPr>
+        <p:blipFill>
+          <a:blip r:embed="rId2">
+            <a:extLst>
+              <a:ext uri="{28A0092B-C50C-407E-A947-70E740481C1C}">
+                <a14:useLocalDpi xmlns:a14="http://schemas.microsoft.com/office/drawing/2010/main" val="0"/>
+              </a:ext>
+            </a:extLst>
+          </a:blip>
+          <a:stretch>
+            <a:fillRect/>
+          </a:stretch>
+        </p:blipFill>
+        <p:spPr>
+          <a:xfrm>
+            <a:off x="8535372" y="6158204"/>
+            <a:ext cx="699796" cy="699796"/>
+          </a:xfrm>
+          <a:prstGeom prst="rect">
+            <a:avLst/>
+          </a:prstGeom>
+        </p:spPr>
+      </p:pic>
+      <p:sp>
+        <p:nvSpPr>
+          <p:cNvPr id="13" name="Arrow: Down 12">
+            <a:extLst>
+              <a:ext uri="{FF2B5EF4-FFF2-40B4-BE49-F238E27FC236}">
+                <a16:creationId xmlns:a16="http://schemas.microsoft.com/office/drawing/2014/main" id="{B9FCDD3E-B555-4B65-324E-1B1D44C12E46}"/>
+              </a:ext>
+            </a:extLst>
+          </p:cNvPr>
+          <p:cNvSpPr/>
+          <p:nvPr/>
+        </p:nvSpPr>
+        <p:spPr>
+          <a:xfrm>
+            <a:off x="8763972" y="5692515"/>
+            <a:ext cx="242596" cy="363894"/>
+          </a:xfrm>
+          <a:prstGeom prst="downArrow">
+            <a:avLst/>
+          </a:prstGeom>
+          <a:solidFill>
+            <a:srgbClr val="5B9BD5">
+              <a:alpha val="50196"/>
+            </a:srgbClr>
+          </a:solidFill>
+        </p:spPr>
+        <p:style>
+          <a:lnRef idx="2">
+            <a:schemeClr val="accent5">
+              <a:shade val="50000"/>
+            </a:schemeClr>
+          </a:lnRef>
+          <a:fillRef idx="1">
+            <a:schemeClr val="accent5"/>
+          </a:fillRef>
+          <a:effectRef idx="0">
+            <a:schemeClr val="accent5"/>
+          </a:effectRef>
+          <a:fontRef idx="minor">
+            <a:schemeClr val="lt1"/>
+          </a:fontRef>
+        </p:style>
+        <p:txBody>
+          <a:bodyPr rtlCol="0" anchor="ctr"/>
+          <a:lstStyle/>
+          <a:p>
+            <a:pPr algn="ctr"/>
+            <a:endParaRPr lang="en-US"/>
+          </a:p>
+        </p:txBody>
+      </p:sp>
+      <p:pic>
+        <p:nvPicPr>
+          <p:cNvPr id="15" name="Graphic 14">
+            <a:extLst>
+              <a:ext uri="{FF2B5EF4-FFF2-40B4-BE49-F238E27FC236}">
+                <a16:creationId xmlns:a16="http://schemas.microsoft.com/office/drawing/2014/main" id="{F9EFB37B-1B6C-4AA5-E05D-3637CADF86B1}"/>
+              </a:ext>
+            </a:extLst>
+          </p:cNvPr>
+          <p:cNvPicPr>
+            <a:picLocks noChangeAspect="1"/>
+          </p:cNvPicPr>
+          <p:nvPr/>
+        </p:nvPicPr>
+        <p:blipFill>
+          <a:blip r:embed="rId3">
+            <a:extLst>
+              <a:ext uri="{28A0092B-C50C-407E-A947-70E740481C1C}">
+                <a14:useLocalDpi xmlns:a14="http://schemas.microsoft.com/office/drawing/2010/main" val="0"/>
+              </a:ext>
+              <a:ext uri="{96DAC541-7B7A-43D3-8B79-37D633B846F1}">
+                <asvg:svgBlip xmlns:asvg="http://schemas.microsoft.com/office/drawing/2016/SVG/main" r:embed="rId4"/>
+              </a:ext>
+            </a:extLst>
+          </a:blip>
+          <a:stretch>
+            <a:fillRect/>
+          </a:stretch>
+        </p:blipFill>
+        <p:spPr>
+          <a:xfrm>
+            <a:off x="6192319" y="6154900"/>
+            <a:ext cx="703100" cy="703100"/>
+          </a:xfrm>
+          <a:prstGeom prst="rect">
+            <a:avLst/>
+          </a:prstGeom>
+        </p:spPr>
+      </p:pic>
+      <p:sp>
+        <p:nvSpPr>
+          <p:cNvPr id="16" name="Arrow: Down 15">
+            <a:extLst>
+              <a:ext uri="{FF2B5EF4-FFF2-40B4-BE49-F238E27FC236}">
+                <a16:creationId xmlns:a16="http://schemas.microsoft.com/office/drawing/2014/main" id="{438A63BE-3B42-DFD7-00EA-91B9457A94AF}"/>
+              </a:ext>
+            </a:extLst>
+          </p:cNvPr>
+          <p:cNvSpPr/>
+          <p:nvPr/>
+        </p:nvSpPr>
+        <p:spPr>
+          <a:xfrm>
+            <a:off x="6422571" y="5692515"/>
+            <a:ext cx="242596" cy="363894"/>
+          </a:xfrm>
+          <a:prstGeom prst="downArrow">
+            <a:avLst/>
+          </a:prstGeom>
+          <a:solidFill>
+            <a:srgbClr val="5B9BD5">
+              <a:alpha val="50196"/>
+            </a:srgbClr>
+          </a:solidFill>
+        </p:spPr>
+        <p:style>
+          <a:lnRef idx="2">
+            <a:schemeClr val="accent5">
+              <a:shade val="50000"/>
+            </a:schemeClr>
+          </a:lnRef>
+          <a:fillRef idx="1">
+            <a:schemeClr val="accent5"/>
+          </a:fillRef>
+          <a:effectRef idx="0">
+            <a:schemeClr val="accent5"/>
+          </a:effectRef>
+          <a:fontRef idx="minor">
+            <a:schemeClr val="lt1"/>
+          </a:fontRef>
+        </p:style>
+        <p:txBody>
+          <a:bodyPr rtlCol="0" anchor="ctr"/>
+          <a:lstStyle/>
+          <a:p>
+            <a:pPr algn="ctr"/>
+            <a:endParaRPr lang="en-US"/>
+          </a:p>
+        </p:txBody>
+      </p:sp>
+      <p:pic>
+        <p:nvPicPr>
+          <p:cNvPr id="24" name="Graphic 23">
+            <a:extLst>
+              <a:ext uri="{FF2B5EF4-FFF2-40B4-BE49-F238E27FC236}">
+                <a16:creationId xmlns:a16="http://schemas.microsoft.com/office/drawing/2014/main" id="{D45BA4A1-B29A-A046-7300-B824DC1A6DEE}"/>
+              </a:ext>
+            </a:extLst>
+          </p:cNvPr>
+          <p:cNvPicPr>
+            <a:picLocks noChangeAspect="1"/>
+          </p:cNvPicPr>
+          <p:nvPr/>
+        </p:nvPicPr>
+        <p:blipFill>
+          <a:blip r:embed="rId5">
+            <a:extLst>
+              <a:ext uri="{28A0092B-C50C-407E-A947-70E740481C1C}">
+                <a14:useLocalDpi xmlns:a14="http://schemas.microsoft.com/office/drawing/2010/main" val="0"/>
+              </a:ext>
+              <a:ext uri="{96DAC541-7B7A-43D3-8B79-37D633B846F1}">
+                <asvg:svgBlip xmlns:asvg="http://schemas.microsoft.com/office/drawing/2016/SVG/main" r:embed="rId6"/>
+              </a:ext>
+            </a:extLst>
+          </a:blip>
+          <a:stretch>
+            <a:fillRect/>
+          </a:stretch>
+        </p:blipFill>
+        <p:spPr>
+          <a:xfrm>
+            <a:off x="1942321" y="5118682"/>
+            <a:ext cx="755780" cy="755780"/>
+          </a:xfrm>
+          <a:prstGeom prst="rect">
+            <a:avLst/>
+          </a:prstGeom>
+        </p:spPr>
+      </p:pic>
+      <p:pic>
+        <p:nvPicPr>
+          <p:cNvPr id="26" name="Graphic 25">
+            <a:extLst>
+              <a:ext uri="{FF2B5EF4-FFF2-40B4-BE49-F238E27FC236}">
+                <a16:creationId xmlns:a16="http://schemas.microsoft.com/office/drawing/2014/main" id="{EACC6137-C443-767F-D4E2-185A0447489C}"/>
+              </a:ext>
+            </a:extLst>
+          </p:cNvPr>
+          <p:cNvPicPr>
+            <a:picLocks noChangeAspect="1"/>
+          </p:cNvPicPr>
+          <p:nvPr/>
+        </p:nvPicPr>
+        <p:blipFill>
+          <a:blip r:embed="rId7">
+            <a:extLst>
+              <a:ext uri="{28A0092B-C50C-407E-A947-70E740481C1C}">
+                <a14:useLocalDpi xmlns:a14="http://schemas.microsoft.com/office/drawing/2010/main" val="0"/>
+              </a:ext>
+              <a:ext uri="{96DAC541-7B7A-43D3-8B79-37D633B846F1}">
+                <asvg:svgBlip xmlns:asvg="http://schemas.microsoft.com/office/drawing/2016/SVG/main" r:embed="rId8"/>
+              </a:ext>
+            </a:extLst>
+          </a:blip>
+          <a:stretch>
+            <a:fillRect/>
+          </a:stretch>
+        </p:blipFill>
+        <p:spPr>
+          <a:xfrm>
+            <a:off x="1951652" y="5980015"/>
+            <a:ext cx="654892" cy="654892"/>
+          </a:xfrm>
+          <a:prstGeom prst="rect">
+            <a:avLst/>
+          </a:prstGeom>
+        </p:spPr>
+      </p:pic>
     </p:spTree>
     <p:extLst>
       <p:ext uri="{BB962C8B-B14F-4D97-AF65-F5344CB8AC3E}">
@@ -9440,10 +10178,10 @@
       </p:sp>
       <p:sp>
         <p:nvSpPr>
-          <p:cNvPr id="3" name="Content Placeholder 2">
-            <a:extLst>
-              <a:ext uri="{FF2B5EF4-FFF2-40B4-BE49-F238E27FC236}">
-                <a16:creationId xmlns:a16="http://schemas.microsoft.com/office/drawing/2014/main" id="{566CAAAE-75F3-7B5E-C61A-03FF68C88573}"/>
+          <p:cNvPr id="5" name="Text Placeholder 4">
+            <a:extLst>
+              <a:ext uri="{FF2B5EF4-FFF2-40B4-BE49-F238E27FC236}">
+                <a16:creationId xmlns:a16="http://schemas.microsoft.com/office/drawing/2014/main" id="{671F606F-2188-92D7-FBBD-501E01976430}"/>
               </a:ext>
             </a:extLst>
           </p:cNvPr>
@@ -9451,24 +10189,43 @@
             <a:spLocks noGrp="1"/>
           </p:cNvSpPr>
           <p:nvPr>
-            <p:ph idx="1"/>
+            <p:ph type="body" idx="1"/>
           </p:nvPr>
         </p:nvSpPr>
         <p:spPr/>
         <p:txBody>
+          <a:bodyPr/>
+          <a:lstStyle/>
+          <a:p>
+            <a:r>
+              <a:rPr lang="en-US" dirty="0"/>
+              <a:t>Batch data loading</a:t>
+            </a:r>
+          </a:p>
+        </p:txBody>
+      </p:sp>
+      <p:sp>
+        <p:nvSpPr>
+          <p:cNvPr id="3" name="Content Placeholder 2">
+            <a:extLst>
+              <a:ext uri="{FF2B5EF4-FFF2-40B4-BE49-F238E27FC236}">
+                <a16:creationId xmlns:a16="http://schemas.microsoft.com/office/drawing/2014/main" id="{566CAAAE-75F3-7B5E-C61A-03FF68C88573}"/>
+              </a:ext>
+            </a:extLst>
+          </p:cNvPr>
+          <p:cNvSpPr>
+            <a:spLocks noGrp="1"/>
+          </p:cNvSpPr>
+          <p:nvPr>
+            <p:ph sz="half" idx="2"/>
+          </p:nvPr>
+        </p:nvSpPr>
+        <p:spPr/>
+        <p:txBody>
           <a:bodyPr>
-            <a:normAutofit lnSpcReduction="10000"/>
+            <a:normAutofit/>
           </a:bodyPr>
           <a:lstStyle/>
-          <a:p>
-            <a:pPr marL="0" indent="0">
-              <a:buNone/>
-            </a:pPr>
-            <a:r>
-              <a:rPr lang="en-US" dirty="0"/>
-              <a:t>Batch data loading:</a:t>
-            </a:r>
-          </a:p>
           <a:p>
             <a:r>
               <a:rPr lang="en-US" dirty="0"/>
@@ -9496,38 +10253,76 @@
               <a:t>Especially easy moving files from S3 or Google Cloud</a:t>
             </a:r>
           </a:p>
-          <a:p>
-            <a:pPr marL="0" indent="0">
-              <a:buNone/>
-            </a:pPr>
+        </p:txBody>
+      </p:sp>
+      <p:sp>
+        <p:nvSpPr>
+          <p:cNvPr id="6" name="Text Placeholder 5">
+            <a:extLst>
+              <a:ext uri="{FF2B5EF4-FFF2-40B4-BE49-F238E27FC236}">
+                <a16:creationId xmlns:a16="http://schemas.microsoft.com/office/drawing/2014/main" id="{A2879D84-5F40-2295-2BE0-0994C6E146A4}"/>
+              </a:ext>
+            </a:extLst>
+          </p:cNvPr>
+          <p:cNvSpPr>
+            <a:spLocks noGrp="1"/>
+          </p:cNvSpPr>
+          <p:nvPr>
+            <p:ph type="body" sz="quarter" idx="3"/>
+          </p:nvPr>
+        </p:nvSpPr>
+        <p:spPr/>
+        <p:txBody>
+          <a:bodyPr/>
+          <a:lstStyle/>
+          <a:p>
+            <a:r>
+              <a:rPr lang="en-US" dirty="0"/>
+              <a:t>Alternative load options</a:t>
+            </a:r>
+          </a:p>
+        </p:txBody>
+      </p:sp>
+      <p:sp>
+        <p:nvSpPr>
+          <p:cNvPr id="7" name="Content Placeholder 6">
+            <a:extLst>
+              <a:ext uri="{FF2B5EF4-FFF2-40B4-BE49-F238E27FC236}">
+                <a16:creationId xmlns:a16="http://schemas.microsoft.com/office/drawing/2014/main" id="{C52DE0A6-9771-6E26-5249-BE34BC272543}"/>
+              </a:ext>
+            </a:extLst>
+          </p:cNvPr>
+          <p:cNvSpPr>
+            <a:spLocks noGrp="1"/>
+          </p:cNvSpPr>
+          <p:nvPr>
+            <p:ph sz="quarter" idx="4"/>
+          </p:nvPr>
+        </p:nvSpPr>
+        <p:spPr/>
+        <p:txBody>
+          <a:bodyPr/>
+          <a:lstStyle/>
+          <a:p>
+            <a:r>
+              <a:rPr lang="en-US" dirty="0"/>
+              <a:t>Self-hosted integration runtime on-premises</a:t>
+            </a:r>
+          </a:p>
+          <a:p>
+            <a:r>
+              <a:rPr lang="en-US" dirty="0"/>
+              <a:t>Extract and copy data from Synapse Pipeline</a:t>
+            </a:r>
+          </a:p>
+          <a:p>
+            <a:r>
+              <a:rPr lang="en-US" dirty="0"/>
+              <a:t>Stream in data and handle via Stream Analytics or Spark Streaming</a:t>
+            </a:r>
+          </a:p>
+          <a:p>
             <a:endParaRPr lang="en-US" dirty="0"/>
-          </a:p>
-          <a:p>
-            <a:pPr marL="0" indent="0">
-              <a:buNone/>
-            </a:pPr>
-            <a:r>
-              <a:rPr lang="en-US" dirty="0"/>
-              <a:t>Alternative load options:</a:t>
-            </a:r>
-          </a:p>
-          <a:p>
-            <a:r>
-              <a:rPr lang="en-US" dirty="0"/>
-              <a:t>Self-hosted integration runtime on-premises</a:t>
-            </a:r>
-          </a:p>
-          <a:p>
-            <a:r>
-              <a:rPr lang="en-US" dirty="0"/>
-              <a:t>Extract and copy data from Synapse Pipeline</a:t>
-            </a:r>
-          </a:p>
-          <a:p>
-            <a:r>
-              <a:rPr lang="en-US" dirty="0"/>
-              <a:t>Stream in data and handle via Stream Analytics or Spark Streaming</a:t>
-            </a:r>
           </a:p>
         </p:txBody>
       </p:sp>
@@ -9591,10 +10386,10 @@
       </p:sp>
       <p:sp>
         <p:nvSpPr>
-          <p:cNvPr id="3" name="Content Placeholder 2">
-            <a:extLst>
-              <a:ext uri="{FF2B5EF4-FFF2-40B4-BE49-F238E27FC236}">
-                <a16:creationId xmlns:a16="http://schemas.microsoft.com/office/drawing/2014/main" id="{566CAAAE-75F3-7B5E-C61A-03FF68C88573}"/>
+          <p:cNvPr id="4" name="Text Placeholder 3">
+            <a:extLst>
+              <a:ext uri="{FF2B5EF4-FFF2-40B4-BE49-F238E27FC236}">
+                <a16:creationId xmlns:a16="http://schemas.microsoft.com/office/drawing/2014/main" id="{8DD6F014-E146-D4AA-DC55-805EC79233B6}"/>
               </a:ext>
             </a:extLst>
           </p:cNvPr>
@@ -9602,7 +10397,7 @@
             <a:spLocks noGrp="1"/>
           </p:cNvSpPr>
           <p:nvPr>
-            <p:ph idx="1"/>
+            <p:ph type="body" idx="1"/>
           </p:nvPr>
         </p:nvSpPr>
         <p:spPr/>
@@ -9615,63 +10410,121 @@
               <a:t>Input batch formats</a:t>
             </a:r>
           </a:p>
-          <a:p>
-            <a:pPr lvl="1"/>
+        </p:txBody>
+      </p:sp>
+      <p:sp>
+        <p:nvSpPr>
+          <p:cNvPr id="3" name="Content Placeholder 2">
+            <a:extLst>
+              <a:ext uri="{FF2B5EF4-FFF2-40B4-BE49-F238E27FC236}">
+                <a16:creationId xmlns:a16="http://schemas.microsoft.com/office/drawing/2014/main" id="{566CAAAE-75F3-7B5E-C61A-03FF68C88573}"/>
+              </a:ext>
+            </a:extLst>
+          </p:cNvPr>
+          <p:cNvSpPr>
+            <a:spLocks noGrp="1"/>
+          </p:cNvSpPr>
+          <p:nvPr>
+            <p:ph sz="half" idx="2"/>
+          </p:nvPr>
+        </p:nvSpPr>
+        <p:spPr/>
+        <p:txBody>
+          <a:bodyPr/>
+          <a:lstStyle/>
+          <a:p>
             <a:r>
               <a:rPr lang="en-US" dirty="0"/>
               <a:t>Delimited text</a:t>
             </a:r>
           </a:p>
           <a:p>
-            <a:pPr lvl="1"/>
             <a:r>
               <a:rPr lang="en-US" dirty="0"/>
               <a:t>Avro</a:t>
             </a:r>
           </a:p>
           <a:p>
-            <a:pPr lvl="1"/>
             <a:r>
               <a:rPr lang="en-US" b="1" dirty="0"/>
               <a:t>Parquet</a:t>
             </a:r>
           </a:p>
           <a:p>
-            <a:pPr lvl="1"/>
             <a:r>
               <a:rPr lang="en-US" dirty="0"/>
               <a:t>ORC</a:t>
             </a:r>
           </a:p>
           <a:p>
-            <a:pPr lvl="1"/>
             <a:r>
               <a:rPr lang="en-US" dirty="0"/>
               <a:t>JSON</a:t>
             </a:r>
           </a:p>
           <a:p>
-            <a:pPr lvl="1"/>
             <a:r>
               <a:rPr lang="en-US" dirty="0"/>
               <a:t>XML</a:t>
             </a:r>
           </a:p>
+        </p:txBody>
+      </p:sp>
+      <p:sp>
+        <p:nvSpPr>
+          <p:cNvPr id="5" name="Text Placeholder 4">
+            <a:extLst>
+              <a:ext uri="{FF2B5EF4-FFF2-40B4-BE49-F238E27FC236}">
+                <a16:creationId xmlns:a16="http://schemas.microsoft.com/office/drawing/2014/main" id="{096EB51B-C3D5-5DEC-0483-B23E5A15776F}"/>
+              </a:ext>
+            </a:extLst>
+          </p:cNvPr>
+          <p:cNvSpPr>
+            <a:spLocks noGrp="1"/>
+          </p:cNvSpPr>
+          <p:nvPr>
+            <p:ph type="body" sz="quarter" idx="3"/>
+          </p:nvPr>
+        </p:nvSpPr>
+        <p:spPr/>
+        <p:txBody>
+          <a:bodyPr/>
+          <a:lstStyle/>
           <a:p>
             <a:r>
               <a:rPr lang="en-US" dirty="0"/>
               <a:t>Input stream sources</a:t>
             </a:r>
           </a:p>
-          <a:p>
-            <a:pPr lvl="1"/>
+        </p:txBody>
+      </p:sp>
+      <p:sp>
+        <p:nvSpPr>
+          <p:cNvPr id="6" name="Content Placeholder 5">
+            <a:extLst>
+              <a:ext uri="{FF2B5EF4-FFF2-40B4-BE49-F238E27FC236}">
+                <a16:creationId xmlns:a16="http://schemas.microsoft.com/office/drawing/2014/main" id="{AA64B306-BC62-97EF-D780-F81047EE579B}"/>
+              </a:ext>
+            </a:extLst>
+          </p:cNvPr>
+          <p:cNvSpPr>
+            <a:spLocks noGrp="1"/>
+          </p:cNvSpPr>
+          <p:nvPr>
+            <p:ph sz="quarter" idx="4"/>
+          </p:nvPr>
+        </p:nvSpPr>
+        <p:spPr/>
+        <p:txBody>
+          <a:bodyPr/>
+          <a:lstStyle/>
+          <a:p>
             <a:r>
               <a:rPr lang="en-US" dirty="0"/>
               <a:t>Event Hub</a:t>
             </a:r>
           </a:p>
           <a:p>
-            <a:pPr lvl="1"/>
             <a:r>
               <a:rPr lang="en-US" dirty="0"/>
               <a:t>IoT Hub</a:t>
@@ -10036,7 +10889,7 @@
           <a:p>
             <a:r>
               <a:rPr lang="en-US" dirty="0"/>
-              <a:t>“Refined” data:  useful for querying and analysis</a:t>
+              <a:t>“Refined” data:  useful for querying and analysis in tools like, e.g., serverless SQL pool</a:t>
             </a:r>
           </a:p>
           <a:p>
@@ -10048,17 +10901,629 @@
           <a:p>
             <a:r>
               <a:rPr lang="en-US" dirty="0"/>
-              <a:t>Data linked together in meaningful ways—lookups, joins, etc. already done</a:t>
-            </a:r>
-          </a:p>
-          <a:p>
-            <a:r>
-              <a:rPr lang="en-US" dirty="0"/>
               <a:t>Ideally, one file contains sufficient information for a query—we aren’t normalizing data here!</a:t>
             </a:r>
           </a:p>
         </p:txBody>
       </p:sp>
+      <p:sp>
+        <p:nvSpPr>
+          <p:cNvPr id="4" name="Rectangle 3">
+            <a:extLst>
+              <a:ext uri="{FF2B5EF4-FFF2-40B4-BE49-F238E27FC236}">
+                <a16:creationId xmlns:a16="http://schemas.microsoft.com/office/drawing/2014/main" id="{08643A22-678A-4718-BFD8-5E0666051DD2}"/>
+              </a:ext>
+            </a:extLst>
+          </p:cNvPr>
+          <p:cNvSpPr/>
+          <p:nvPr/>
+        </p:nvSpPr>
+        <p:spPr>
+          <a:xfrm>
+            <a:off x="1726163" y="4358237"/>
+            <a:ext cx="1222310" cy="2332654"/>
+          </a:xfrm>
+          <a:prstGeom prst="rect">
+            <a:avLst/>
+          </a:prstGeom>
+        </p:spPr>
+        <p:style>
+          <a:lnRef idx="2">
+            <a:schemeClr val="accent5">
+              <a:shade val="50000"/>
+            </a:schemeClr>
+          </a:lnRef>
+          <a:fillRef idx="1">
+            <a:schemeClr val="accent5"/>
+          </a:fillRef>
+          <a:effectRef idx="0">
+            <a:schemeClr val="accent5"/>
+          </a:effectRef>
+          <a:fontRef idx="minor">
+            <a:schemeClr val="lt1"/>
+          </a:fontRef>
+        </p:style>
+        <p:txBody>
+          <a:bodyPr rtlCol="0" anchor="ctr"/>
+          <a:lstStyle/>
+          <a:p>
+            <a:pPr algn="ctr"/>
+            <a:r>
+              <a:rPr lang="en-US" dirty="0"/>
+              <a:t>Data Sources</a:t>
+            </a:r>
+          </a:p>
+          <a:p>
+            <a:pPr algn="ctr"/>
+            <a:endParaRPr lang="en-US" dirty="0"/>
+          </a:p>
+          <a:p>
+            <a:pPr algn="ctr"/>
+            <a:endParaRPr lang="en-US" dirty="0"/>
+          </a:p>
+          <a:p>
+            <a:pPr algn="ctr"/>
+            <a:endParaRPr lang="en-US" dirty="0"/>
+          </a:p>
+          <a:p>
+            <a:pPr algn="ctr"/>
+            <a:endParaRPr lang="en-US" dirty="0"/>
+          </a:p>
+          <a:p>
+            <a:pPr algn="ctr"/>
+            <a:endParaRPr lang="en-US" dirty="0"/>
+          </a:p>
+          <a:p>
+            <a:pPr algn="ctr"/>
+            <a:endParaRPr lang="en-US" dirty="0"/>
+          </a:p>
+        </p:txBody>
+      </p:sp>
+      <p:sp>
+        <p:nvSpPr>
+          <p:cNvPr id="5" name="Rectangle 4">
+            <a:extLst>
+              <a:ext uri="{FF2B5EF4-FFF2-40B4-BE49-F238E27FC236}">
+                <a16:creationId xmlns:a16="http://schemas.microsoft.com/office/drawing/2014/main" id="{4E94D3ED-7983-3B1F-0E5C-A8D55DAD5580}"/>
+              </a:ext>
+            </a:extLst>
+          </p:cNvPr>
+          <p:cNvSpPr/>
+          <p:nvPr/>
+        </p:nvSpPr>
+        <p:spPr>
+          <a:xfrm>
+            <a:off x="3480318" y="4871421"/>
+            <a:ext cx="1586204" cy="699796"/>
+          </a:xfrm>
+          <a:prstGeom prst="rect">
+            <a:avLst/>
+          </a:prstGeom>
+        </p:spPr>
+        <p:style>
+          <a:lnRef idx="2">
+            <a:schemeClr val="accent5">
+              <a:shade val="50000"/>
+            </a:schemeClr>
+          </a:lnRef>
+          <a:fillRef idx="1">
+            <a:schemeClr val="accent5"/>
+          </a:fillRef>
+          <a:effectRef idx="0">
+            <a:schemeClr val="accent5"/>
+          </a:effectRef>
+          <a:fontRef idx="minor">
+            <a:schemeClr val="lt1"/>
+          </a:fontRef>
+        </p:style>
+        <p:txBody>
+          <a:bodyPr rtlCol="0" anchor="ctr"/>
+          <a:lstStyle/>
+          <a:p>
+            <a:pPr algn="ctr"/>
+            <a:r>
+              <a:rPr lang="en-US" dirty="0"/>
+              <a:t>Raw Layer</a:t>
+            </a:r>
+          </a:p>
+        </p:txBody>
+      </p:sp>
+      <p:sp>
+        <p:nvSpPr>
+          <p:cNvPr id="6" name="Rectangle 5">
+            <a:extLst>
+              <a:ext uri="{FF2B5EF4-FFF2-40B4-BE49-F238E27FC236}">
+                <a16:creationId xmlns:a16="http://schemas.microsoft.com/office/drawing/2014/main" id="{C8587EB6-BDF3-3174-195E-E6F9CF7DE941}"/>
+              </a:ext>
+            </a:extLst>
+          </p:cNvPr>
+          <p:cNvSpPr/>
+          <p:nvPr/>
+        </p:nvSpPr>
+        <p:spPr>
+          <a:xfrm>
+            <a:off x="5750767" y="4871421"/>
+            <a:ext cx="1586204" cy="699796"/>
+          </a:xfrm>
+          <a:prstGeom prst="rect">
+            <a:avLst/>
+          </a:prstGeom>
+        </p:spPr>
+        <p:style>
+          <a:lnRef idx="2">
+            <a:schemeClr val="accent5">
+              <a:shade val="50000"/>
+            </a:schemeClr>
+          </a:lnRef>
+          <a:fillRef idx="1">
+            <a:schemeClr val="accent5"/>
+          </a:fillRef>
+          <a:effectRef idx="0">
+            <a:schemeClr val="accent5"/>
+          </a:effectRef>
+          <a:fontRef idx="minor">
+            <a:schemeClr val="lt1"/>
+          </a:fontRef>
+        </p:style>
+        <p:txBody>
+          <a:bodyPr rtlCol="0" anchor="ctr"/>
+          <a:lstStyle/>
+          <a:p>
+            <a:pPr algn="ctr"/>
+            <a:r>
+              <a:rPr lang="en-US" dirty="0"/>
+              <a:t>Refined Layer</a:t>
+            </a:r>
+          </a:p>
+        </p:txBody>
+      </p:sp>
+      <p:sp>
+        <p:nvSpPr>
+          <p:cNvPr id="7" name="Rectangle 6">
+            <a:extLst>
+              <a:ext uri="{FF2B5EF4-FFF2-40B4-BE49-F238E27FC236}">
+                <a16:creationId xmlns:a16="http://schemas.microsoft.com/office/drawing/2014/main" id="{F48D9FC7-BECD-F9FB-E964-5AE39B9558F9}"/>
+              </a:ext>
+            </a:extLst>
+          </p:cNvPr>
+          <p:cNvSpPr/>
+          <p:nvPr/>
+        </p:nvSpPr>
+        <p:spPr>
+          <a:xfrm>
+            <a:off x="8021216" y="4871421"/>
+            <a:ext cx="1586204" cy="699796"/>
+          </a:xfrm>
+          <a:prstGeom prst="rect">
+            <a:avLst/>
+          </a:prstGeom>
+          <a:solidFill>
+            <a:srgbClr val="5B9BD5">
+              <a:alpha val="50196"/>
+            </a:srgbClr>
+          </a:solidFill>
+        </p:spPr>
+        <p:style>
+          <a:lnRef idx="2">
+            <a:schemeClr val="accent5">
+              <a:shade val="50000"/>
+            </a:schemeClr>
+          </a:lnRef>
+          <a:fillRef idx="1">
+            <a:schemeClr val="accent5"/>
+          </a:fillRef>
+          <a:effectRef idx="0">
+            <a:schemeClr val="accent5"/>
+          </a:effectRef>
+          <a:fontRef idx="minor">
+            <a:schemeClr val="lt1"/>
+          </a:fontRef>
+        </p:style>
+        <p:txBody>
+          <a:bodyPr rtlCol="0" anchor="ctr"/>
+          <a:lstStyle/>
+          <a:p>
+            <a:pPr algn="ctr"/>
+            <a:r>
+              <a:rPr lang="en-US" dirty="0"/>
+              <a:t>Curated Layer</a:t>
+            </a:r>
+          </a:p>
+        </p:txBody>
+      </p:sp>
+      <p:sp>
+        <p:nvSpPr>
+          <p:cNvPr id="8" name="Arrow: Right 7">
+            <a:extLst>
+              <a:ext uri="{FF2B5EF4-FFF2-40B4-BE49-F238E27FC236}">
+                <a16:creationId xmlns:a16="http://schemas.microsoft.com/office/drawing/2014/main" id="{52237D20-F27D-F061-9571-7A74670BA53A}"/>
+              </a:ext>
+            </a:extLst>
+          </p:cNvPr>
+          <p:cNvSpPr/>
+          <p:nvPr/>
+        </p:nvSpPr>
+        <p:spPr>
+          <a:xfrm>
+            <a:off x="3004456" y="5123347"/>
+            <a:ext cx="419878" cy="205274"/>
+          </a:xfrm>
+          <a:prstGeom prst="rightArrow">
+            <a:avLst/>
+          </a:prstGeom>
+        </p:spPr>
+        <p:style>
+          <a:lnRef idx="2">
+            <a:schemeClr val="accent5">
+              <a:shade val="50000"/>
+            </a:schemeClr>
+          </a:lnRef>
+          <a:fillRef idx="1">
+            <a:schemeClr val="accent5"/>
+          </a:fillRef>
+          <a:effectRef idx="0">
+            <a:schemeClr val="accent5"/>
+          </a:effectRef>
+          <a:fontRef idx="minor">
+            <a:schemeClr val="lt1"/>
+          </a:fontRef>
+        </p:style>
+        <p:txBody>
+          <a:bodyPr rtlCol="0" anchor="ctr"/>
+          <a:lstStyle/>
+          <a:p>
+            <a:pPr algn="ctr"/>
+            <a:endParaRPr lang="en-US"/>
+          </a:p>
+        </p:txBody>
+      </p:sp>
+      <p:sp>
+        <p:nvSpPr>
+          <p:cNvPr id="9" name="Arrow: Right 8">
+            <a:extLst>
+              <a:ext uri="{FF2B5EF4-FFF2-40B4-BE49-F238E27FC236}">
+                <a16:creationId xmlns:a16="http://schemas.microsoft.com/office/drawing/2014/main" id="{9DD41209-E974-F301-C969-BB7B08987E3E}"/>
+              </a:ext>
+            </a:extLst>
+          </p:cNvPr>
+          <p:cNvSpPr/>
+          <p:nvPr/>
+        </p:nvSpPr>
+        <p:spPr>
+          <a:xfrm>
+            <a:off x="5198705" y="5123347"/>
+            <a:ext cx="419878" cy="205274"/>
+          </a:xfrm>
+          <a:prstGeom prst="rightArrow">
+            <a:avLst/>
+          </a:prstGeom>
+        </p:spPr>
+        <p:style>
+          <a:lnRef idx="2">
+            <a:schemeClr val="accent5">
+              <a:shade val="50000"/>
+            </a:schemeClr>
+          </a:lnRef>
+          <a:fillRef idx="1">
+            <a:schemeClr val="accent5"/>
+          </a:fillRef>
+          <a:effectRef idx="0">
+            <a:schemeClr val="accent5"/>
+          </a:effectRef>
+          <a:fontRef idx="minor">
+            <a:schemeClr val="lt1"/>
+          </a:fontRef>
+        </p:style>
+        <p:txBody>
+          <a:bodyPr rtlCol="0" anchor="ctr"/>
+          <a:lstStyle/>
+          <a:p>
+            <a:pPr algn="ctr"/>
+            <a:endParaRPr lang="en-US"/>
+          </a:p>
+        </p:txBody>
+      </p:sp>
+      <p:sp>
+        <p:nvSpPr>
+          <p:cNvPr id="10" name="Arrow: Right 9">
+            <a:extLst>
+              <a:ext uri="{FF2B5EF4-FFF2-40B4-BE49-F238E27FC236}">
+                <a16:creationId xmlns:a16="http://schemas.microsoft.com/office/drawing/2014/main" id="{6A776F23-525D-D686-0ED7-A9E5E7649F9B}"/>
+              </a:ext>
+            </a:extLst>
+          </p:cNvPr>
+          <p:cNvSpPr/>
+          <p:nvPr/>
+        </p:nvSpPr>
+        <p:spPr>
+          <a:xfrm>
+            <a:off x="7469154" y="5118682"/>
+            <a:ext cx="419878" cy="205274"/>
+          </a:xfrm>
+          <a:prstGeom prst="rightArrow">
+            <a:avLst/>
+          </a:prstGeom>
+          <a:solidFill>
+            <a:srgbClr val="5B9BD5">
+              <a:alpha val="50196"/>
+            </a:srgbClr>
+          </a:solidFill>
+        </p:spPr>
+        <p:style>
+          <a:lnRef idx="2">
+            <a:schemeClr val="accent5">
+              <a:shade val="50000"/>
+            </a:schemeClr>
+          </a:lnRef>
+          <a:fillRef idx="1">
+            <a:schemeClr val="accent5"/>
+          </a:fillRef>
+          <a:effectRef idx="0">
+            <a:schemeClr val="accent5"/>
+          </a:effectRef>
+          <a:fontRef idx="minor">
+            <a:schemeClr val="lt1"/>
+          </a:fontRef>
+        </p:style>
+        <p:txBody>
+          <a:bodyPr rtlCol="0" anchor="ctr"/>
+          <a:lstStyle/>
+          <a:p>
+            <a:pPr algn="ctr"/>
+            <a:endParaRPr lang="en-US"/>
+          </a:p>
+        </p:txBody>
+      </p:sp>
+      <p:pic>
+        <p:nvPicPr>
+          <p:cNvPr id="11" name="Picture 10">
+            <a:extLst>
+              <a:ext uri="{FF2B5EF4-FFF2-40B4-BE49-F238E27FC236}">
+                <a16:creationId xmlns:a16="http://schemas.microsoft.com/office/drawing/2014/main" id="{01877364-B8A8-16CD-68BB-E7418ED01F6E}"/>
+              </a:ext>
+            </a:extLst>
+          </p:cNvPr>
+          <p:cNvPicPr>
+            <a:picLocks noChangeAspect="1"/>
+          </p:cNvPicPr>
+          <p:nvPr/>
+        </p:nvPicPr>
+        <p:blipFill>
+          <a:blip r:embed="rId2">
+            <a:extLst>
+              <a:ext uri="{28A0092B-C50C-407E-A947-70E740481C1C}">
+                <a14:useLocalDpi xmlns:a14="http://schemas.microsoft.com/office/drawing/2010/main" val="0"/>
+              </a:ext>
+            </a:extLst>
+          </a:blip>
+          <a:stretch>
+            <a:fillRect/>
+          </a:stretch>
+        </p:blipFill>
+        <p:spPr>
+          <a:xfrm>
+            <a:off x="8535372" y="6158204"/>
+            <a:ext cx="699796" cy="699796"/>
+          </a:xfrm>
+          <a:prstGeom prst="rect">
+            <a:avLst/>
+          </a:prstGeom>
+        </p:spPr>
+      </p:pic>
+      <p:sp>
+        <p:nvSpPr>
+          <p:cNvPr id="12" name="Arrow: Down 11">
+            <a:extLst>
+              <a:ext uri="{FF2B5EF4-FFF2-40B4-BE49-F238E27FC236}">
+                <a16:creationId xmlns:a16="http://schemas.microsoft.com/office/drawing/2014/main" id="{EDA2BFBD-B12D-42C9-EA92-319795AA40F9}"/>
+              </a:ext>
+            </a:extLst>
+          </p:cNvPr>
+          <p:cNvSpPr/>
+          <p:nvPr/>
+        </p:nvSpPr>
+        <p:spPr>
+          <a:xfrm>
+            <a:off x="8763972" y="5692515"/>
+            <a:ext cx="242596" cy="363894"/>
+          </a:xfrm>
+          <a:prstGeom prst="downArrow">
+            <a:avLst/>
+          </a:prstGeom>
+          <a:solidFill>
+            <a:srgbClr val="5B9BD5">
+              <a:alpha val="50196"/>
+            </a:srgbClr>
+          </a:solidFill>
+        </p:spPr>
+        <p:style>
+          <a:lnRef idx="2">
+            <a:schemeClr val="accent5">
+              <a:shade val="50000"/>
+            </a:schemeClr>
+          </a:lnRef>
+          <a:fillRef idx="1">
+            <a:schemeClr val="accent5"/>
+          </a:fillRef>
+          <a:effectRef idx="0">
+            <a:schemeClr val="accent5"/>
+          </a:effectRef>
+          <a:fontRef idx="minor">
+            <a:schemeClr val="lt1"/>
+          </a:fontRef>
+        </p:style>
+        <p:txBody>
+          <a:bodyPr rtlCol="0" anchor="ctr"/>
+          <a:lstStyle/>
+          <a:p>
+            <a:pPr algn="ctr"/>
+            <a:endParaRPr lang="en-US"/>
+          </a:p>
+        </p:txBody>
+      </p:sp>
+      <p:pic>
+        <p:nvPicPr>
+          <p:cNvPr id="13" name="Graphic 12">
+            <a:extLst>
+              <a:ext uri="{FF2B5EF4-FFF2-40B4-BE49-F238E27FC236}">
+                <a16:creationId xmlns:a16="http://schemas.microsoft.com/office/drawing/2014/main" id="{502CA267-215E-D5D2-1BDE-9CFE826AFCE2}"/>
+              </a:ext>
+            </a:extLst>
+          </p:cNvPr>
+          <p:cNvPicPr>
+            <a:picLocks noChangeAspect="1"/>
+          </p:cNvPicPr>
+          <p:nvPr/>
+        </p:nvPicPr>
+        <p:blipFill>
+          <a:blip r:embed="rId3">
+            <a:extLst>
+              <a:ext uri="{28A0092B-C50C-407E-A947-70E740481C1C}">
+                <a14:useLocalDpi xmlns:a14="http://schemas.microsoft.com/office/drawing/2010/main" val="0"/>
+              </a:ext>
+              <a:ext uri="{96DAC541-7B7A-43D3-8B79-37D633B846F1}">
+                <asvg:svgBlip xmlns:asvg="http://schemas.microsoft.com/office/drawing/2016/SVG/main" r:embed="rId4"/>
+              </a:ext>
+            </a:extLst>
+          </a:blip>
+          <a:stretch>
+            <a:fillRect/>
+          </a:stretch>
+        </p:blipFill>
+        <p:spPr>
+          <a:xfrm>
+            <a:off x="6192319" y="6154900"/>
+            <a:ext cx="703100" cy="703100"/>
+          </a:xfrm>
+          <a:prstGeom prst="rect">
+            <a:avLst/>
+          </a:prstGeom>
+        </p:spPr>
+      </p:pic>
+      <p:sp>
+        <p:nvSpPr>
+          <p:cNvPr id="14" name="Arrow: Down 13">
+            <a:extLst>
+              <a:ext uri="{FF2B5EF4-FFF2-40B4-BE49-F238E27FC236}">
+                <a16:creationId xmlns:a16="http://schemas.microsoft.com/office/drawing/2014/main" id="{9741F0D3-282E-A4FD-E4C5-C81B5F99B55E}"/>
+              </a:ext>
+            </a:extLst>
+          </p:cNvPr>
+          <p:cNvSpPr/>
+          <p:nvPr/>
+        </p:nvSpPr>
+        <p:spPr>
+          <a:xfrm>
+            <a:off x="6422571" y="5692515"/>
+            <a:ext cx="242596" cy="363894"/>
+          </a:xfrm>
+          <a:prstGeom prst="downArrow">
+            <a:avLst/>
+          </a:prstGeom>
+        </p:spPr>
+        <p:style>
+          <a:lnRef idx="2">
+            <a:schemeClr val="accent5">
+              <a:shade val="50000"/>
+            </a:schemeClr>
+          </a:lnRef>
+          <a:fillRef idx="1">
+            <a:schemeClr val="accent5"/>
+          </a:fillRef>
+          <a:effectRef idx="0">
+            <a:schemeClr val="accent5"/>
+          </a:effectRef>
+          <a:fontRef idx="minor">
+            <a:schemeClr val="lt1"/>
+          </a:fontRef>
+        </p:style>
+        <p:txBody>
+          <a:bodyPr rtlCol="0" anchor="ctr"/>
+          <a:lstStyle/>
+          <a:p>
+            <a:pPr algn="ctr"/>
+            <a:endParaRPr lang="en-US"/>
+          </a:p>
+        </p:txBody>
+      </p:sp>
+      <p:pic>
+        <p:nvPicPr>
+          <p:cNvPr id="15" name="Graphic 14">
+            <a:extLst>
+              <a:ext uri="{FF2B5EF4-FFF2-40B4-BE49-F238E27FC236}">
+                <a16:creationId xmlns:a16="http://schemas.microsoft.com/office/drawing/2014/main" id="{9A8DCEF9-DCB6-CDA4-772C-F96E463A671A}"/>
+              </a:ext>
+            </a:extLst>
+          </p:cNvPr>
+          <p:cNvPicPr>
+            <a:picLocks noChangeAspect="1"/>
+          </p:cNvPicPr>
+          <p:nvPr/>
+        </p:nvPicPr>
+        <p:blipFill>
+          <a:blip r:embed="rId5">
+            <a:extLst>
+              <a:ext uri="{28A0092B-C50C-407E-A947-70E740481C1C}">
+                <a14:useLocalDpi xmlns:a14="http://schemas.microsoft.com/office/drawing/2010/main" val="0"/>
+              </a:ext>
+              <a:ext uri="{96DAC541-7B7A-43D3-8B79-37D633B846F1}">
+                <asvg:svgBlip xmlns:asvg="http://schemas.microsoft.com/office/drawing/2016/SVG/main" r:embed="rId6"/>
+              </a:ext>
+            </a:extLst>
+          </a:blip>
+          <a:stretch>
+            <a:fillRect/>
+          </a:stretch>
+        </p:blipFill>
+        <p:spPr>
+          <a:xfrm>
+            <a:off x="1942321" y="5118682"/>
+            <a:ext cx="755780" cy="755780"/>
+          </a:xfrm>
+          <a:prstGeom prst="rect">
+            <a:avLst/>
+          </a:prstGeom>
+        </p:spPr>
+      </p:pic>
+      <p:pic>
+        <p:nvPicPr>
+          <p:cNvPr id="16" name="Graphic 15">
+            <a:extLst>
+              <a:ext uri="{FF2B5EF4-FFF2-40B4-BE49-F238E27FC236}">
+                <a16:creationId xmlns:a16="http://schemas.microsoft.com/office/drawing/2014/main" id="{6EC52FE6-4309-AFC8-81A9-4C7A7E95052B}"/>
+              </a:ext>
+            </a:extLst>
+          </p:cNvPr>
+          <p:cNvPicPr>
+            <a:picLocks noChangeAspect="1"/>
+          </p:cNvPicPr>
+          <p:nvPr/>
+        </p:nvPicPr>
+        <p:blipFill>
+          <a:blip r:embed="rId7">
+            <a:extLst>
+              <a:ext uri="{28A0092B-C50C-407E-A947-70E740481C1C}">
+                <a14:useLocalDpi xmlns:a14="http://schemas.microsoft.com/office/drawing/2010/main" val="0"/>
+              </a:ext>
+              <a:ext uri="{96DAC541-7B7A-43D3-8B79-37D633B846F1}">
+                <asvg:svgBlip xmlns:asvg="http://schemas.microsoft.com/office/drawing/2016/SVG/main" r:embed="rId8"/>
+              </a:ext>
+            </a:extLst>
+          </a:blip>
+          <a:stretch>
+            <a:fillRect/>
+          </a:stretch>
+        </p:blipFill>
+        <p:spPr>
+          <a:xfrm>
+            <a:off x="1951652" y="5980015"/>
+            <a:ext cx="654892" cy="654892"/>
+          </a:xfrm>
+          <a:prstGeom prst="rect">
+            <a:avLst/>
+          </a:prstGeom>
+        </p:spPr>
+      </p:pic>
     </p:spTree>
     <p:extLst>
       <p:ext uri="{BB962C8B-B14F-4D97-AF65-F5344CB8AC3E}">
@@ -10163,6 +11628,609 @@
           </a:p>
         </p:txBody>
       </p:sp>
+      <p:sp>
+        <p:nvSpPr>
+          <p:cNvPr id="4" name="Rectangle 3">
+            <a:extLst>
+              <a:ext uri="{FF2B5EF4-FFF2-40B4-BE49-F238E27FC236}">
+                <a16:creationId xmlns:a16="http://schemas.microsoft.com/office/drawing/2014/main" id="{198A4E13-0CA5-9C0B-4923-8F8B073FB6E6}"/>
+              </a:ext>
+            </a:extLst>
+          </p:cNvPr>
+          <p:cNvSpPr/>
+          <p:nvPr/>
+        </p:nvSpPr>
+        <p:spPr>
+          <a:xfrm>
+            <a:off x="1726163" y="4358237"/>
+            <a:ext cx="1222310" cy="2332654"/>
+          </a:xfrm>
+          <a:prstGeom prst="rect">
+            <a:avLst/>
+          </a:prstGeom>
+        </p:spPr>
+        <p:style>
+          <a:lnRef idx="2">
+            <a:schemeClr val="accent5">
+              <a:shade val="50000"/>
+            </a:schemeClr>
+          </a:lnRef>
+          <a:fillRef idx="1">
+            <a:schemeClr val="accent5"/>
+          </a:fillRef>
+          <a:effectRef idx="0">
+            <a:schemeClr val="accent5"/>
+          </a:effectRef>
+          <a:fontRef idx="minor">
+            <a:schemeClr val="lt1"/>
+          </a:fontRef>
+        </p:style>
+        <p:txBody>
+          <a:bodyPr rtlCol="0" anchor="ctr"/>
+          <a:lstStyle/>
+          <a:p>
+            <a:pPr algn="ctr"/>
+            <a:r>
+              <a:rPr lang="en-US" dirty="0"/>
+              <a:t>Data Sources</a:t>
+            </a:r>
+          </a:p>
+          <a:p>
+            <a:pPr algn="ctr"/>
+            <a:endParaRPr lang="en-US" dirty="0"/>
+          </a:p>
+          <a:p>
+            <a:pPr algn="ctr"/>
+            <a:endParaRPr lang="en-US" dirty="0"/>
+          </a:p>
+          <a:p>
+            <a:pPr algn="ctr"/>
+            <a:endParaRPr lang="en-US" dirty="0"/>
+          </a:p>
+          <a:p>
+            <a:pPr algn="ctr"/>
+            <a:endParaRPr lang="en-US" dirty="0"/>
+          </a:p>
+          <a:p>
+            <a:pPr algn="ctr"/>
+            <a:endParaRPr lang="en-US" dirty="0"/>
+          </a:p>
+          <a:p>
+            <a:pPr algn="ctr"/>
+            <a:endParaRPr lang="en-US" dirty="0"/>
+          </a:p>
+        </p:txBody>
+      </p:sp>
+      <p:sp>
+        <p:nvSpPr>
+          <p:cNvPr id="5" name="Rectangle 4">
+            <a:extLst>
+              <a:ext uri="{FF2B5EF4-FFF2-40B4-BE49-F238E27FC236}">
+                <a16:creationId xmlns:a16="http://schemas.microsoft.com/office/drawing/2014/main" id="{CB4314DA-5644-8AB5-CAF8-9C2017AF2CA4}"/>
+              </a:ext>
+            </a:extLst>
+          </p:cNvPr>
+          <p:cNvSpPr/>
+          <p:nvPr/>
+        </p:nvSpPr>
+        <p:spPr>
+          <a:xfrm>
+            <a:off x="3480318" y="4871421"/>
+            <a:ext cx="1586204" cy="699796"/>
+          </a:xfrm>
+          <a:prstGeom prst="rect">
+            <a:avLst/>
+          </a:prstGeom>
+        </p:spPr>
+        <p:style>
+          <a:lnRef idx="2">
+            <a:schemeClr val="accent5">
+              <a:shade val="50000"/>
+            </a:schemeClr>
+          </a:lnRef>
+          <a:fillRef idx="1">
+            <a:schemeClr val="accent5"/>
+          </a:fillRef>
+          <a:effectRef idx="0">
+            <a:schemeClr val="accent5"/>
+          </a:effectRef>
+          <a:fontRef idx="minor">
+            <a:schemeClr val="lt1"/>
+          </a:fontRef>
+        </p:style>
+        <p:txBody>
+          <a:bodyPr rtlCol="0" anchor="ctr"/>
+          <a:lstStyle/>
+          <a:p>
+            <a:pPr algn="ctr"/>
+            <a:r>
+              <a:rPr lang="en-US" dirty="0"/>
+              <a:t>Raw Layer</a:t>
+            </a:r>
+          </a:p>
+        </p:txBody>
+      </p:sp>
+      <p:sp>
+        <p:nvSpPr>
+          <p:cNvPr id="6" name="Rectangle 5">
+            <a:extLst>
+              <a:ext uri="{FF2B5EF4-FFF2-40B4-BE49-F238E27FC236}">
+                <a16:creationId xmlns:a16="http://schemas.microsoft.com/office/drawing/2014/main" id="{2707FB2D-4687-6290-29D5-0AA190BDA78D}"/>
+              </a:ext>
+            </a:extLst>
+          </p:cNvPr>
+          <p:cNvSpPr/>
+          <p:nvPr/>
+        </p:nvSpPr>
+        <p:spPr>
+          <a:xfrm>
+            <a:off x="5750767" y="4871421"/>
+            <a:ext cx="1586204" cy="699796"/>
+          </a:xfrm>
+          <a:prstGeom prst="rect">
+            <a:avLst/>
+          </a:prstGeom>
+        </p:spPr>
+        <p:style>
+          <a:lnRef idx="2">
+            <a:schemeClr val="accent5">
+              <a:shade val="50000"/>
+            </a:schemeClr>
+          </a:lnRef>
+          <a:fillRef idx="1">
+            <a:schemeClr val="accent5"/>
+          </a:fillRef>
+          <a:effectRef idx="0">
+            <a:schemeClr val="accent5"/>
+          </a:effectRef>
+          <a:fontRef idx="minor">
+            <a:schemeClr val="lt1"/>
+          </a:fontRef>
+        </p:style>
+        <p:txBody>
+          <a:bodyPr rtlCol="0" anchor="ctr"/>
+          <a:lstStyle/>
+          <a:p>
+            <a:pPr algn="ctr"/>
+            <a:r>
+              <a:rPr lang="en-US" dirty="0"/>
+              <a:t>Refined Layer</a:t>
+            </a:r>
+          </a:p>
+        </p:txBody>
+      </p:sp>
+      <p:sp>
+        <p:nvSpPr>
+          <p:cNvPr id="7" name="Rectangle 6">
+            <a:extLst>
+              <a:ext uri="{FF2B5EF4-FFF2-40B4-BE49-F238E27FC236}">
+                <a16:creationId xmlns:a16="http://schemas.microsoft.com/office/drawing/2014/main" id="{969EAF42-4D3A-3484-78E7-84721792597D}"/>
+              </a:ext>
+            </a:extLst>
+          </p:cNvPr>
+          <p:cNvSpPr/>
+          <p:nvPr/>
+        </p:nvSpPr>
+        <p:spPr>
+          <a:xfrm>
+            <a:off x="8021216" y="4871421"/>
+            <a:ext cx="1586204" cy="699796"/>
+          </a:xfrm>
+          <a:prstGeom prst="rect">
+            <a:avLst/>
+          </a:prstGeom>
+        </p:spPr>
+        <p:style>
+          <a:lnRef idx="2">
+            <a:schemeClr val="accent5">
+              <a:shade val="50000"/>
+            </a:schemeClr>
+          </a:lnRef>
+          <a:fillRef idx="1">
+            <a:schemeClr val="accent5"/>
+          </a:fillRef>
+          <a:effectRef idx="0">
+            <a:schemeClr val="accent5"/>
+          </a:effectRef>
+          <a:fontRef idx="minor">
+            <a:schemeClr val="lt1"/>
+          </a:fontRef>
+        </p:style>
+        <p:txBody>
+          <a:bodyPr rtlCol="0" anchor="ctr"/>
+          <a:lstStyle/>
+          <a:p>
+            <a:pPr algn="ctr"/>
+            <a:r>
+              <a:rPr lang="en-US" dirty="0"/>
+              <a:t>Curated Layer</a:t>
+            </a:r>
+          </a:p>
+        </p:txBody>
+      </p:sp>
+      <p:sp>
+        <p:nvSpPr>
+          <p:cNvPr id="8" name="Arrow: Right 7">
+            <a:extLst>
+              <a:ext uri="{FF2B5EF4-FFF2-40B4-BE49-F238E27FC236}">
+                <a16:creationId xmlns:a16="http://schemas.microsoft.com/office/drawing/2014/main" id="{F1239EFB-BB57-5CDB-1B10-7876C77B94C8}"/>
+              </a:ext>
+            </a:extLst>
+          </p:cNvPr>
+          <p:cNvSpPr/>
+          <p:nvPr/>
+        </p:nvSpPr>
+        <p:spPr>
+          <a:xfrm>
+            <a:off x="3004456" y="5123347"/>
+            <a:ext cx="419878" cy="205274"/>
+          </a:xfrm>
+          <a:prstGeom prst="rightArrow">
+            <a:avLst/>
+          </a:prstGeom>
+        </p:spPr>
+        <p:style>
+          <a:lnRef idx="2">
+            <a:schemeClr val="accent5">
+              <a:shade val="50000"/>
+            </a:schemeClr>
+          </a:lnRef>
+          <a:fillRef idx="1">
+            <a:schemeClr val="accent5"/>
+          </a:fillRef>
+          <a:effectRef idx="0">
+            <a:schemeClr val="accent5"/>
+          </a:effectRef>
+          <a:fontRef idx="minor">
+            <a:schemeClr val="lt1"/>
+          </a:fontRef>
+        </p:style>
+        <p:txBody>
+          <a:bodyPr rtlCol="0" anchor="ctr"/>
+          <a:lstStyle/>
+          <a:p>
+            <a:pPr algn="ctr"/>
+            <a:endParaRPr lang="en-US"/>
+          </a:p>
+        </p:txBody>
+      </p:sp>
+      <p:sp>
+        <p:nvSpPr>
+          <p:cNvPr id="9" name="Arrow: Right 8">
+            <a:extLst>
+              <a:ext uri="{FF2B5EF4-FFF2-40B4-BE49-F238E27FC236}">
+                <a16:creationId xmlns:a16="http://schemas.microsoft.com/office/drawing/2014/main" id="{6F51657A-BB76-F3B9-4A3C-1AE67AA4A2C1}"/>
+              </a:ext>
+            </a:extLst>
+          </p:cNvPr>
+          <p:cNvSpPr/>
+          <p:nvPr/>
+        </p:nvSpPr>
+        <p:spPr>
+          <a:xfrm>
+            <a:off x="5198705" y="5123347"/>
+            <a:ext cx="419878" cy="205274"/>
+          </a:xfrm>
+          <a:prstGeom prst="rightArrow">
+            <a:avLst/>
+          </a:prstGeom>
+        </p:spPr>
+        <p:style>
+          <a:lnRef idx="2">
+            <a:schemeClr val="accent5">
+              <a:shade val="50000"/>
+            </a:schemeClr>
+          </a:lnRef>
+          <a:fillRef idx="1">
+            <a:schemeClr val="accent5"/>
+          </a:fillRef>
+          <a:effectRef idx="0">
+            <a:schemeClr val="accent5"/>
+          </a:effectRef>
+          <a:fontRef idx="minor">
+            <a:schemeClr val="lt1"/>
+          </a:fontRef>
+        </p:style>
+        <p:txBody>
+          <a:bodyPr rtlCol="0" anchor="ctr"/>
+          <a:lstStyle/>
+          <a:p>
+            <a:pPr algn="ctr"/>
+            <a:endParaRPr lang="en-US"/>
+          </a:p>
+        </p:txBody>
+      </p:sp>
+      <p:sp>
+        <p:nvSpPr>
+          <p:cNvPr id="10" name="Arrow: Right 9">
+            <a:extLst>
+              <a:ext uri="{FF2B5EF4-FFF2-40B4-BE49-F238E27FC236}">
+                <a16:creationId xmlns:a16="http://schemas.microsoft.com/office/drawing/2014/main" id="{5BF8F398-69A1-5C0B-6E7B-12DBA91471DB}"/>
+              </a:ext>
+            </a:extLst>
+          </p:cNvPr>
+          <p:cNvSpPr/>
+          <p:nvPr/>
+        </p:nvSpPr>
+        <p:spPr>
+          <a:xfrm>
+            <a:off x="7469154" y="5118682"/>
+            <a:ext cx="419878" cy="205274"/>
+          </a:xfrm>
+          <a:prstGeom prst="rightArrow">
+            <a:avLst/>
+          </a:prstGeom>
+        </p:spPr>
+        <p:style>
+          <a:lnRef idx="2">
+            <a:schemeClr val="accent5">
+              <a:shade val="50000"/>
+            </a:schemeClr>
+          </a:lnRef>
+          <a:fillRef idx="1">
+            <a:schemeClr val="accent5"/>
+          </a:fillRef>
+          <a:effectRef idx="0">
+            <a:schemeClr val="accent5"/>
+          </a:effectRef>
+          <a:fontRef idx="minor">
+            <a:schemeClr val="lt1"/>
+          </a:fontRef>
+        </p:style>
+        <p:txBody>
+          <a:bodyPr rtlCol="0" anchor="ctr"/>
+          <a:lstStyle/>
+          <a:p>
+            <a:pPr algn="ctr"/>
+            <a:endParaRPr lang="en-US"/>
+          </a:p>
+        </p:txBody>
+      </p:sp>
+      <p:pic>
+        <p:nvPicPr>
+          <p:cNvPr id="11" name="Picture 10">
+            <a:extLst>
+              <a:ext uri="{FF2B5EF4-FFF2-40B4-BE49-F238E27FC236}">
+                <a16:creationId xmlns:a16="http://schemas.microsoft.com/office/drawing/2014/main" id="{1A59C21B-8B98-DE6A-F164-56DE32AD9A82}"/>
+              </a:ext>
+            </a:extLst>
+          </p:cNvPr>
+          <p:cNvPicPr>
+            <a:picLocks noChangeAspect="1"/>
+          </p:cNvPicPr>
+          <p:nvPr/>
+        </p:nvPicPr>
+        <p:blipFill>
+          <a:blip r:embed="rId2">
+            <a:extLst>
+              <a:ext uri="{28A0092B-C50C-407E-A947-70E740481C1C}">
+                <a14:useLocalDpi xmlns:a14="http://schemas.microsoft.com/office/drawing/2010/main" val="0"/>
+              </a:ext>
+            </a:extLst>
+          </a:blip>
+          <a:stretch>
+            <a:fillRect/>
+          </a:stretch>
+        </p:blipFill>
+        <p:spPr>
+          <a:xfrm>
+            <a:off x="8535372" y="6158204"/>
+            <a:ext cx="699796" cy="699796"/>
+          </a:xfrm>
+          <a:prstGeom prst="rect">
+            <a:avLst/>
+          </a:prstGeom>
+        </p:spPr>
+      </p:pic>
+      <p:sp>
+        <p:nvSpPr>
+          <p:cNvPr id="12" name="Arrow: Down 11">
+            <a:extLst>
+              <a:ext uri="{FF2B5EF4-FFF2-40B4-BE49-F238E27FC236}">
+                <a16:creationId xmlns:a16="http://schemas.microsoft.com/office/drawing/2014/main" id="{D4772205-E897-1543-5A88-261F33BA10D8}"/>
+              </a:ext>
+            </a:extLst>
+          </p:cNvPr>
+          <p:cNvSpPr/>
+          <p:nvPr/>
+        </p:nvSpPr>
+        <p:spPr>
+          <a:xfrm>
+            <a:off x="8763972" y="5692515"/>
+            <a:ext cx="242596" cy="363894"/>
+          </a:xfrm>
+          <a:prstGeom prst="downArrow">
+            <a:avLst/>
+          </a:prstGeom>
+        </p:spPr>
+        <p:style>
+          <a:lnRef idx="2">
+            <a:schemeClr val="accent5">
+              <a:shade val="50000"/>
+            </a:schemeClr>
+          </a:lnRef>
+          <a:fillRef idx="1">
+            <a:schemeClr val="accent5"/>
+          </a:fillRef>
+          <a:effectRef idx="0">
+            <a:schemeClr val="accent5"/>
+          </a:effectRef>
+          <a:fontRef idx="minor">
+            <a:schemeClr val="lt1"/>
+          </a:fontRef>
+        </p:style>
+        <p:txBody>
+          <a:bodyPr rtlCol="0" anchor="ctr"/>
+          <a:lstStyle/>
+          <a:p>
+            <a:pPr algn="ctr"/>
+            <a:endParaRPr lang="en-US"/>
+          </a:p>
+        </p:txBody>
+      </p:sp>
+      <p:pic>
+        <p:nvPicPr>
+          <p:cNvPr id="13" name="Graphic 12">
+            <a:extLst>
+              <a:ext uri="{FF2B5EF4-FFF2-40B4-BE49-F238E27FC236}">
+                <a16:creationId xmlns:a16="http://schemas.microsoft.com/office/drawing/2014/main" id="{619BA3CD-B268-87CD-34E1-B3440DE3520F}"/>
+              </a:ext>
+            </a:extLst>
+          </p:cNvPr>
+          <p:cNvPicPr>
+            <a:picLocks noChangeAspect="1"/>
+          </p:cNvPicPr>
+          <p:nvPr/>
+        </p:nvPicPr>
+        <p:blipFill>
+          <a:blip r:embed="rId3">
+            <a:extLst>
+              <a:ext uri="{28A0092B-C50C-407E-A947-70E740481C1C}">
+                <a14:useLocalDpi xmlns:a14="http://schemas.microsoft.com/office/drawing/2010/main" val="0"/>
+              </a:ext>
+              <a:ext uri="{96DAC541-7B7A-43D3-8B79-37D633B846F1}">
+                <asvg:svgBlip xmlns:asvg="http://schemas.microsoft.com/office/drawing/2016/SVG/main" r:embed="rId4"/>
+              </a:ext>
+            </a:extLst>
+          </a:blip>
+          <a:stretch>
+            <a:fillRect/>
+          </a:stretch>
+        </p:blipFill>
+        <p:spPr>
+          <a:xfrm>
+            <a:off x="6192319" y="6154900"/>
+            <a:ext cx="703100" cy="703100"/>
+          </a:xfrm>
+          <a:prstGeom prst="rect">
+            <a:avLst/>
+          </a:prstGeom>
+        </p:spPr>
+      </p:pic>
+      <p:sp>
+        <p:nvSpPr>
+          <p:cNvPr id="14" name="Arrow: Down 13">
+            <a:extLst>
+              <a:ext uri="{FF2B5EF4-FFF2-40B4-BE49-F238E27FC236}">
+                <a16:creationId xmlns:a16="http://schemas.microsoft.com/office/drawing/2014/main" id="{5E849702-1612-7FB3-7FFF-3CF6C90744C7}"/>
+              </a:ext>
+            </a:extLst>
+          </p:cNvPr>
+          <p:cNvSpPr/>
+          <p:nvPr/>
+        </p:nvSpPr>
+        <p:spPr>
+          <a:xfrm>
+            <a:off x="6422571" y="5692515"/>
+            <a:ext cx="242596" cy="363894"/>
+          </a:xfrm>
+          <a:prstGeom prst="downArrow">
+            <a:avLst/>
+          </a:prstGeom>
+        </p:spPr>
+        <p:style>
+          <a:lnRef idx="2">
+            <a:schemeClr val="accent5">
+              <a:shade val="50000"/>
+            </a:schemeClr>
+          </a:lnRef>
+          <a:fillRef idx="1">
+            <a:schemeClr val="accent5"/>
+          </a:fillRef>
+          <a:effectRef idx="0">
+            <a:schemeClr val="accent5"/>
+          </a:effectRef>
+          <a:fontRef idx="minor">
+            <a:schemeClr val="lt1"/>
+          </a:fontRef>
+        </p:style>
+        <p:txBody>
+          <a:bodyPr rtlCol="0" anchor="ctr"/>
+          <a:lstStyle/>
+          <a:p>
+            <a:pPr algn="ctr"/>
+            <a:endParaRPr lang="en-US"/>
+          </a:p>
+        </p:txBody>
+      </p:sp>
+      <p:pic>
+        <p:nvPicPr>
+          <p:cNvPr id="15" name="Graphic 14">
+            <a:extLst>
+              <a:ext uri="{FF2B5EF4-FFF2-40B4-BE49-F238E27FC236}">
+                <a16:creationId xmlns:a16="http://schemas.microsoft.com/office/drawing/2014/main" id="{D00963C6-D96B-A2B0-CABA-EBAEFDA0375F}"/>
+              </a:ext>
+            </a:extLst>
+          </p:cNvPr>
+          <p:cNvPicPr>
+            <a:picLocks noChangeAspect="1"/>
+          </p:cNvPicPr>
+          <p:nvPr/>
+        </p:nvPicPr>
+        <p:blipFill>
+          <a:blip r:embed="rId5">
+            <a:extLst>
+              <a:ext uri="{28A0092B-C50C-407E-A947-70E740481C1C}">
+                <a14:useLocalDpi xmlns:a14="http://schemas.microsoft.com/office/drawing/2010/main" val="0"/>
+              </a:ext>
+              <a:ext uri="{96DAC541-7B7A-43D3-8B79-37D633B846F1}">
+                <asvg:svgBlip xmlns:asvg="http://schemas.microsoft.com/office/drawing/2016/SVG/main" r:embed="rId6"/>
+              </a:ext>
+            </a:extLst>
+          </a:blip>
+          <a:stretch>
+            <a:fillRect/>
+          </a:stretch>
+        </p:blipFill>
+        <p:spPr>
+          <a:xfrm>
+            <a:off x="1942321" y="5118682"/>
+            <a:ext cx="755780" cy="755780"/>
+          </a:xfrm>
+          <a:prstGeom prst="rect">
+            <a:avLst/>
+          </a:prstGeom>
+        </p:spPr>
+      </p:pic>
+      <p:pic>
+        <p:nvPicPr>
+          <p:cNvPr id="16" name="Graphic 15">
+            <a:extLst>
+              <a:ext uri="{FF2B5EF4-FFF2-40B4-BE49-F238E27FC236}">
+                <a16:creationId xmlns:a16="http://schemas.microsoft.com/office/drawing/2014/main" id="{2C3302D6-4B94-09AA-C4DC-9AE9D13D0121}"/>
+              </a:ext>
+            </a:extLst>
+          </p:cNvPr>
+          <p:cNvPicPr>
+            <a:picLocks noChangeAspect="1"/>
+          </p:cNvPicPr>
+          <p:nvPr/>
+        </p:nvPicPr>
+        <p:blipFill>
+          <a:blip r:embed="rId7">
+            <a:extLst>
+              <a:ext uri="{28A0092B-C50C-407E-A947-70E740481C1C}">
+                <a14:useLocalDpi xmlns:a14="http://schemas.microsoft.com/office/drawing/2010/main" val="0"/>
+              </a:ext>
+              <a:ext uri="{96DAC541-7B7A-43D3-8B79-37D633B846F1}">
+                <asvg:svgBlip xmlns:asvg="http://schemas.microsoft.com/office/drawing/2016/SVG/main" r:embed="rId8"/>
+              </a:ext>
+            </a:extLst>
+          </a:blip>
+          <a:stretch>
+            <a:fillRect/>
+          </a:stretch>
+        </p:blipFill>
+        <p:spPr>
+          <a:xfrm>
+            <a:off x="1951652" y="5980015"/>
+            <a:ext cx="654892" cy="654892"/>
+          </a:xfrm>
+          <a:prstGeom prst="rect">
+            <a:avLst/>
+          </a:prstGeom>
+        </p:spPr>
+      </p:pic>
     </p:spTree>
     <p:extLst>
       <p:ext uri="{BB962C8B-B14F-4D97-AF65-F5344CB8AC3E}">
@@ -19731,7 +21799,7 @@
           <a:p>
             <a:r>
               <a:rPr lang="en-US" dirty="0"/>
-              <a:t>Building a Synapse pipeline o execute a notebook</a:t>
+              <a:t>Building a Synapse pipeline to execute a notebook</a:t>
             </a:r>
           </a:p>
         </p:txBody>
@@ -19939,10 +22007,10 @@
       </p:sp>
       <p:sp>
         <p:nvSpPr>
-          <p:cNvPr id="3" name="Content Placeholder 2">
-            <a:extLst>
-              <a:ext uri="{FF2B5EF4-FFF2-40B4-BE49-F238E27FC236}">
-                <a16:creationId xmlns:a16="http://schemas.microsoft.com/office/drawing/2014/main" id="{566CAAAE-75F3-7B5E-C61A-03FF68C88573}"/>
+          <p:cNvPr id="4" name="Text Placeholder 3">
+            <a:extLst>
+              <a:ext uri="{FF2B5EF4-FFF2-40B4-BE49-F238E27FC236}">
+                <a16:creationId xmlns:a16="http://schemas.microsoft.com/office/drawing/2014/main" id="{F6750992-8262-B9DB-2E5F-69F3E3EB865E}"/>
               </a:ext>
             </a:extLst>
           </p:cNvPr>
@@ -19950,7 +22018,7 @@
             <a:spLocks noGrp="1"/>
           </p:cNvSpPr>
           <p:nvPr>
-            <p:ph idx="1"/>
+            <p:ph type="body" idx="1"/>
           </p:nvPr>
         </p:nvSpPr>
         <p:spPr/>
@@ -19963,42 +22031,103 @@
               <a:t>Notebooks</a:t>
             </a:r>
           </a:p>
-          <a:p>
-            <a:pPr lvl="1"/>
+        </p:txBody>
+      </p:sp>
+      <p:sp>
+        <p:nvSpPr>
+          <p:cNvPr id="3" name="Content Placeholder 2">
+            <a:extLst>
+              <a:ext uri="{FF2B5EF4-FFF2-40B4-BE49-F238E27FC236}">
+                <a16:creationId xmlns:a16="http://schemas.microsoft.com/office/drawing/2014/main" id="{566CAAAE-75F3-7B5E-C61A-03FF68C88573}"/>
+              </a:ext>
+            </a:extLst>
+          </p:cNvPr>
+          <p:cNvSpPr>
+            <a:spLocks noGrp="1"/>
+          </p:cNvSpPr>
+          <p:nvPr>
+            <p:ph sz="half" idx="2"/>
+          </p:nvPr>
+        </p:nvSpPr>
+        <p:spPr/>
+        <p:txBody>
+          <a:bodyPr/>
+          <a:lstStyle/>
+          <a:p>
             <a:r>
               <a:rPr lang="en-US" dirty="0"/>
               <a:t>Quick and easy method for writing code</a:t>
             </a:r>
           </a:p>
           <a:p>
-            <a:pPr lvl="1"/>
             <a:r>
               <a:rPr lang="en-US" dirty="0"/>
               <a:t>Can include code, documentation (via Markdown), images, and results in same file</a:t>
             </a:r>
           </a:p>
           <a:p>
-            <a:pPr lvl="1"/>
             <a:r>
               <a:rPr lang="en-US" dirty="0"/>
               <a:t>Low-friction way to perform analysis and get things done</a:t>
             </a:r>
           </a:p>
+        </p:txBody>
+      </p:sp>
+      <p:sp>
+        <p:nvSpPr>
+          <p:cNvPr id="5" name="Text Placeholder 4">
+            <a:extLst>
+              <a:ext uri="{FF2B5EF4-FFF2-40B4-BE49-F238E27FC236}">
+                <a16:creationId xmlns:a16="http://schemas.microsoft.com/office/drawing/2014/main" id="{CEC93849-C20D-7A84-912B-B2C4FF667CE1}"/>
+              </a:ext>
+            </a:extLst>
+          </p:cNvPr>
+          <p:cNvSpPr>
+            <a:spLocks noGrp="1"/>
+          </p:cNvSpPr>
+          <p:nvPr>
+            <p:ph type="body" sz="quarter" idx="3"/>
+          </p:nvPr>
+        </p:nvSpPr>
+        <p:spPr/>
+        <p:txBody>
+          <a:bodyPr/>
+          <a:lstStyle/>
           <a:p>
             <a:r>
               <a:rPr lang="en-US" dirty="0"/>
               <a:t>Code</a:t>
             </a:r>
           </a:p>
-          <a:p>
-            <a:pPr lvl="1"/>
+        </p:txBody>
+      </p:sp>
+      <p:sp>
+        <p:nvSpPr>
+          <p:cNvPr id="6" name="Content Placeholder 5">
+            <a:extLst>
+              <a:ext uri="{FF2B5EF4-FFF2-40B4-BE49-F238E27FC236}">
+                <a16:creationId xmlns:a16="http://schemas.microsoft.com/office/drawing/2014/main" id="{B36CE412-CEC8-5A69-5E21-6CEFFEA17903}"/>
+              </a:ext>
+            </a:extLst>
+          </p:cNvPr>
+          <p:cNvSpPr>
+            <a:spLocks noGrp="1"/>
+          </p:cNvSpPr>
+          <p:nvPr>
+            <p:ph sz="quarter" idx="4"/>
+          </p:nvPr>
+        </p:nvSpPr>
+        <p:spPr/>
+        <p:txBody>
+          <a:bodyPr/>
+          <a:lstStyle/>
+          <a:p>
             <a:r>
               <a:rPr lang="en-US" dirty="0"/>
               <a:t>Design and develop code-based solutions in IDEs</a:t>
             </a:r>
           </a:p>
           <a:p>
-            <a:pPr lvl="1"/>
             <a:r>
               <a:rPr lang="en-US" dirty="0"/>
               <a:t>Execute using commands like </a:t>
@@ -20007,6 +22136,9 @@
               <a:rPr lang="en-US" b="1" dirty="0"/>
               <a:t>spark-submit</a:t>
             </a:r>
+            <a:endParaRPr lang="en-US" dirty="0"/>
+          </a:p>
+          <a:p>
             <a:endParaRPr lang="en-US" dirty="0"/>
           </a:p>
         </p:txBody>

--- a/Slides/02 - Synapse Development.pptx
+++ b/Slides/02 - Synapse Development.pptx
@@ -5,7 +5,7 @@
     <p:sldMasterId id="2147483648" r:id="rId1"/>
   </p:sldMasterIdLst>
   <p:notesMasterIdLst>
-    <p:notesMasterId r:id="rId77"/>
+    <p:notesMasterId r:id="rId84"/>
   </p:notesMasterIdLst>
   <p:sldIdLst>
     <p:sldId id="256" r:id="rId2"/>
@@ -31,58 +31,65 @@
     <p:sldId id="294" r:id="rId22"/>
     <p:sldId id="320" r:id="rId23"/>
     <p:sldId id="289" r:id="rId24"/>
-    <p:sldId id="290" r:id="rId25"/>
-    <p:sldId id="291" r:id="rId26"/>
-    <p:sldId id="292" r:id="rId27"/>
-    <p:sldId id="293" r:id="rId28"/>
-    <p:sldId id="282" r:id="rId29"/>
-    <p:sldId id="280" r:id="rId30"/>
-    <p:sldId id="281" r:id="rId31"/>
-    <p:sldId id="283" r:id="rId32"/>
-    <p:sldId id="337" r:id="rId33"/>
-    <p:sldId id="295" r:id="rId34"/>
-    <p:sldId id="325" r:id="rId35"/>
-    <p:sldId id="326" r:id="rId36"/>
-    <p:sldId id="327" r:id="rId37"/>
-    <p:sldId id="314" r:id="rId38"/>
-    <p:sldId id="313" r:id="rId39"/>
-    <p:sldId id="324" r:id="rId40"/>
-    <p:sldId id="328" r:id="rId41"/>
-    <p:sldId id="329" r:id="rId42"/>
-    <p:sldId id="315" r:id="rId43"/>
-    <p:sldId id="330" r:id="rId44"/>
-    <p:sldId id="331" r:id="rId45"/>
-    <p:sldId id="316" r:id="rId46"/>
-    <p:sldId id="273" r:id="rId47"/>
-    <p:sldId id="305" r:id="rId48"/>
-    <p:sldId id="306" r:id="rId49"/>
-    <p:sldId id="307" r:id="rId50"/>
-    <p:sldId id="11937" r:id="rId51"/>
-    <p:sldId id="308" r:id="rId52"/>
-    <p:sldId id="333" r:id="rId53"/>
-    <p:sldId id="309" r:id="rId54"/>
-    <p:sldId id="334" r:id="rId55"/>
-    <p:sldId id="310" r:id="rId56"/>
-    <p:sldId id="335" r:id="rId57"/>
-    <p:sldId id="311" r:id="rId58"/>
-    <p:sldId id="260" r:id="rId59"/>
-    <p:sldId id="277" r:id="rId60"/>
-    <p:sldId id="279" r:id="rId61"/>
-    <p:sldId id="278" r:id="rId62"/>
-    <p:sldId id="275" r:id="rId63"/>
-    <p:sldId id="304" r:id="rId64"/>
-    <p:sldId id="297" r:id="rId65"/>
-    <p:sldId id="11934" r:id="rId66"/>
-    <p:sldId id="332" r:id="rId67"/>
-    <p:sldId id="11933" r:id="rId68"/>
-    <p:sldId id="298" r:id="rId69"/>
-    <p:sldId id="301" r:id="rId70"/>
-    <p:sldId id="11936" r:id="rId71"/>
-    <p:sldId id="300" r:id="rId72"/>
-    <p:sldId id="11935" r:id="rId73"/>
-    <p:sldId id="276" r:id="rId74"/>
-    <p:sldId id="261" r:id="rId75"/>
-    <p:sldId id="274" r:id="rId76"/>
+    <p:sldId id="11939" r:id="rId25"/>
+    <p:sldId id="11940" r:id="rId26"/>
+    <p:sldId id="11941" r:id="rId27"/>
+    <p:sldId id="11942" r:id="rId28"/>
+    <p:sldId id="11943" r:id="rId29"/>
+    <p:sldId id="290" r:id="rId30"/>
+    <p:sldId id="292" r:id="rId31"/>
+    <p:sldId id="11944" r:id="rId32"/>
+    <p:sldId id="11945" r:id="rId33"/>
+    <p:sldId id="11946" r:id="rId34"/>
+    <p:sldId id="293" r:id="rId35"/>
+    <p:sldId id="282" r:id="rId36"/>
+    <p:sldId id="280" r:id="rId37"/>
+    <p:sldId id="281" r:id="rId38"/>
+    <p:sldId id="283" r:id="rId39"/>
+    <p:sldId id="337" r:id="rId40"/>
+    <p:sldId id="295" r:id="rId41"/>
+    <p:sldId id="325" r:id="rId42"/>
+    <p:sldId id="326" r:id="rId43"/>
+    <p:sldId id="327" r:id="rId44"/>
+    <p:sldId id="314" r:id="rId45"/>
+    <p:sldId id="313" r:id="rId46"/>
+    <p:sldId id="324" r:id="rId47"/>
+    <p:sldId id="328" r:id="rId48"/>
+    <p:sldId id="329" r:id="rId49"/>
+    <p:sldId id="315" r:id="rId50"/>
+    <p:sldId id="330" r:id="rId51"/>
+    <p:sldId id="331" r:id="rId52"/>
+    <p:sldId id="316" r:id="rId53"/>
+    <p:sldId id="273" r:id="rId54"/>
+    <p:sldId id="305" r:id="rId55"/>
+    <p:sldId id="306" r:id="rId56"/>
+    <p:sldId id="307" r:id="rId57"/>
+    <p:sldId id="11937" r:id="rId58"/>
+    <p:sldId id="308" r:id="rId59"/>
+    <p:sldId id="333" r:id="rId60"/>
+    <p:sldId id="309" r:id="rId61"/>
+    <p:sldId id="334" r:id="rId62"/>
+    <p:sldId id="310" r:id="rId63"/>
+    <p:sldId id="335" r:id="rId64"/>
+    <p:sldId id="311" r:id="rId65"/>
+    <p:sldId id="260" r:id="rId66"/>
+    <p:sldId id="277" r:id="rId67"/>
+    <p:sldId id="279" r:id="rId68"/>
+    <p:sldId id="278" r:id="rId69"/>
+    <p:sldId id="275" r:id="rId70"/>
+    <p:sldId id="304" r:id="rId71"/>
+    <p:sldId id="297" r:id="rId72"/>
+    <p:sldId id="11934" r:id="rId73"/>
+    <p:sldId id="332" r:id="rId74"/>
+    <p:sldId id="11933" r:id="rId75"/>
+    <p:sldId id="298" r:id="rId76"/>
+    <p:sldId id="301" r:id="rId77"/>
+    <p:sldId id="11936" r:id="rId78"/>
+    <p:sldId id="300" r:id="rId79"/>
+    <p:sldId id="11935" r:id="rId80"/>
+    <p:sldId id="276" r:id="rId81"/>
+    <p:sldId id="261" r:id="rId82"/>
+    <p:sldId id="274" r:id="rId83"/>
   </p:sldIdLst>
   <p:sldSz cx="12192000" cy="6858000"/>
   <p:notesSz cx="6858000" cy="9144000"/>
@@ -603,7 +610,7 @@
           <a:p>
             <a:fld id="{67E65352-95B5-4433-84FB-24BF035F4B44}" type="slidenum">
               <a:rPr lang="en-US" smtClean="0"/>
-              <a:t>67</a:t>
+              <a:t>74</a:t>
             </a:fld>
             <a:endParaRPr lang="en-US"/>
           </a:p>
@@ -5770,7 +5777,7 @@
           <a:p>
             <a:r>
               <a:rPr lang="en-US" dirty="0"/>
-              <a:t>Creating a GitHub Action</a:t>
+              <a:t>Creating a GitHub Action – Prep Work</a:t>
             </a:r>
           </a:p>
         </p:txBody>
@@ -5788,7 +5795,7 @@
             <a:spLocks noGrp="1"/>
           </p:cNvSpPr>
           <p:nvPr>
-            <p:ph idx="1"/>
+            <p:ph sz="half" idx="1"/>
           </p:nvPr>
         </p:nvSpPr>
         <p:spPr/>
@@ -5798,25 +5805,58 @@
           <a:p>
             <a:r>
               <a:rPr lang="en-US" dirty="0"/>
-              <a:t>GitHub Actions created via YAML in /.</a:t>
-            </a:r>
-            <a:r>
-              <a:rPr lang="en-US" dirty="0" err="1"/>
-              <a:t>github</a:t>
-            </a:r>
-            <a:r>
-              <a:rPr lang="en-US" dirty="0"/>
-              <a:t>/workflows/</a:t>
-            </a:r>
-          </a:p>
-          <a:p>
-            <a:r>
-              <a:rPr lang="en-US" dirty="0"/>
-              <a:t>Create new repo secrets for ClientID &amp; service principal</a:t>
-            </a:r>
-          </a:p>
-        </p:txBody>
-      </p:sp>
+              <a:t>Need information for secrets</a:t>
+            </a:r>
+          </a:p>
+          <a:p>
+            <a:r>
+              <a:rPr lang="en-US" dirty="0"/>
+              <a:t>WORKSPACE</a:t>
+            </a:r>
+          </a:p>
+          <a:p>
+            <a:r>
+              <a:rPr lang="en-US" dirty="0"/>
+              <a:t>RESOURCE_GROUP</a:t>
+            </a:r>
+          </a:p>
+          <a:p>
+            <a:r>
+              <a:rPr lang="en-US" dirty="0"/>
+              <a:t>SUB_ID</a:t>
+            </a:r>
+          </a:p>
+        </p:txBody>
+      </p:sp>
+      <p:pic>
+        <p:nvPicPr>
+          <p:cNvPr id="6" name="Content Placeholder 5">
+            <a:extLst>
+              <a:ext uri="{FF2B5EF4-FFF2-40B4-BE49-F238E27FC236}">
+                <a16:creationId xmlns:a16="http://schemas.microsoft.com/office/drawing/2014/main" id="{F5210D2A-96E1-EC18-5FAE-1A49B46EE929}"/>
+              </a:ext>
+            </a:extLst>
+          </p:cNvPr>
+          <p:cNvPicPr>
+            <a:picLocks noGrp="1" noChangeAspect="1"/>
+          </p:cNvPicPr>
+          <p:nvPr>
+            <p:ph sz="half" idx="2"/>
+          </p:nvPr>
+        </p:nvPicPr>
+        <p:blipFill>
+          <a:blip r:embed="rId2"/>
+          <a:stretch>
+            <a:fillRect/>
+          </a:stretch>
+        </p:blipFill>
+        <p:spPr>
+          <a:xfrm>
+            <a:off x="2337124" y="3811745"/>
+            <a:ext cx="7517751" cy="3046255"/>
+          </a:xfrm>
+        </p:spPr>
+      </p:pic>
     </p:spTree>
     <p:extLst>
       <p:ext uri="{BB962C8B-B14F-4D97-AF65-F5344CB8AC3E}">
@@ -5870,7 +5910,7 @@
           <a:p>
             <a:r>
               <a:rPr lang="en-US" dirty="0"/>
-              <a:t>Configuring a GitHub Action</a:t>
+              <a:t>Creating a GitHub Action – Prep Work</a:t>
             </a:r>
           </a:p>
         </p:txBody>
@@ -5898,15 +5938,45 @@
           <a:p>
             <a:r>
               <a:rPr lang="en-US" dirty="0"/>
-              <a:t>TODO</a:t>
-            </a:r>
-          </a:p>
-        </p:txBody>
-      </p:sp>
+              <a:t>Create an App Registration in Azure Active Directory</a:t>
+            </a:r>
+          </a:p>
+        </p:txBody>
+      </p:sp>
+      <p:pic>
+        <p:nvPicPr>
+          <p:cNvPr id="5" name="Picture 4">
+            <a:extLst>
+              <a:ext uri="{FF2B5EF4-FFF2-40B4-BE49-F238E27FC236}">
+                <a16:creationId xmlns:a16="http://schemas.microsoft.com/office/drawing/2014/main" id="{78F8545F-F462-64EA-5B43-EBF0D33A715D}"/>
+              </a:ext>
+            </a:extLst>
+          </p:cNvPr>
+          <p:cNvPicPr>
+            <a:picLocks noChangeAspect="1"/>
+          </p:cNvPicPr>
+          <p:nvPr/>
+        </p:nvPicPr>
+        <p:blipFill>
+          <a:blip r:embed="rId2"/>
+          <a:stretch>
+            <a:fillRect/>
+          </a:stretch>
+        </p:blipFill>
+        <p:spPr>
+          <a:xfrm>
+            <a:off x="2165543" y="2385921"/>
+            <a:ext cx="7860914" cy="4453754"/>
+          </a:xfrm>
+          <a:prstGeom prst="rect">
+            <a:avLst/>
+          </a:prstGeom>
+        </p:spPr>
+      </p:pic>
     </p:spTree>
     <p:extLst>
       <p:ext uri="{BB962C8B-B14F-4D97-AF65-F5344CB8AC3E}">
-        <p14:creationId xmlns:p14="http://schemas.microsoft.com/office/powerpoint/2010/main" val="2142194600"/>
+        <p14:creationId xmlns:p14="http://schemas.microsoft.com/office/powerpoint/2010/main" val="3748745322"/>
       </p:ext>
     </p:extLst>
   </p:cSld>
@@ -5956,7 +6026,7 @@
           <a:p>
             <a:r>
               <a:rPr lang="en-US" dirty="0"/>
-              <a:t>Creating a Workflow</a:t>
+              <a:t>Creating a GitHub Action – Prep Work</a:t>
             </a:r>
           </a:p>
         </p:txBody>
@@ -5974,7 +6044,7 @@
             <a:spLocks noGrp="1"/>
           </p:cNvSpPr>
           <p:nvPr>
-            <p:ph idx="1"/>
+            <p:ph sz="half" idx="1"/>
           </p:nvPr>
         </p:nvSpPr>
         <p:spPr/>
@@ -5984,15 +6054,56 @@
           <a:p>
             <a:r>
               <a:rPr lang="en-US" dirty="0"/>
-              <a:t>TODO</a:t>
-            </a:r>
-          </a:p>
-        </p:txBody>
-      </p:sp>
+              <a:t>Need more information for secrets</a:t>
+            </a:r>
+          </a:p>
+          <a:p>
+            <a:r>
+              <a:rPr lang="en-US" dirty="0"/>
+              <a:t>CLIENT_ID</a:t>
+            </a:r>
+          </a:p>
+          <a:p>
+            <a:r>
+              <a:rPr lang="en-US" dirty="0"/>
+              <a:t>TENANT_ID</a:t>
+            </a:r>
+          </a:p>
+        </p:txBody>
+      </p:sp>
+      <p:pic>
+        <p:nvPicPr>
+          <p:cNvPr id="6" name="Content Placeholder 5">
+            <a:extLst>
+              <a:ext uri="{FF2B5EF4-FFF2-40B4-BE49-F238E27FC236}">
+                <a16:creationId xmlns:a16="http://schemas.microsoft.com/office/drawing/2014/main" id="{B3F0E81E-C77F-3A0B-94DD-4A7DD419D93E}"/>
+              </a:ext>
+            </a:extLst>
+          </p:cNvPr>
+          <p:cNvPicPr>
+            <a:picLocks noGrp="1" noChangeAspect="1"/>
+          </p:cNvPicPr>
+          <p:nvPr>
+            <p:ph sz="half" idx="2"/>
+          </p:nvPr>
+        </p:nvPicPr>
+        <p:blipFill>
+          <a:blip r:embed="rId2"/>
+          <a:stretch>
+            <a:fillRect/>
+          </a:stretch>
+        </p:blipFill>
+        <p:spPr>
+          <a:xfrm>
+            <a:off x="5290463" y="1825625"/>
+            <a:ext cx="6889261" cy="3615329"/>
+          </a:xfrm>
+        </p:spPr>
+      </p:pic>
     </p:spTree>
     <p:extLst>
       <p:ext uri="{BB962C8B-B14F-4D97-AF65-F5344CB8AC3E}">
-        <p14:creationId xmlns:p14="http://schemas.microsoft.com/office/powerpoint/2010/main" val="777258967"/>
+        <p14:creationId xmlns:p14="http://schemas.microsoft.com/office/powerpoint/2010/main" val="1027694777"/>
       </p:ext>
     </p:extLst>
   </p:cSld>
@@ -6042,7 +6153,7 @@
           <a:p>
             <a:r>
               <a:rPr lang="en-US" dirty="0"/>
-              <a:t>Synapse Workspace Deployment</a:t>
+              <a:t>Creating a GitHub Action – Prep Work</a:t>
             </a:r>
           </a:p>
         </p:txBody>
@@ -6060,7 +6171,7 @@
             <a:spLocks noGrp="1"/>
           </p:cNvSpPr>
           <p:nvPr>
-            <p:ph idx="1"/>
+            <p:ph sz="half" idx="1"/>
           </p:nvPr>
         </p:nvSpPr>
         <p:spPr/>
@@ -6070,15 +6181,50 @@
           <a:p>
             <a:r>
               <a:rPr lang="en-US" dirty="0"/>
-              <a:t>TODO</a:t>
-            </a:r>
-          </a:p>
-        </p:txBody>
-      </p:sp>
+              <a:t>Create a new client secret</a:t>
+            </a:r>
+          </a:p>
+          <a:p>
+            <a:r>
+              <a:rPr lang="en-US" dirty="0"/>
+              <a:t>Make sure to save this—you only see it once!</a:t>
+            </a:r>
+          </a:p>
+        </p:txBody>
+      </p:sp>
+      <p:pic>
+        <p:nvPicPr>
+          <p:cNvPr id="6" name="Content Placeholder 5">
+            <a:extLst>
+              <a:ext uri="{FF2B5EF4-FFF2-40B4-BE49-F238E27FC236}">
+                <a16:creationId xmlns:a16="http://schemas.microsoft.com/office/drawing/2014/main" id="{1EBD589E-9061-EB4C-60CA-6D25CA53790F}"/>
+              </a:ext>
+            </a:extLst>
+          </p:cNvPr>
+          <p:cNvPicPr>
+            <a:picLocks noGrp="1" noChangeAspect="1"/>
+          </p:cNvPicPr>
+          <p:nvPr>
+            <p:ph sz="half" idx="2"/>
+          </p:nvPr>
+        </p:nvPicPr>
+        <p:blipFill>
+          <a:blip r:embed="rId2"/>
+          <a:stretch>
+            <a:fillRect/>
+          </a:stretch>
+        </p:blipFill>
+        <p:spPr>
+          <a:xfrm>
+            <a:off x="1754932" y="3429000"/>
+            <a:ext cx="8682135" cy="3405147"/>
+          </a:xfrm>
+        </p:spPr>
+      </p:pic>
     </p:spTree>
     <p:extLst>
       <p:ext uri="{BB962C8B-B14F-4D97-AF65-F5344CB8AC3E}">
-        <p14:creationId xmlns:p14="http://schemas.microsoft.com/office/powerpoint/2010/main" val="3449141780"/>
+        <p14:creationId xmlns:p14="http://schemas.microsoft.com/office/powerpoint/2010/main" val="1955462527"/>
       </p:ext>
     </p:extLst>
   </p:cSld>
@@ -6128,71 +6274,47 @@
           <a:p>
             <a:r>
               <a:rPr lang="en-US" dirty="0"/>
-              <a:t>Things to Keep in Mind</a:t>
-            </a:r>
-          </a:p>
-        </p:txBody>
-      </p:sp>
-      <p:sp>
-        <p:nvSpPr>
-          <p:cNvPr id="3" name="Content Placeholder 2">
-            <a:extLst>
-              <a:ext uri="{FF2B5EF4-FFF2-40B4-BE49-F238E27FC236}">
-                <a16:creationId xmlns:a16="http://schemas.microsoft.com/office/drawing/2014/main" id="{566CAAAE-75F3-7B5E-C61A-03FF68C88573}"/>
-              </a:ext>
-            </a:extLst>
-          </p:cNvPr>
-          <p:cNvSpPr>
-            <a:spLocks noGrp="1"/>
-          </p:cNvSpPr>
+              <a:t>Creating a GitHub Action – Secrets</a:t>
+            </a:r>
+          </a:p>
+        </p:txBody>
+      </p:sp>
+      <p:pic>
+        <p:nvPicPr>
+          <p:cNvPr id="8" name="Content Placeholder 7">
+            <a:extLst>
+              <a:ext uri="{FF2B5EF4-FFF2-40B4-BE49-F238E27FC236}">
+                <a16:creationId xmlns:a16="http://schemas.microsoft.com/office/drawing/2014/main" id="{A9815AAC-6774-B085-B203-179D73FF6A97}"/>
+              </a:ext>
+            </a:extLst>
+          </p:cNvPr>
+          <p:cNvPicPr>
+            <a:picLocks noGrp="1" noChangeAspect="1"/>
+          </p:cNvPicPr>
           <p:nvPr>
             <p:ph idx="1"/>
           </p:nvPr>
-        </p:nvSpPr>
-        <p:spPr/>
-        <p:txBody>
-          <a:bodyPr/>
-          <a:lstStyle/>
-          <a:p>
-            <a:r>
-              <a:rPr lang="en-US" dirty="0"/>
-              <a:t>Workspace integration with Git is for your </a:t>
-            </a:r>
-            <a:r>
-              <a:rPr lang="en-US" b="1" dirty="0"/>
-              <a:t>development </a:t>
-            </a:r>
-            <a:r>
-              <a:rPr lang="en-US" dirty="0"/>
-              <a:t>environment</a:t>
-            </a:r>
-          </a:p>
-          <a:p>
-            <a:r>
-              <a:rPr lang="en-US" dirty="0"/>
-              <a:t>Deploy changes to test/production workspaces via CI/CD</a:t>
-            </a:r>
-          </a:p>
-          <a:p>
-            <a:r>
-              <a:rPr lang="en-US" dirty="0"/>
-              <a:t>Using a Managed </a:t>
-            </a:r>
-            <a:r>
-              <a:rPr lang="en-US" dirty="0" err="1"/>
-              <a:t>VNet</a:t>
-            </a:r>
-            <a:r>
-              <a:rPr lang="en-US" dirty="0"/>
-              <a:t>?  Be sure to have a self-hosted ADO/GitHub agent do the deployment!</a:t>
-            </a:r>
-          </a:p>
-        </p:txBody>
-      </p:sp>
+        </p:nvPicPr>
+        <p:blipFill>
+          <a:blip r:embed="rId2"/>
+          <a:stretch>
+            <a:fillRect/>
+          </a:stretch>
+        </p:blipFill>
+        <p:spPr>
+          <a:xfrm>
+            <a:off x="2317102" y="1335212"/>
+            <a:ext cx="7557796" cy="5522788"/>
+          </a:xfrm>
+          <a:prstGeom prst="rect">
+            <a:avLst/>
+          </a:prstGeom>
+        </p:spPr>
+      </p:pic>
     </p:spTree>
     <p:extLst>
       <p:ext uri="{BB962C8B-B14F-4D97-AF65-F5344CB8AC3E}">
-        <p14:creationId xmlns:p14="http://schemas.microsoft.com/office/powerpoint/2010/main" val="678811096"/>
+        <p14:creationId xmlns:p14="http://schemas.microsoft.com/office/powerpoint/2010/main" val="2388106834"/>
       </p:ext>
     </p:extLst>
   </p:cSld>
@@ -6224,7 +6346,7 @@
           <p:cNvPr id="2" name="Title 1">
             <a:extLst>
               <a:ext uri="{FF2B5EF4-FFF2-40B4-BE49-F238E27FC236}">
-                <a16:creationId xmlns:a16="http://schemas.microsoft.com/office/drawing/2014/main" id="{04F7D59B-CBE5-A96A-7F97-4BE51556BC89}"/>
+                <a16:creationId xmlns:a16="http://schemas.microsoft.com/office/drawing/2014/main" id="{B22C245E-2B4F-FD50-59A0-517F533BEB13}"/>
               </a:ext>
             </a:extLst>
           </p:cNvPr>
@@ -6242,17 +6364,17 @@
           <a:p>
             <a:r>
               <a:rPr lang="en-US" dirty="0"/>
-              <a:t>Development in Python</a:t>
-            </a:r>
-          </a:p>
-        </p:txBody>
-      </p:sp>
-      <p:sp>
-        <p:nvSpPr>
-          <p:cNvPr id="3" name="Text Placeholder 2">
-            <a:extLst>
-              <a:ext uri="{FF2B5EF4-FFF2-40B4-BE49-F238E27FC236}">
-                <a16:creationId xmlns:a16="http://schemas.microsoft.com/office/drawing/2014/main" id="{CDC11DA3-02B3-CB09-4E97-279B10349BB9}"/>
+              <a:t>Creating a GitHub Action – YAML</a:t>
+            </a:r>
+          </a:p>
+        </p:txBody>
+      </p:sp>
+      <p:sp>
+        <p:nvSpPr>
+          <p:cNvPr id="4" name="Content Placeholder 3">
+            <a:extLst>
+              <a:ext uri="{FF2B5EF4-FFF2-40B4-BE49-F238E27FC236}">
+                <a16:creationId xmlns:a16="http://schemas.microsoft.com/office/drawing/2014/main" id="{DB99B6A6-0EA6-1BB5-19A4-C91EE5B3E7FB}"/>
               </a:ext>
             </a:extLst>
           </p:cNvPr>
@@ -6260,7 +6382,7 @@
             <a:spLocks noGrp="1"/>
           </p:cNvSpPr>
           <p:nvPr>
-            <p:ph type="body" idx="1"/>
+            <p:ph idx="1"/>
           </p:nvPr>
         </p:nvSpPr>
         <p:spPr/>
@@ -6268,14 +6390,67 @@
           <a:bodyPr/>
           <a:lstStyle/>
           <a:p>
-            <a:endParaRPr lang="en-US"/>
-          </a:p>
-        </p:txBody>
-      </p:sp>
+            <a:r>
+              <a:rPr lang="en-US" dirty="0"/>
+              <a:t>GitHub Actions are YAML files in .</a:t>
+            </a:r>
+            <a:r>
+              <a:rPr lang="en-US" dirty="0" err="1"/>
+              <a:t>github</a:t>
+            </a:r>
+            <a:r>
+              <a:rPr lang="en-US" dirty="0"/>
+              <a:t>/workflows</a:t>
+            </a:r>
+          </a:p>
+          <a:p>
+            <a:r>
+              <a:rPr lang="en-US" dirty="0"/>
+              <a:t>Define when and where:  on push (or PR), to specific branch(es)</a:t>
+            </a:r>
+          </a:p>
+          <a:p>
+            <a:pPr marL="0" indent="0">
+              <a:buNone/>
+            </a:pPr>
+            <a:endParaRPr lang="en-US" dirty="0"/>
+          </a:p>
+        </p:txBody>
+      </p:sp>
+      <p:pic>
+        <p:nvPicPr>
+          <p:cNvPr id="6" name="Picture 5">
+            <a:extLst>
+              <a:ext uri="{FF2B5EF4-FFF2-40B4-BE49-F238E27FC236}">
+                <a16:creationId xmlns:a16="http://schemas.microsoft.com/office/drawing/2014/main" id="{4FF66DA0-74BB-7198-8579-16B7401B8107}"/>
+              </a:ext>
+            </a:extLst>
+          </p:cNvPr>
+          <p:cNvPicPr>
+            <a:picLocks noChangeAspect="1"/>
+          </p:cNvPicPr>
+          <p:nvPr/>
+        </p:nvPicPr>
+        <p:blipFill>
+          <a:blip r:embed="rId2"/>
+          <a:stretch>
+            <a:fillRect/>
+          </a:stretch>
+        </p:blipFill>
+        <p:spPr>
+          <a:xfrm>
+            <a:off x="1134095" y="2905752"/>
+            <a:ext cx="9923809" cy="3885714"/>
+          </a:xfrm>
+          <a:prstGeom prst="rect">
+            <a:avLst/>
+          </a:prstGeom>
+        </p:spPr>
+      </p:pic>
     </p:spTree>
     <p:extLst>
       <p:ext uri="{BB962C8B-B14F-4D97-AF65-F5344CB8AC3E}">
-        <p14:creationId xmlns:p14="http://schemas.microsoft.com/office/powerpoint/2010/main" val="1648621277"/>
+        <p14:creationId xmlns:p14="http://schemas.microsoft.com/office/powerpoint/2010/main" val="3146688080"/>
       </p:ext>
     </p:extLst>
   </p:cSld>
@@ -6304,10 +6479,10 @@
       </p:grpSpPr>
       <p:sp>
         <p:nvSpPr>
-          <p:cNvPr id="4" name="Title 3">
-            <a:extLst>
-              <a:ext uri="{FF2B5EF4-FFF2-40B4-BE49-F238E27FC236}">
-                <a16:creationId xmlns:a16="http://schemas.microsoft.com/office/drawing/2014/main" id="{4D69CB4C-70F5-7216-9903-934406FE5DEF}"/>
+          <p:cNvPr id="2" name="Title 1">
+            <a:extLst>
+              <a:ext uri="{FF2B5EF4-FFF2-40B4-BE49-F238E27FC236}">
+                <a16:creationId xmlns:a16="http://schemas.microsoft.com/office/drawing/2014/main" id="{B22C245E-2B4F-FD50-59A0-517F533BEB13}"/>
               </a:ext>
             </a:extLst>
           </p:cNvPr>
@@ -6325,17 +6500,17 @@
           <a:p>
             <a:r>
               <a:rPr lang="en-US" dirty="0"/>
-              <a:t>Start with a Spark pool</a:t>
-            </a:r>
-          </a:p>
-        </p:txBody>
-      </p:sp>
-      <p:sp>
-        <p:nvSpPr>
-          <p:cNvPr id="6" name="Content Placeholder 5">
-            <a:extLst>
-              <a:ext uri="{FF2B5EF4-FFF2-40B4-BE49-F238E27FC236}">
-                <a16:creationId xmlns:a16="http://schemas.microsoft.com/office/drawing/2014/main" id="{59D1E33C-7738-9B76-A8FF-407D36A54F7B}"/>
+              <a:t>Configuring a GitHub Action</a:t>
+            </a:r>
+          </a:p>
+        </p:txBody>
+      </p:sp>
+      <p:sp>
+        <p:nvSpPr>
+          <p:cNvPr id="3" name="Content Placeholder 2">
+            <a:extLst>
+              <a:ext uri="{FF2B5EF4-FFF2-40B4-BE49-F238E27FC236}">
+                <a16:creationId xmlns:a16="http://schemas.microsoft.com/office/drawing/2014/main" id="{566CAAAE-75F3-7B5E-C61A-03FF68C88573}"/>
               </a:ext>
             </a:extLst>
           </p:cNvPr>
@@ -6343,7 +6518,7 @@
             <a:spLocks noGrp="1"/>
           </p:cNvSpPr>
           <p:nvPr>
-            <p:ph sz="half" idx="1"/>
+            <p:ph idx="1"/>
           </p:nvPr>
         </p:nvSpPr>
         <p:spPr/>
@@ -6353,50 +6528,24 @@
           <a:p>
             <a:r>
               <a:rPr lang="en-US" dirty="0"/>
-              <a:t>Node sizes</a:t>
-            </a:r>
-          </a:p>
-          <a:p>
-            <a:r>
-              <a:rPr lang="en-US" dirty="0"/>
-              <a:t>Node families</a:t>
-            </a:r>
-          </a:p>
-          <a:p>
-            <a:r>
-              <a:rPr lang="en-US" dirty="0"/>
-              <a:t>Node scaling</a:t>
-            </a:r>
-          </a:p>
-          <a:p>
-            <a:r>
-              <a:rPr lang="en-US" dirty="0"/>
-              <a:t>Isolated compute</a:t>
-            </a:r>
-          </a:p>
-          <a:p>
-            <a:r>
-              <a:rPr lang="en-US" dirty="0"/>
-              <a:t>Pausing and shutdown</a:t>
+              <a:t>Synapse deployment is a job step and requires the secrets we created</a:t>
             </a:r>
           </a:p>
         </p:txBody>
       </p:sp>
       <p:pic>
         <p:nvPicPr>
-          <p:cNvPr id="9" name="Content Placeholder 8">
-            <a:extLst>
-              <a:ext uri="{FF2B5EF4-FFF2-40B4-BE49-F238E27FC236}">
-                <a16:creationId xmlns:a16="http://schemas.microsoft.com/office/drawing/2014/main" id="{F0A100EC-F206-00A5-6B22-879FFFF3EAEE}"/>
+          <p:cNvPr id="5" name="Picture 4">
+            <a:extLst>
+              <a:ext uri="{FF2B5EF4-FFF2-40B4-BE49-F238E27FC236}">
+                <a16:creationId xmlns:a16="http://schemas.microsoft.com/office/drawing/2014/main" id="{3EA3D2DA-40C2-C555-1508-8928EFA56D41}"/>
               </a:ext>
             </a:extLst>
           </p:cNvPr>
           <p:cNvPicPr>
-            <a:picLocks noGrp="1" noChangeAspect="1"/>
+            <a:picLocks noChangeAspect="1"/>
           </p:cNvPicPr>
-          <p:nvPr>
-            <p:ph sz="half" idx="2"/>
-          </p:nvPr>
+          <p:nvPr/>
         </p:nvPicPr>
         <p:blipFill>
           <a:blip r:embed="rId2"/>
@@ -6406,15 +6555,18 @@
         </p:blipFill>
         <p:spPr>
           <a:xfrm>
-            <a:off x="6270747" y="1563780"/>
-            <a:ext cx="5747082" cy="5017048"/>
+            <a:off x="2184709" y="2351314"/>
+            <a:ext cx="7822581" cy="4506686"/>
           </a:xfrm>
+          <a:prstGeom prst="rect">
+            <a:avLst/>
+          </a:prstGeom>
         </p:spPr>
       </p:pic>
     </p:spTree>
     <p:extLst>
       <p:ext uri="{BB962C8B-B14F-4D97-AF65-F5344CB8AC3E}">
-        <p14:creationId xmlns:p14="http://schemas.microsoft.com/office/powerpoint/2010/main" val="3590117377"/>
+        <p14:creationId xmlns:p14="http://schemas.microsoft.com/office/powerpoint/2010/main" val="2142194600"/>
       </p:ext>
     </p:extLst>
   </p:cSld>
@@ -6556,6 +6708,823 @@
           <p:cNvPr id="2" name="Title 1">
             <a:extLst>
               <a:ext uri="{FF2B5EF4-FFF2-40B4-BE49-F238E27FC236}">
+                <a16:creationId xmlns:a16="http://schemas.microsoft.com/office/drawing/2014/main" id="{B22C245E-2B4F-FD50-59A0-517F533BEB13}"/>
+              </a:ext>
+            </a:extLst>
+          </p:cNvPr>
+          <p:cNvSpPr>
+            <a:spLocks noGrp="1"/>
+          </p:cNvSpPr>
+          <p:nvPr>
+            <p:ph type="title"/>
+          </p:nvPr>
+        </p:nvSpPr>
+        <p:spPr/>
+        <p:txBody>
+          <a:bodyPr/>
+          <a:lstStyle/>
+          <a:p>
+            <a:r>
+              <a:rPr lang="en-US" dirty="0"/>
+              <a:t>Synapse Workspace Deployment</a:t>
+            </a:r>
+          </a:p>
+        </p:txBody>
+      </p:sp>
+      <p:sp>
+        <p:nvSpPr>
+          <p:cNvPr id="3" name="Content Placeholder 2">
+            <a:extLst>
+              <a:ext uri="{FF2B5EF4-FFF2-40B4-BE49-F238E27FC236}">
+                <a16:creationId xmlns:a16="http://schemas.microsoft.com/office/drawing/2014/main" id="{566CAAAE-75F3-7B5E-C61A-03FF68C88573}"/>
+              </a:ext>
+            </a:extLst>
+          </p:cNvPr>
+          <p:cNvSpPr>
+            <a:spLocks noGrp="1"/>
+          </p:cNvSpPr>
+          <p:nvPr>
+            <p:ph idx="1"/>
+          </p:nvPr>
+        </p:nvSpPr>
+        <p:spPr/>
+        <p:txBody>
+          <a:bodyPr/>
+          <a:lstStyle/>
+          <a:p>
+            <a:r>
+              <a:rPr lang="en-US" dirty="0"/>
+              <a:t>Track workflows via the Actions menu</a:t>
+            </a:r>
+          </a:p>
+        </p:txBody>
+      </p:sp>
+      <p:pic>
+        <p:nvPicPr>
+          <p:cNvPr id="5" name="Picture 4">
+            <a:extLst>
+              <a:ext uri="{FF2B5EF4-FFF2-40B4-BE49-F238E27FC236}">
+                <a16:creationId xmlns:a16="http://schemas.microsoft.com/office/drawing/2014/main" id="{6E3F4890-7CBE-6F81-6CDD-80B471FF9853}"/>
+              </a:ext>
+            </a:extLst>
+          </p:cNvPr>
+          <p:cNvPicPr>
+            <a:picLocks noChangeAspect="1"/>
+          </p:cNvPicPr>
+          <p:nvPr/>
+        </p:nvPicPr>
+        <p:blipFill>
+          <a:blip r:embed="rId2"/>
+          <a:stretch>
+            <a:fillRect/>
+          </a:stretch>
+        </p:blipFill>
+        <p:spPr>
+          <a:xfrm>
+            <a:off x="0" y="2953749"/>
+            <a:ext cx="12192000" cy="2462060"/>
+          </a:xfrm>
+          <a:prstGeom prst="rect">
+            <a:avLst/>
+          </a:prstGeom>
+        </p:spPr>
+      </p:pic>
+    </p:spTree>
+    <p:extLst>
+      <p:ext uri="{BB962C8B-B14F-4D97-AF65-F5344CB8AC3E}">
+        <p14:creationId xmlns:p14="http://schemas.microsoft.com/office/powerpoint/2010/main" val="3449141780"/>
+      </p:ext>
+    </p:extLst>
+  </p:cSld>
+  <p:clrMapOvr>
+    <a:masterClrMapping/>
+  </p:clrMapOvr>
+</p:sld>
+</file>
+
+<file path=ppt/slides/slide31.xml><?xml version="1.0" encoding="utf-8"?>
+<p:sld xmlns:a="http://schemas.openxmlformats.org/drawingml/2006/main" xmlns:r="http://schemas.openxmlformats.org/officeDocument/2006/relationships" xmlns:p="http://schemas.openxmlformats.org/presentationml/2006/main">
+  <p:cSld>
+    <p:spTree>
+      <p:nvGrpSpPr>
+        <p:cNvPr id="1" name=""/>
+        <p:cNvGrpSpPr/>
+        <p:nvPr/>
+      </p:nvGrpSpPr>
+      <p:grpSpPr>
+        <a:xfrm>
+          <a:off x="0" y="0"/>
+          <a:ext cx="0" cy="0"/>
+          <a:chOff x="0" y="0"/>
+          <a:chExt cx="0" cy="0"/>
+        </a:xfrm>
+      </p:grpSpPr>
+      <p:sp>
+        <p:nvSpPr>
+          <p:cNvPr id="2" name="Title 1">
+            <a:extLst>
+              <a:ext uri="{FF2B5EF4-FFF2-40B4-BE49-F238E27FC236}">
+                <a16:creationId xmlns:a16="http://schemas.microsoft.com/office/drawing/2014/main" id="{B22C245E-2B4F-FD50-59A0-517F533BEB13}"/>
+              </a:ext>
+            </a:extLst>
+          </p:cNvPr>
+          <p:cNvSpPr>
+            <a:spLocks noGrp="1"/>
+          </p:cNvSpPr>
+          <p:nvPr>
+            <p:ph type="title"/>
+          </p:nvPr>
+        </p:nvSpPr>
+        <p:spPr/>
+        <p:txBody>
+          <a:bodyPr/>
+          <a:lstStyle/>
+          <a:p>
+            <a:r>
+              <a:rPr lang="en-US" dirty="0"/>
+              <a:t>Synapse Workspace Deployment</a:t>
+            </a:r>
+          </a:p>
+        </p:txBody>
+      </p:sp>
+      <p:sp>
+        <p:nvSpPr>
+          <p:cNvPr id="3" name="Content Placeholder 2">
+            <a:extLst>
+              <a:ext uri="{FF2B5EF4-FFF2-40B4-BE49-F238E27FC236}">
+                <a16:creationId xmlns:a16="http://schemas.microsoft.com/office/drawing/2014/main" id="{566CAAAE-75F3-7B5E-C61A-03FF68C88573}"/>
+              </a:ext>
+            </a:extLst>
+          </p:cNvPr>
+          <p:cNvSpPr>
+            <a:spLocks noGrp="1"/>
+          </p:cNvSpPr>
+          <p:nvPr>
+            <p:ph idx="1"/>
+          </p:nvPr>
+        </p:nvSpPr>
+        <p:spPr/>
+        <p:txBody>
+          <a:bodyPr/>
+          <a:lstStyle/>
+          <a:p>
+            <a:r>
+              <a:rPr lang="en-US" dirty="0"/>
+              <a:t>Each workflow run has its own information, including job steps and results</a:t>
+            </a:r>
+          </a:p>
+        </p:txBody>
+      </p:sp>
+      <p:pic>
+        <p:nvPicPr>
+          <p:cNvPr id="6" name="Picture 5">
+            <a:extLst>
+              <a:ext uri="{FF2B5EF4-FFF2-40B4-BE49-F238E27FC236}">
+                <a16:creationId xmlns:a16="http://schemas.microsoft.com/office/drawing/2014/main" id="{AD229285-4EA7-C342-6990-277C097B5DFD}"/>
+              </a:ext>
+            </a:extLst>
+          </p:cNvPr>
+          <p:cNvPicPr>
+            <a:picLocks noChangeAspect="1"/>
+          </p:cNvPicPr>
+          <p:nvPr/>
+        </p:nvPicPr>
+        <p:blipFill>
+          <a:blip r:embed="rId2"/>
+          <a:stretch>
+            <a:fillRect/>
+          </a:stretch>
+        </p:blipFill>
+        <p:spPr>
+          <a:xfrm>
+            <a:off x="815034" y="2830789"/>
+            <a:ext cx="10561931" cy="4027211"/>
+          </a:xfrm>
+          <a:prstGeom prst="rect">
+            <a:avLst/>
+          </a:prstGeom>
+        </p:spPr>
+      </p:pic>
+    </p:spTree>
+    <p:extLst>
+      <p:ext uri="{BB962C8B-B14F-4D97-AF65-F5344CB8AC3E}">
+        <p14:creationId xmlns:p14="http://schemas.microsoft.com/office/powerpoint/2010/main" val="736155819"/>
+      </p:ext>
+    </p:extLst>
+  </p:cSld>
+  <p:clrMapOvr>
+    <a:masterClrMapping/>
+  </p:clrMapOvr>
+</p:sld>
+</file>
+
+<file path=ppt/slides/slide32.xml><?xml version="1.0" encoding="utf-8"?>
+<p:sld xmlns:a="http://schemas.openxmlformats.org/drawingml/2006/main" xmlns:r="http://schemas.openxmlformats.org/officeDocument/2006/relationships" xmlns:p="http://schemas.openxmlformats.org/presentationml/2006/main">
+  <p:cSld>
+    <p:spTree>
+      <p:nvGrpSpPr>
+        <p:cNvPr id="1" name=""/>
+        <p:cNvGrpSpPr/>
+        <p:nvPr/>
+      </p:nvGrpSpPr>
+      <p:grpSpPr>
+        <a:xfrm>
+          <a:off x="0" y="0"/>
+          <a:ext cx="0" cy="0"/>
+          <a:chOff x="0" y="0"/>
+          <a:chExt cx="0" cy="0"/>
+        </a:xfrm>
+      </p:grpSpPr>
+      <p:sp>
+        <p:nvSpPr>
+          <p:cNvPr id="2" name="Title 1">
+            <a:extLst>
+              <a:ext uri="{FF2B5EF4-FFF2-40B4-BE49-F238E27FC236}">
+                <a16:creationId xmlns:a16="http://schemas.microsoft.com/office/drawing/2014/main" id="{B22C245E-2B4F-FD50-59A0-517F533BEB13}"/>
+              </a:ext>
+            </a:extLst>
+          </p:cNvPr>
+          <p:cNvSpPr>
+            <a:spLocks noGrp="1"/>
+          </p:cNvSpPr>
+          <p:nvPr>
+            <p:ph type="title"/>
+          </p:nvPr>
+        </p:nvSpPr>
+        <p:spPr/>
+        <p:txBody>
+          <a:bodyPr/>
+          <a:lstStyle/>
+          <a:p>
+            <a:r>
+              <a:rPr lang="en-US" dirty="0"/>
+              <a:t>Synapse Workspace Deployment</a:t>
+            </a:r>
+          </a:p>
+        </p:txBody>
+      </p:sp>
+      <p:sp>
+        <p:nvSpPr>
+          <p:cNvPr id="3" name="Content Placeholder 2">
+            <a:extLst>
+              <a:ext uri="{FF2B5EF4-FFF2-40B4-BE49-F238E27FC236}">
+                <a16:creationId xmlns:a16="http://schemas.microsoft.com/office/drawing/2014/main" id="{566CAAAE-75F3-7B5E-C61A-03FF68C88573}"/>
+              </a:ext>
+            </a:extLst>
+          </p:cNvPr>
+          <p:cNvSpPr>
+            <a:spLocks noGrp="1"/>
+          </p:cNvSpPr>
+          <p:nvPr>
+            <p:ph idx="1"/>
+          </p:nvPr>
+        </p:nvSpPr>
+        <p:spPr/>
+        <p:txBody>
+          <a:bodyPr/>
+          <a:lstStyle/>
+          <a:p>
+            <a:r>
+              <a:rPr lang="en-US" dirty="0"/>
+              <a:t>Each job step includes detailed logs</a:t>
+            </a:r>
+          </a:p>
+        </p:txBody>
+      </p:sp>
+      <p:pic>
+        <p:nvPicPr>
+          <p:cNvPr id="5" name="Picture 4">
+            <a:extLst>
+              <a:ext uri="{FF2B5EF4-FFF2-40B4-BE49-F238E27FC236}">
+                <a16:creationId xmlns:a16="http://schemas.microsoft.com/office/drawing/2014/main" id="{18FB995E-4A86-4DDC-04F3-183085C39A75}"/>
+              </a:ext>
+            </a:extLst>
+          </p:cNvPr>
+          <p:cNvPicPr>
+            <a:picLocks noChangeAspect="1"/>
+          </p:cNvPicPr>
+          <p:nvPr/>
+        </p:nvPicPr>
+        <p:blipFill>
+          <a:blip r:embed="rId2"/>
+          <a:stretch>
+            <a:fillRect/>
+          </a:stretch>
+        </p:blipFill>
+        <p:spPr>
+          <a:xfrm>
+            <a:off x="0" y="2565019"/>
+            <a:ext cx="12192000" cy="3746881"/>
+          </a:xfrm>
+          <a:prstGeom prst="rect">
+            <a:avLst/>
+          </a:prstGeom>
+        </p:spPr>
+      </p:pic>
+    </p:spTree>
+    <p:extLst>
+      <p:ext uri="{BB962C8B-B14F-4D97-AF65-F5344CB8AC3E}">
+        <p14:creationId xmlns:p14="http://schemas.microsoft.com/office/powerpoint/2010/main" val="279763206"/>
+      </p:ext>
+    </p:extLst>
+  </p:cSld>
+  <p:clrMapOvr>
+    <a:masterClrMapping/>
+  </p:clrMapOvr>
+</p:sld>
+</file>
+
+<file path=ppt/slides/slide33.xml><?xml version="1.0" encoding="utf-8"?>
+<p:sld xmlns:a="http://schemas.openxmlformats.org/drawingml/2006/main" xmlns:r="http://schemas.openxmlformats.org/officeDocument/2006/relationships" xmlns:p="http://schemas.openxmlformats.org/presentationml/2006/main">
+  <p:cSld>
+    <p:spTree>
+      <p:nvGrpSpPr>
+        <p:cNvPr id="1" name=""/>
+        <p:cNvGrpSpPr/>
+        <p:nvPr/>
+      </p:nvGrpSpPr>
+      <p:grpSpPr>
+        <a:xfrm>
+          <a:off x="0" y="0"/>
+          <a:ext cx="0" cy="0"/>
+          <a:chOff x="0" y="0"/>
+          <a:chExt cx="0" cy="0"/>
+        </a:xfrm>
+      </p:grpSpPr>
+      <p:sp>
+        <p:nvSpPr>
+          <p:cNvPr id="2" name="Title 1">
+            <a:extLst>
+              <a:ext uri="{FF2B5EF4-FFF2-40B4-BE49-F238E27FC236}">
+                <a16:creationId xmlns:a16="http://schemas.microsoft.com/office/drawing/2014/main" id="{B22C245E-2B4F-FD50-59A0-517F533BEB13}"/>
+              </a:ext>
+            </a:extLst>
+          </p:cNvPr>
+          <p:cNvSpPr>
+            <a:spLocks noGrp="1"/>
+          </p:cNvSpPr>
+          <p:nvPr>
+            <p:ph type="title"/>
+          </p:nvPr>
+        </p:nvSpPr>
+        <p:spPr/>
+        <p:txBody>
+          <a:bodyPr/>
+          <a:lstStyle/>
+          <a:p>
+            <a:r>
+              <a:rPr lang="en-US" dirty="0"/>
+              <a:t>Synapse Workspace Deployment</a:t>
+            </a:r>
+          </a:p>
+        </p:txBody>
+      </p:sp>
+      <p:sp>
+        <p:nvSpPr>
+          <p:cNvPr id="3" name="Content Placeholder 2">
+            <a:extLst>
+              <a:ext uri="{FF2B5EF4-FFF2-40B4-BE49-F238E27FC236}">
+                <a16:creationId xmlns:a16="http://schemas.microsoft.com/office/drawing/2014/main" id="{566CAAAE-75F3-7B5E-C61A-03FF68C88573}"/>
+              </a:ext>
+            </a:extLst>
+          </p:cNvPr>
+          <p:cNvSpPr>
+            <a:spLocks noGrp="1"/>
+          </p:cNvSpPr>
+          <p:nvPr>
+            <p:ph idx="1"/>
+          </p:nvPr>
+        </p:nvSpPr>
+        <p:spPr/>
+        <p:txBody>
+          <a:bodyPr/>
+          <a:lstStyle/>
+          <a:p>
+            <a:r>
+              <a:rPr lang="en-US" dirty="0"/>
+              <a:t>Failed steps are clearly marked though you may need to search logs</a:t>
+            </a:r>
+          </a:p>
+        </p:txBody>
+      </p:sp>
+      <p:pic>
+        <p:nvPicPr>
+          <p:cNvPr id="3074" name="Picture 2">
+            <a:extLst>
+              <a:ext uri="{FF2B5EF4-FFF2-40B4-BE49-F238E27FC236}">
+                <a16:creationId xmlns:a16="http://schemas.microsoft.com/office/drawing/2014/main" id="{CAD0C322-19E5-5890-C1D5-2480EF012F8F}"/>
+              </a:ext>
+            </a:extLst>
+          </p:cNvPr>
+          <p:cNvPicPr>
+            <a:picLocks noChangeAspect="1" noChangeArrowheads="1"/>
+          </p:cNvPicPr>
+          <p:nvPr/>
+        </p:nvPicPr>
+        <p:blipFill>
+          <a:blip r:embed="rId2">
+            <a:extLst>
+              <a:ext uri="{28A0092B-C50C-407E-A947-70E740481C1C}">
+                <a14:useLocalDpi xmlns:a14="http://schemas.microsoft.com/office/drawing/2010/main" val="0"/>
+              </a:ext>
+            </a:extLst>
+          </a:blip>
+          <a:srcRect/>
+          <a:stretch>
+            <a:fillRect/>
+          </a:stretch>
+        </p:blipFill>
+        <p:spPr bwMode="auto">
+          <a:xfrm>
+            <a:off x="936170" y="2355242"/>
+            <a:ext cx="10319659" cy="4502758"/>
+          </a:xfrm>
+          <a:prstGeom prst="rect">
+            <a:avLst/>
+          </a:prstGeom>
+          <a:noFill/>
+          <a:extLst>
+            <a:ext uri="{909E8E84-426E-40DD-AFC4-6F175D3DCCD1}">
+              <a14:hiddenFill xmlns:a14="http://schemas.microsoft.com/office/drawing/2010/main">
+                <a:solidFill>
+                  <a:srgbClr val="FFFFFF"/>
+                </a:solidFill>
+              </a14:hiddenFill>
+            </a:ext>
+          </a:extLst>
+        </p:spPr>
+      </p:pic>
+    </p:spTree>
+    <p:extLst>
+      <p:ext uri="{BB962C8B-B14F-4D97-AF65-F5344CB8AC3E}">
+        <p14:creationId xmlns:p14="http://schemas.microsoft.com/office/powerpoint/2010/main" val="2301921311"/>
+      </p:ext>
+    </p:extLst>
+  </p:cSld>
+  <p:clrMapOvr>
+    <a:masterClrMapping/>
+  </p:clrMapOvr>
+</p:sld>
+</file>
+
+<file path=ppt/slides/slide34.xml><?xml version="1.0" encoding="utf-8"?>
+<p:sld xmlns:a="http://schemas.openxmlformats.org/drawingml/2006/main" xmlns:r="http://schemas.openxmlformats.org/officeDocument/2006/relationships" xmlns:p="http://schemas.openxmlformats.org/presentationml/2006/main">
+  <p:cSld>
+    <p:spTree>
+      <p:nvGrpSpPr>
+        <p:cNvPr id="1" name=""/>
+        <p:cNvGrpSpPr/>
+        <p:nvPr/>
+      </p:nvGrpSpPr>
+      <p:grpSpPr>
+        <a:xfrm>
+          <a:off x="0" y="0"/>
+          <a:ext cx="0" cy="0"/>
+          <a:chOff x="0" y="0"/>
+          <a:chExt cx="0" cy="0"/>
+        </a:xfrm>
+      </p:grpSpPr>
+      <p:sp>
+        <p:nvSpPr>
+          <p:cNvPr id="2" name="Title 1">
+            <a:extLst>
+              <a:ext uri="{FF2B5EF4-FFF2-40B4-BE49-F238E27FC236}">
+                <a16:creationId xmlns:a16="http://schemas.microsoft.com/office/drawing/2014/main" id="{B22C245E-2B4F-FD50-59A0-517F533BEB13}"/>
+              </a:ext>
+            </a:extLst>
+          </p:cNvPr>
+          <p:cNvSpPr>
+            <a:spLocks noGrp="1"/>
+          </p:cNvSpPr>
+          <p:nvPr>
+            <p:ph type="title"/>
+          </p:nvPr>
+        </p:nvSpPr>
+        <p:spPr/>
+        <p:txBody>
+          <a:bodyPr/>
+          <a:lstStyle/>
+          <a:p>
+            <a:r>
+              <a:rPr lang="en-US" dirty="0"/>
+              <a:t>Things to Keep in Mind</a:t>
+            </a:r>
+          </a:p>
+        </p:txBody>
+      </p:sp>
+      <p:sp>
+        <p:nvSpPr>
+          <p:cNvPr id="3" name="Content Placeholder 2">
+            <a:extLst>
+              <a:ext uri="{FF2B5EF4-FFF2-40B4-BE49-F238E27FC236}">
+                <a16:creationId xmlns:a16="http://schemas.microsoft.com/office/drawing/2014/main" id="{566CAAAE-75F3-7B5E-C61A-03FF68C88573}"/>
+              </a:ext>
+            </a:extLst>
+          </p:cNvPr>
+          <p:cNvSpPr>
+            <a:spLocks noGrp="1"/>
+          </p:cNvSpPr>
+          <p:nvPr>
+            <p:ph idx="1"/>
+          </p:nvPr>
+        </p:nvSpPr>
+        <p:spPr/>
+        <p:txBody>
+          <a:bodyPr/>
+          <a:lstStyle/>
+          <a:p>
+            <a:r>
+              <a:rPr lang="en-US" dirty="0"/>
+              <a:t>Workspace integration with Git is for your </a:t>
+            </a:r>
+            <a:r>
+              <a:rPr lang="en-US" b="1" dirty="0"/>
+              <a:t>development </a:t>
+            </a:r>
+            <a:r>
+              <a:rPr lang="en-US" dirty="0"/>
+              <a:t>environment</a:t>
+            </a:r>
+          </a:p>
+          <a:p>
+            <a:r>
+              <a:rPr lang="en-US" dirty="0"/>
+              <a:t>Deploy changes to test/production workspaces via CI/CD</a:t>
+            </a:r>
+          </a:p>
+          <a:p>
+            <a:r>
+              <a:rPr lang="en-US" dirty="0"/>
+              <a:t>Using a Managed </a:t>
+            </a:r>
+            <a:r>
+              <a:rPr lang="en-US" dirty="0" err="1"/>
+              <a:t>VNet</a:t>
+            </a:r>
+            <a:r>
+              <a:rPr lang="en-US" dirty="0"/>
+              <a:t>?  Be sure to have a self-hosted ADO/GitHub agent do the deployment!</a:t>
+            </a:r>
+          </a:p>
+        </p:txBody>
+      </p:sp>
+    </p:spTree>
+    <p:extLst>
+      <p:ext uri="{BB962C8B-B14F-4D97-AF65-F5344CB8AC3E}">
+        <p14:creationId xmlns:p14="http://schemas.microsoft.com/office/powerpoint/2010/main" val="678811096"/>
+      </p:ext>
+    </p:extLst>
+  </p:cSld>
+  <p:clrMapOvr>
+    <a:masterClrMapping/>
+  </p:clrMapOvr>
+</p:sld>
+</file>
+
+<file path=ppt/slides/slide35.xml><?xml version="1.0" encoding="utf-8"?>
+<p:sld xmlns:a="http://schemas.openxmlformats.org/drawingml/2006/main" xmlns:r="http://schemas.openxmlformats.org/officeDocument/2006/relationships" xmlns:p="http://schemas.openxmlformats.org/presentationml/2006/main">
+  <p:cSld>
+    <p:spTree>
+      <p:nvGrpSpPr>
+        <p:cNvPr id="1" name=""/>
+        <p:cNvGrpSpPr/>
+        <p:nvPr/>
+      </p:nvGrpSpPr>
+      <p:grpSpPr>
+        <a:xfrm>
+          <a:off x="0" y="0"/>
+          <a:ext cx="0" cy="0"/>
+          <a:chOff x="0" y="0"/>
+          <a:chExt cx="0" cy="0"/>
+        </a:xfrm>
+      </p:grpSpPr>
+      <p:sp>
+        <p:nvSpPr>
+          <p:cNvPr id="2" name="Title 1">
+            <a:extLst>
+              <a:ext uri="{FF2B5EF4-FFF2-40B4-BE49-F238E27FC236}">
+                <a16:creationId xmlns:a16="http://schemas.microsoft.com/office/drawing/2014/main" id="{04F7D59B-CBE5-A96A-7F97-4BE51556BC89}"/>
+              </a:ext>
+            </a:extLst>
+          </p:cNvPr>
+          <p:cNvSpPr>
+            <a:spLocks noGrp="1"/>
+          </p:cNvSpPr>
+          <p:nvPr>
+            <p:ph type="title"/>
+          </p:nvPr>
+        </p:nvSpPr>
+        <p:spPr/>
+        <p:txBody>
+          <a:bodyPr/>
+          <a:lstStyle/>
+          <a:p>
+            <a:r>
+              <a:rPr lang="en-US" dirty="0"/>
+              <a:t>Development in Python</a:t>
+            </a:r>
+          </a:p>
+        </p:txBody>
+      </p:sp>
+      <p:sp>
+        <p:nvSpPr>
+          <p:cNvPr id="3" name="Text Placeholder 2">
+            <a:extLst>
+              <a:ext uri="{FF2B5EF4-FFF2-40B4-BE49-F238E27FC236}">
+                <a16:creationId xmlns:a16="http://schemas.microsoft.com/office/drawing/2014/main" id="{CDC11DA3-02B3-CB09-4E97-279B10349BB9}"/>
+              </a:ext>
+            </a:extLst>
+          </p:cNvPr>
+          <p:cNvSpPr>
+            <a:spLocks noGrp="1"/>
+          </p:cNvSpPr>
+          <p:nvPr>
+            <p:ph type="body" idx="1"/>
+          </p:nvPr>
+        </p:nvSpPr>
+        <p:spPr/>
+        <p:txBody>
+          <a:bodyPr/>
+          <a:lstStyle/>
+          <a:p>
+            <a:endParaRPr lang="en-US"/>
+          </a:p>
+        </p:txBody>
+      </p:sp>
+    </p:spTree>
+    <p:extLst>
+      <p:ext uri="{BB962C8B-B14F-4D97-AF65-F5344CB8AC3E}">
+        <p14:creationId xmlns:p14="http://schemas.microsoft.com/office/powerpoint/2010/main" val="1648621277"/>
+      </p:ext>
+    </p:extLst>
+  </p:cSld>
+  <p:clrMapOvr>
+    <a:masterClrMapping/>
+  </p:clrMapOvr>
+</p:sld>
+</file>
+
+<file path=ppt/slides/slide36.xml><?xml version="1.0" encoding="utf-8"?>
+<p:sld xmlns:a="http://schemas.openxmlformats.org/drawingml/2006/main" xmlns:r="http://schemas.openxmlformats.org/officeDocument/2006/relationships" xmlns:p="http://schemas.openxmlformats.org/presentationml/2006/main">
+  <p:cSld>
+    <p:spTree>
+      <p:nvGrpSpPr>
+        <p:cNvPr id="1" name=""/>
+        <p:cNvGrpSpPr/>
+        <p:nvPr/>
+      </p:nvGrpSpPr>
+      <p:grpSpPr>
+        <a:xfrm>
+          <a:off x="0" y="0"/>
+          <a:ext cx="0" cy="0"/>
+          <a:chOff x="0" y="0"/>
+          <a:chExt cx="0" cy="0"/>
+        </a:xfrm>
+      </p:grpSpPr>
+      <p:sp>
+        <p:nvSpPr>
+          <p:cNvPr id="4" name="Title 3">
+            <a:extLst>
+              <a:ext uri="{FF2B5EF4-FFF2-40B4-BE49-F238E27FC236}">
+                <a16:creationId xmlns:a16="http://schemas.microsoft.com/office/drawing/2014/main" id="{4D69CB4C-70F5-7216-9903-934406FE5DEF}"/>
+              </a:ext>
+            </a:extLst>
+          </p:cNvPr>
+          <p:cNvSpPr>
+            <a:spLocks noGrp="1"/>
+          </p:cNvSpPr>
+          <p:nvPr>
+            <p:ph type="title"/>
+          </p:nvPr>
+        </p:nvSpPr>
+        <p:spPr/>
+        <p:txBody>
+          <a:bodyPr/>
+          <a:lstStyle/>
+          <a:p>
+            <a:r>
+              <a:rPr lang="en-US" dirty="0"/>
+              <a:t>Start with a Spark pool</a:t>
+            </a:r>
+          </a:p>
+        </p:txBody>
+      </p:sp>
+      <p:sp>
+        <p:nvSpPr>
+          <p:cNvPr id="6" name="Content Placeholder 5">
+            <a:extLst>
+              <a:ext uri="{FF2B5EF4-FFF2-40B4-BE49-F238E27FC236}">
+                <a16:creationId xmlns:a16="http://schemas.microsoft.com/office/drawing/2014/main" id="{59D1E33C-7738-9B76-A8FF-407D36A54F7B}"/>
+              </a:ext>
+            </a:extLst>
+          </p:cNvPr>
+          <p:cNvSpPr>
+            <a:spLocks noGrp="1"/>
+          </p:cNvSpPr>
+          <p:nvPr>
+            <p:ph sz="half" idx="1"/>
+          </p:nvPr>
+        </p:nvSpPr>
+        <p:spPr/>
+        <p:txBody>
+          <a:bodyPr/>
+          <a:lstStyle/>
+          <a:p>
+            <a:r>
+              <a:rPr lang="en-US" dirty="0"/>
+              <a:t>Node sizes</a:t>
+            </a:r>
+          </a:p>
+          <a:p>
+            <a:r>
+              <a:rPr lang="en-US" dirty="0"/>
+              <a:t>Node families</a:t>
+            </a:r>
+          </a:p>
+          <a:p>
+            <a:r>
+              <a:rPr lang="en-US" dirty="0"/>
+              <a:t>Node scaling</a:t>
+            </a:r>
+          </a:p>
+          <a:p>
+            <a:r>
+              <a:rPr lang="en-US" dirty="0"/>
+              <a:t>Isolated compute</a:t>
+            </a:r>
+          </a:p>
+          <a:p>
+            <a:r>
+              <a:rPr lang="en-US" dirty="0"/>
+              <a:t>Pausing and shutdown</a:t>
+            </a:r>
+          </a:p>
+        </p:txBody>
+      </p:sp>
+      <p:pic>
+        <p:nvPicPr>
+          <p:cNvPr id="9" name="Content Placeholder 8">
+            <a:extLst>
+              <a:ext uri="{FF2B5EF4-FFF2-40B4-BE49-F238E27FC236}">
+                <a16:creationId xmlns:a16="http://schemas.microsoft.com/office/drawing/2014/main" id="{F0A100EC-F206-00A5-6B22-879FFFF3EAEE}"/>
+              </a:ext>
+            </a:extLst>
+          </p:cNvPr>
+          <p:cNvPicPr>
+            <a:picLocks noGrp="1" noChangeAspect="1"/>
+          </p:cNvPicPr>
+          <p:nvPr>
+            <p:ph sz="half" idx="2"/>
+          </p:nvPr>
+        </p:nvPicPr>
+        <p:blipFill>
+          <a:blip r:embed="rId2"/>
+          <a:stretch>
+            <a:fillRect/>
+          </a:stretch>
+        </p:blipFill>
+        <p:spPr>
+          <a:xfrm>
+            <a:off x="6270747" y="1563780"/>
+            <a:ext cx="5747082" cy="5017048"/>
+          </a:xfrm>
+        </p:spPr>
+      </p:pic>
+    </p:spTree>
+    <p:extLst>
+      <p:ext uri="{BB962C8B-B14F-4D97-AF65-F5344CB8AC3E}">
+        <p14:creationId xmlns:p14="http://schemas.microsoft.com/office/powerpoint/2010/main" val="3590117377"/>
+      </p:ext>
+    </p:extLst>
+  </p:cSld>
+  <p:clrMapOvr>
+    <a:masterClrMapping/>
+  </p:clrMapOvr>
+</p:sld>
+</file>
+
+<file path=ppt/slides/slide37.xml><?xml version="1.0" encoding="utf-8"?>
+<p:sld xmlns:a="http://schemas.openxmlformats.org/drawingml/2006/main" xmlns:r="http://schemas.openxmlformats.org/officeDocument/2006/relationships" xmlns:p="http://schemas.openxmlformats.org/presentationml/2006/main">
+  <p:cSld>
+    <p:spTree>
+      <p:nvGrpSpPr>
+        <p:cNvPr id="1" name=""/>
+        <p:cNvGrpSpPr/>
+        <p:nvPr/>
+      </p:nvGrpSpPr>
+      <p:grpSpPr>
+        <a:xfrm>
+          <a:off x="0" y="0"/>
+          <a:ext cx="0" cy="0"/>
+          <a:chOff x="0" y="0"/>
+          <a:chExt cx="0" cy="0"/>
+        </a:xfrm>
+      </p:grpSpPr>
+      <p:sp>
+        <p:nvSpPr>
+          <p:cNvPr id="2" name="Title 1">
+            <a:extLst>
+              <a:ext uri="{FF2B5EF4-FFF2-40B4-BE49-F238E27FC236}">
                 <a16:creationId xmlns:a16="http://schemas.microsoft.com/office/drawing/2014/main" id="{F8DF33E6-F27F-29B1-BF18-92417D1E7F8B}"/>
               </a:ext>
             </a:extLst>
@@ -6693,7 +7662,7 @@
 </p:sld>
 </file>
 
-<file path=ppt/slides/slide31.xml><?xml version="1.0" encoding="utf-8"?>
+<file path=ppt/slides/slide38.xml><?xml version="1.0" encoding="utf-8"?>
 <p:sld xmlns:a="http://schemas.openxmlformats.org/drawingml/2006/main" xmlns:r="http://schemas.openxmlformats.org/officeDocument/2006/relationships" xmlns:p="http://schemas.openxmlformats.org/presentationml/2006/main">
   <p:cSld>
     <p:spTree>
@@ -6823,7 +7792,7 @@
 </p:sld>
 </file>
 
-<file path=ppt/slides/slide32.xml><?xml version="1.0" encoding="utf-8"?>
+<file path=ppt/slides/slide39.xml><?xml version="1.0" encoding="utf-8"?>
 <p:sld xmlns:a="http://schemas.openxmlformats.org/drawingml/2006/main" xmlns:r="http://schemas.openxmlformats.org/officeDocument/2006/relationships" xmlns:p="http://schemas.openxmlformats.org/presentationml/2006/main">
   <p:cSld>
     <p:spTree>
@@ -6985,7 +7954,148 @@
 </p:sld>
 </file>
 
-<file path=ppt/slides/slide33.xml><?xml version="1.0" encoding="utf-8"?>
+<file path=ppt/slides/slide4.xml><?xml version="1.0" encoding="utf-8"?>
+<p:sld xmlns:a="http://schemas.openxmlformats.org/drawingml/2006/main" xmlns:r="http://schemas.openxmlformats.org/officeDocument/2006/relationships" xmlns:p="http://schemas.openxmlformats.org/presentationml/2006/main">
+  <p:cSld>
+    <p:spTree>
+      <p:nvGrpSpPr>
+        <p:cNvPr id="1" name=""/>
+        <p:cNvGrpSpPr/>
+        <p:nvPr/>
+      </p:nvGrpSpPr>
+      <p:grpSpPr>
+        <a:xfrm>
+          <a:off x="0" y="0"/>
+          <a:ext cx="0" cy="0"/>
+          <a:chOff x="0" y="0"/>
+          <a:chExt cx="0" cy="0"/>
+        </a:xfrm>
+      </p:grpSpPr>
+      <p:sp>
+        <p:nvSpPr>
+          <p:cNvPr id="2" name="Title 1">
+            <a:extLst>
+              <a:ext uri="{FF2B5EF4-FFF2-40B4-BE49-F238E27FC236}">
+                <a16:creationId xmlns:a16="http://schemas.microsoft.com/office/drawing/2014/main" id="{52D23C19-FF0E-51F6-2968-3098BCB1809E}"/>
+              </a:ext>
+            </a:extLst>
+          </p:cNvPr>
+          <p:cNvSpPr>
+            <a:spLocks noGrp="1"/>
+          </p:cNvSpPr>
+          <p:nvPr>
+            <p:ph type="title"/>
+          </p:nvPr>
+        </p:nvSpPr>
+        <p:spPr/>
+        <p:txBody>
+          <a:bodyPr/>
+          <a:lstStyle/>
+          <a:p>
+            <a:r>
+              <a:rPr lang="en-US" dirty="0"/>
+              <a:t>SQL pools</a:t>
+            </a:r>
+          </a:p>
+        </p:txBody>
+      </p:sp>
+      <p:sp>
+        <p:nvSpPr>
+          <p:cNvPr id="3" name="Content Placeholder 2">
+            <a:extLst>
+              <a:ext uri="{FF2B5EF4-FFF2-40B4-BE49-F238E27FC236}">
+                <a16:creationId xmlns:a16="http://schemas.microsoft.com/office/drawing/2014/main" id="{7DE1DB81-7109-FFAB-F00F-CF29D66423CF}"/>
+              </a:ext>
+            </a:extLst>
+          </p:cNvPr>
+          <p:cNvSpPr>
+            <a:spLocks noGrp="1"/>
+          </p:cNvSpPr>
+          <p:nvPr>
+            <p:ph idx="1"/>
+          </p:nvPr>
+        </p:nvSpPr>
+        <p:spPr/>
+        <p:txBody>
+          <a:bodyPr/>
+          <a:lstStyle/>
+          <a:p>
+            <a:r>
+              <a:rPr lang="en-US" dirty="0"/>
+              <a:t>Dedicated SQL pool</a:t>
+            </a:r>
+          </a:p>
+          <a:p>
+            <a:pPr lvl="1"/>
+            <a:r>
+              <a:rPr lang="en-US" dirty="0"/>
+              <a:t>Query using T-SQL – supports the ‘normal’ syntax plus more</a:t>
+            </a:r>
+          </a:p>
+          <a:p>
+            <a:pPr lvl="1"/>
+            <a:r>
+              <a:rPr lang="en-US" dirty="0"/>
+              <a:t>Provides Kimball-style data warehousing</a:t>
+            </a:r>
+          </a:p>
+          <a:p>
+            <a:pPr lvl="1"/>
+            <a:r>
+              <a:rPr lang="en-US" dirty="0"/>
+              <a:t>Great for solving “known” business problems</a:t>
+            </a:r>
+          </a:p>
+          <a:p>
+            <a:pPr lvl="1"/>
+            <a:r>
+              <a:rPr lang="en-US" dirty="0"/>
+              <a:t>Minimum data expectations:  1 TB of data, 1 billion rows in largest fact table</a:t>
+            </a:r>
+          </a:p>
+          <a:p>
+            <a:r>
+              <a:rPr lang="en-US" dirty="0"/>
+              <a:t>Serverless SQL pool</a:t>
+            </a:r>
+          </a:p>
+          <a:p>
+            <a:pPr lvl="1"/>
+            <a:r>
+              <a:rPr lang="en-US" dirty="0"/>
+              <a:t>Query using T-SQL – supports a subset of the normal syntax</a:t>
+            </a:r>
+          </a:p>
+          <a:p>
+            <a:pPr lvl="1"/>
+            <a:r>
+              <a:rPr lang="en-US" dirty="0"/>
+              <a:t>Access data lake data in an ad hoc fashion</a:t>
+            </a:r>
+          </a:p>
+          <a:p>
+            <a:pPr lvl="1"/>
+            <a:r>
+              <a:rPr lang="en-US" dirty="0"/>
+              <a:t>Great for “spelunking”</a:t>
+            </a:r>
+          </a:p>
+        </p:txBody>
+      </p:sp>
+    </p:spTree>
+    <p:extLst>
+      <p:ext uri="{BB962C8B-B14F-4D97-AF65-F5344CB8AC3E}">
+        <p14:creationId xmlns:p14="http://schemas.microsoft.com/office/powerpoint/2010/main" val="1898303553"/>
+      </p:ext>
+    </p:extLst>
+  </p:cSld>
+  <p:clrMapOvr>
+    <a:masterClrMapping/>
+  </p:clrMapOvr>
+</p:sld>
+</file>
+
+<file path=ppt/slides/slide40.xml><?xml version="1.0" encoding="utf-8"?>
 <p:sld xmlns:a="http://schemas.openxmlformats.org/drawingml/2006/main" xmlns:r="http://schemas.openxmlformats.org/officeDocument/2006/relationships" xmlns:p="http://schemas.openxmlformats.org/presentationml/2006/main">
   <p:cSld>
     <p:spTree>
@@ -7147,7 +8257,7 @@
 </p:sld>
 </file>
 
-<file path=ppt/slides/slide34.xml><?xml version="1.0" encoding="utf-8"?>
+<file path=ppt/slides/slide41.xml><?xml version="1.0" encoding="utf-8"?>
 <p:sld xmlns:a="http://schemas.openxmlformats.org/drawingml/2006/main" xmlns:r="http://schemas.openxmlformats.org/officeDocument/2006/relationships" xmlns:p="http://schemas.openxmlformats.org/presentationml/2006/main">
   <p:cSld>
     <p:spTree>
@@ -7235,7 +8345,7 @@
 </p:sld>
 </file>
 
-<file path=ppt/slides/slide35.xml><?xml version="1.0" encoding="utf-8"?>
+<file path=ppt/slides/slide42.xml><?xml version="1.0" encoding="utf-8"?>
 <p:sld xmlns:a="http://schemas.openxmlformats.org/drawingml/2006/main" xmlns:r="http://schemas.openxmlformats.org/officeDocument/2006/relationships" xmlns:p="http://schemas.openxmlformats.org/presentationml/2006/main">
   <p:cSld>
     <p:spTree>
@@ -7323,7 +8433,7 @@
 </p:sld>
 </file>
 
-<file path=ppt/slides/slide36.xml><?xml version="1.0" encoding="utf-8"?>
+<file path=ppt/slides/slide43.xml><?xml version="1.0" encoding="utf-8"?>
 <p:sld xmlns:a="http://schemas.openxmlformats.org/drawingml/2006/main" xmlns:r="http://schemas.openxmlformats.org/officeDocument/2006/relationships" xmlns:p="http://schemas.openxmlformats.org/presentationml/2006/main">
   <p:cSld>
     <p:spTree>
@@ -7411,7 +8521,7 @@
 </p:sld>
 </file>
 
-<file path=ppt/slides/slide37.xml><?xml version="1.0" encoding="utf-8"?>
+<file path=ppt/slides/slide44.xml><?xml version="1.0" encoding="utf-8"?>
 <p:sld xmlns:a="http://schemas.openxmlformats.org/drawingml/2006/main" xmlns:r="http://schemas.openxmlformats.org/officeDocument/2006/relationships" xmlns:p="http://schemas.openxmlformats.org/presentationml/2006/main">
   <p:cSld>
     <p:spTree>
@@ -7538,7 +8648,7 @@
 </p:sld>
 </file>
 
-<file path=ppt/slides/slide38.xml><?xml version="1.0" encoding="utf-8"?>
+<file path=ppt/slides/slide45.xml><?xml version="1.0" encoding="utf-8"?>
 <p:sld xmlns:a="http://schemas.openxmlformats.org/drawingml/2006/main" xmlns:r="http://schemas.openxmlformats.org/officeDocument/2006/relationships" xmlns:p="http://schemas.openxmlformats.org/presentationml/2006/main">
   <p:cSld>
     <p:spTree>
@@ -7625,7 +8735,7 @@
 </p:sld>
 </file>
 
-<file path=ppt/slides/slide39.xml><?xml version="1.0" encoding="utf-8"?>
+<file path=ppt/slides/slide46.xml><?xml version="1.0" encoding="utf-8"?>
 <p:sld xmlns:a="http://schemas.openxmlformats.org/drawingml/2006/main" xmlns:r="http://schemas.openxmlformats.org/officeDocument/2006/relationships" xmlns:p="http://schemas.openxmlformats.org/presentationml/2006/main">
   <p:cSld>
     <p:spTree>
@@ -7741,148 +8851,7 @@
 </p:sld>
 </file>
 
-<file path=ppt/slides/slide4.xml><?xml version="1.0" encoding="utf-8"?>
-<p:sld xmlns:a="http://schemas.openxmlformats.org/drawingml/2006/main" xmlns:r="http://schemas.openxmlformats.org/officeDocument/2006/relationships" xmlns:p="http://schemas.openxmlformats.org/presentationml/2006/main">
-  <p:cSld>
-    <p:spTree>
-      <p:nvGrpSpPr>
-        <p:cNvPr id="1" name=""/>
-        <p:cNvGrpSpPr/>
-        <p:nvPr/>
-      </p:nvGrpSpPr>
-      <p:grpSpPr>
-        <a:xfrm>
-          <a:off x="0" y="0"/>
-          <a:ext cx="0" cy="0"/>
-          <a:chOff x="0" y="0"/>
-          <a:chExt cx="0" cy="0"/>
-        </a:xfrm>
-      </p:grpSpPr>
-      <p:sp>
-        <p:nvSpPr>
-          <p:cNvPr id="2" name="Title 1">
-            <a:extLst>
-              <a:ext uri="{FF2B5EF4-FFF2-40B4-BE49-F238E27FC236}">
-                <a16:creationId xmlns:a16="http://schemas.microsoft.com/office/drawing/2014/main" id="{52D23C19-FF0E-51F6-2968-3098BCB1809E}"/>
-              </a:ext>
-            </a:extLst>
-          </p:cNvPr>
-          <p:cNvSpPr>
-            <a:spLocks noGrp="1"/>
-          </p:cNvSpPr>
-          <p:nvPr>
-            <p:ph type="title"/>
-          </p:nvPr>
-        </p:nvSpPr>
-        <p:spPr/>
-        <p:txBody>
-          <a:bodyPr/>
-          <a:lstStyle/>
-          <a:p>
-            <a:r>
-              <a:rPr lang="en-US" dirty="0"/>
-              <a:t>SQL pools</a:t>
-            </a:r>
-          </a:p>
-        </p:txBody>
-      </p:sp>
-      <p:sp>
-        <p:nvSpPr>
-          <p:cNvPr id="3" name="Content Placeholder 2">
-            <a:extLst>
-              <a:ext uri="{FF2B5EF4-FFF2-40B4-BE49-F238E27FC236}">
-                <a16:creationId xmlns:a16="http://schemas.microsoft.com/office/drawing/2014/main" id="{7DE1DB81-7109-FFAB-F00F-CF29D66423CF}"/>
-              </a:ext>
-            </a:extLst>
-          </p:cNvPr>
-          <p:cNvSpPr>
-            <a:spLocks noGrp="1"/>
-          </p:cNvSpPr>
-          <p:nvPr>
-            <p:ph idx="1"/>
-          </p:nvPr>
-        </p:nvSpPr>
-        <p:spPr/>
-        <p:txBody>
-          <a:bodyPr/>
-          <a:lstStyle/>
-          <a:p>
-            <a:r>
-              <a:rPr lang="en-US" dirty="0"/>
-              <a:t>Dedicated SQL pool</a:t>
-            </a:r>
-          </a:p>
-          <a:p>
-            <a:pPr lvl="1"/>
-            <a:r>
-              <a:rPr lang="en-US" dirty="0"/>
-              <a:t>Query using T-SQL – supports the ‘normal’ syntax plus more</a:t>
-            </a:r>
-          </a:p>
-          <a:p>
-            <a:pPr lvl="1"/>
-            <a:r>
-              <a:rPr lang="en-US" dirty="0"/>
-              <a:t>Provides Kimball-style data warehousing</a:t>
-            </a:r>
-          </a:p>
-          <a:p>
-            <a:pPr lvl="1"/>
-            <a:r>
-              <a:rPr lang="en-US" dirty="0"/>
-              <a:t>Great for solving “known” business problems</a:t>
-            </a:r>
-          </a:p>
-          <a:p>
-            <a:pPr lvl="1"/>
-            <a:r>
-              <a:rPr lang="en-US" dirty="0"/>
-              <a:t>Minimum data expectations:  1 TB of data, 1 billion rows in largest fact table</a:t>
-            </a:r>
-          </a:p>
-          <a:p>
-            <a:r>
-              <a:rPr lang="en-US" dirty="0"/>
-              <a:t>Serverless SQL pool</a:t>
-            </a:r>
-          </a:p>
-          <a:p>
-            <a:pPr lvl="1"/>
-            <a:r>
-              <a:rPr lang="en-US" dirty="0"/>
-              <a:t>Query using T-SQL – supports a subset of the normal syntax</a:t>
-            </a:r>
-          </a:p>
-          <a:p>
-            <a:pPr lvl="1"/>
-            <a:r>
-              <a:rPr lang="en-US" dirty="0"/>
-              <a:t>Access data lake data in an ad hoc fashion</a:t>
-            </a:r>
-          </a:p>
-          <a:p>
-            <a:pPr lvl="1"/>
-            <a:r>
-              <a:rPr lang="en-US" dirty="0"/>
-              <a:t>Great for “spelunking”</a:t>
-            </a:r>
-          </a:p>
-        </p:txBody>
-      </p:sp>
-    </p:spTree>
-    <p:extLst>
-      <p:ext uri="{BB962C8B-B14F-4D97-AF65-F5344CB8AC3E}">
-        <p14:creationId xmlns:p14="http://schemas.microsoft.com/office/powerpoint/2010/main" val="1898303553"/>
-      </p:ext>
-    </p:extLst>
-  </p:cSld>
-  <p:clrMapOvr>
-    <a:masterClrMapping/>
-  </p:clrMapOvr>
-</p:sld>
-</file>
-
-<file path=ppt/slides/slide40.xml><?xml version="1.0" encoding="utf-8"?>
+<file path=ppt/slides/slide47.xml><?xml version="1.0" encoding="utf-8"?>
 <p:sld xmlns:a="http://schemas.openxmlformats.org/drawingml/2006/main" xmlns:r="http://schemas.openxmlformats.org/officeDocument/2006/relationships" xmlns:p="http://schemas.openxmlformats.org/presentationml/2006/main">
   <p:cSld>
     <p:spTree>
@@ -8016,7 +8985,7 @@
 </p:sld>
 </file>
 
-<file path=ppt/slides/slide41.xml><?xml version="1.0" encoding="utf-8"?>
+<file path=ppt/slides/slide48.xml><?xml version="1.0" encoding="utf-8"?>
 <p:sld xmlns:a="http://schemas.openxmlformats.org/drawingml/2006/main" xmlns:r="http://schemas.openxmlformats.org/officeDocument/2006/relationships" xmlns:p="http://schemas.openxmlformats.org/presentationml/2006/main">
   <p:cSld>
     <p:spTree>
@@ -8103,7 +9072,7 @@
 </p:sld>
 </file>
 
-<file path=ppt/slides/slide42.xml><?xml version="1.0" encoding="utf-8"?>
+<file path=ppt/slides/slide49.xml><?xml version="1.0" encoding="utf-8"?>
 <p:sld xmlns:a="http://schemas.openxmlformats.org/drawingml/2006/main" xmlns:r="http://schemas.openxmlformats.org/officeDocument/2006/relationships" xmlns:p="http://schemas.openxmlformats.org/presentationml/2006/main">
   <p:cSld>
     <p:spTree>
@@ -8238,7 +9207,141 @@
 </p:sld>
 </file>
 
-<file path=ppt/slides/slide43.xml><?xml version="1.0" encoding="utf-8"?>
+<file path=ppt/slides/slide5.xml><?xml version="1.0" encoding="utf-8"?>
+<p:sld xmlns:a="http://schemas.openxmlformats.org/drawingml/2006/main" xmlns:r="http://schemas.openxmlformats.org/officeDocument/2006/relationships" xmlns:p="http://schemas.openxmlformats.org/presentationml/2006/main">
+  <p:cSld>
+    <p:spTree>
+      <p:nvGrpSpPr>
+        <p:cNvPr id="1" name=""/>
+        <p:cNvGrpSpPr/>
+        <p:nvPr/>
+      </p:nvGrpSpPr>
+      <p:grpSpPr>
+        <a:xfrm>
+          <a:off x="0" y="0"/>
+          <a:ext cx="0" cy="0"/>
+          <a:chOff x="0" y="0"/>
+          <a:chExt cx="0" cy="0"/>
+        </a:xfrm>
+      </p:grpSpPr>
+      <p:sp>
+        <p:nvSpPr>
+          <p:cNvPr id="2" name="Title 1">
+            <a:extLst>
+              <a:ext uri="{FF2B5EF4-FFF2-40B4-BE49-F238E27FC236}">
+                <a16:creationId xmlns:a16="http://schemas.microsoft.com/office/drawing/2014/main" id="{81F91383-FF8E-CA8A-A441-895CD9C0BA2F}"/>
+              </a:ext>
+            </a:extLst>
+          </p:cNvPr>
+          <p:cNvSpPr>
+            <a:spLocks noGrp="1"/>
+          </p:cNvSpPr>
+          <p:nvPr>
+            <p:ph type="title"/>
+          </p:nvPr>
+        </p:nvSpPr>
+        <p:spPr/>
+        <p:txBody>
+          <a:bodyPr/>
+          <a:lstStyle/>
+          <a:p>
+            <a:r>
+              <a:rPr lang="en-US" dirty="0"/>
+              <a:t>Other Pools</a:t>
+            </a:r>
+          </a:p>
+        </p:txBody>
+      </p:sp>
+      <p:sp>
+        <p:nvSpPr>
+          <p:cNvPr id="3" name="Content Placeholder 2">
+            <a:extLst>
+              <a:ext uri="{FF2B5EF4-FFF2-40B4-BE49-F238E27FC236}">
+                <a16:creationId xmlns:a16="http://schemas.microsoft.com/office/drawing/2014/main" id="{D3490663-06C7-6CF8-1EE9-2B006D80E9BC}"/>
+              </a:ext>
+            </a:extLst>
+          </p:cNvPr>
+          <p:cNvSpPr>
+            <a:spLocks noGrp="1"/>
+          </p:cNvSpPr>
+          <p:nvPr>
+            <p:ph idx="1"/>
+          </p:nvPr>
+        </p:nvSpPr>
+        <p:spPr/>
+        <p:txBody>
+          <a:bodyPr/>
+          <a:lstStyle/>
+          <a:p>
+            <a:r>
+              <a:rPr lang="en-US" dirty="0"/>
+              <a:t>Spark pool</a:t>
+            </a:r>
+          </a:p>
+          <a:p>
+            <a:pPr lvl="1"/>
+            <a:r>
+              <a:rPr lang="en-US" dirty="0"/>
+              <a:t>Primary languages:  Scala, Python, Java</a:t>
+            </a:r>
+          </a:p>
+          <a:p>
+            <a:pPr lvl="1"/>
+            <a:r>
+              <a:rPr lang="en-US" dirty="0"/>
+              <a:t>Secondary languages:  SQL, F#, C#, R (in preview)</a:t>
+            </a:r>
+          </a:p>
+          <a:p>
+            <a:pPr lvl="1"/>
+            <a:r>
+              <a:rPr lang="en-US" dirty="0"/>
+              <a:t>Great for complex data transformation</a:t>
+            </a:r>
+          </a:p>
+          <a:p>
+            <a:pPr lvl="1"/>
+            <a:r>
+              <a:rPr lang="en-US" dirty="0"/>
+              <a:t>Emphasizes procedural logic</a:t>
+            </a:r>
+          </a:p>
+          <a:p>
+            <a:r>
+              <a:rPr lang="en-US" dirty="0"/>
+              <a:t>Data Explorer pool</a:t>
+            </a:r>
+          </a:p>
+          <a:p>
+            <a:pPr lvl="1"/>
+            <a:r>
+              <a:rPr lang="en-US" dirty="0"/>
+              <a:t>Kusto Query Language (KQL)</a:t>
+            </a:r>
+          </a:p>
+          <a:p>
+            <a:pPr lvl="1"/>
+            <a:r>
+              <a:rPr lang="en-US" dirty="0"/>
+              <a:t>Great for log and event analysis</a:t>
+            </a:r>
+          </a:p>
+        </p:txBody>
+      </p:sp>
+    </p:spTree>
+    <p:extLst>
+      <p:ext uri="{BB962C8B-B14F-4D97-AF65-F5344CB8AC3E}">
+        <p14:creationId xmlns:p14="http://schemas.microsoft.com/office/powerpoint/2010/main" val="983009349"/>
+      </p:ext>
+    </p:extLst>
+  </p:cSld>
+  <p:clrMapOvr>
+    <a:masterClrMapping/>
+  </p:clrMapOvr>
+</p:sld>
+</file>
+
+<file path=ppt/slides/slide50.xml><?xml version="1.0" encoding="utf-8"?>
 <p:sld xmlns:a="http://schemas.openxmlformats.org/drawingml/2006/main" xmlns:r="http://schemas.openxmlformats.org/officeDocument/2006/relationships" xmlns:p="http://schemas.openxmlformats.org/presentationml/2006/main">
   <p:cSld>
     <p:spTree>
@@ -8354,7 +9457,7 @@
 </p:sld>
 </file>
 
-<file path=ppt/slides/slide44.xml><?xml version="1.0" encoding="utf-8"?>
+<file path=ppt/slides/slide51.xml><?xml version="1.0" encoding="utf-8"?>
 <p:sld xmlns:a="http://schemas.openxmlformats.org/drawingml/2006/main" xmlns:r="http://schemas.openxmlformats.org/officeDocument/2006/relationships" xmlns:p="http://schemas.openxmlformats.org/presentationml/2006/main">
   <p:cSld>
     <p:spTree>
@@ -8470,7 +9573,7 @@
 </p:sld>
 </file>
 
-<file path=ppt/slides/slide45.xml><?xml version="1.0" encoding="utf-8"?>
+<file path=ppt/slides/slide52.xml><?xml version="1.0" encoding="utf-8"?>
 <p:sld xmlns:a="http://schemas.openxmlformats.org/drawingml/2006/main" xmlns:r="http://schemas.openxmlformats.org/officeDocument/2006/relationships" xmlns:p="http://schemas.openxmlformats.org/presentationml/2006/main">
   <p:cSld>
     <p:spTree>
@@ -8581,7 +9684,7 @@
 </p:sld>
 </file>
 
-<file path=ppt/slides/slide46.xml><?xml version="1.0" encoding="utf-8"?>
+<file path=ppt/slides/slide53.xml><?xml version="1.0" encoding="utf-8"?>
 <p:sld xmlns:a="http://schemas.openxmlformats.org/drawingml/2006/main" xmlns:r="http://schemas.openxmlformats.org/officeDocument/2006/relationships" xmlns:p="http://schemas.openxmlformats.org/presentationml/2006/main">
   <p:cSld>
     <p:spTree>
@@ -8691,7 +9794,7 @@
 </p:sld>
 </file>
 
-<file path=ppt/slides/slide47.xml><?xml version="1.0" encoding="utf-8"?>
+<file path=ppt/slides/slide54.xml><?xml version="1.0" encoding="utf-8"?>
 <p:sld xmlns:a="http://schemas.openxmlformats.org/drawingml/2006/main" xmlns:r="http://schemas.openxmlformats.org/officeDocument/2006/relationships" xmlns:p="http://schemas.openxmlformats.org/presentationml/2006/main">
   <p:cSld>
     <p:spTree>
@@ -8774,7 +9877,7 @@
 </p:sld>
 </file>
 
-<file path=ppt/slides/slide48.xml><?xml version="1.0" encoding="utf-8"?>
+<file path=ppt/slides/slide55.xml><?xml version="1.0" encoding="utf-8"?>
 <p:sld xmlns:a="http://schemas.openxmlformats.org/drawingml/2006/main" xmlns:r="http://schemas.openxmlformats.org/officeDocument/2006/relationships" xmlns:p="http://schemas.openxmlformats.org/presentationml/2006/main">
   <p:cSld>
     <p:spTree>
@@ -8924,7 +10027,7 @@
 </p:sld>
 </file>
 
-<file path=ppt/slides/slide49.xml><?xml version="1.0" encoding="utf-8"?>
+<file path=ppt/slides/slide56.xml><?xml version="1.0" encoding="utf-8"?>
 <p:sld xmlns:a="http://schemas.openxmlformats.org/drawingml/2006/main" xmlns:r="http://schemas.openxmlformats.org/officeDocument/2006/relationships" xmlns:p="http://schemas.openxmlformats.org/presentationml/2006/main">
   <p:cSld>
     <p:spTree>
@@ -9257,141 +10360,7 @@
 </p:sld>
 </file>
 
-<file path=ppt/slides/slide5.xml><?xml version="1.0" encoding="utf-8"?>
-<p:sld xmlns:a="http://schemas.openxmlformats.org/drawingml/2006/main" xmlns:r="http://schemas.openxmlformats.org/officeDocument/2006/relationships" xmlns:p="http://schemas.openxmlformats.org/presentationml/2006/main">
-  <p:cSld>
-    <p:spTree>
-      <p:nvGrpSpPr>
-        <p:cNvPr id="1" name=""/>
-        <p:cNvGrpSpPr/>
-        <p:nvPr/>
-      </p:nvGrpSpPr>
-      <p:grpSpPr>
-        <a:xfrm>
-          <a:off x="0" y="0"/>
-          <a:ext cx="0" cy="0"/>
-          <a:chOff x="0" y="0"/>
-          <a:chExt cx="0" cy="0"/>
-        </a:xfrm>
-      </p:grpSpPr>
-      <p:sp>
-        <p:nvSpPr>
-          <p:cNvPr id="2" name="Title 1">
-            <a:extLst>
-              <a:ext uri="{FF2B5EF4-FFF2-40B4-BE49-F238E27FC236}">
-                <a16:creationId xmlns:a16="http://schemas.microsoft.com/office/drawing/2014/main" id="{81F91383-FF8E-CA8A-A441-895CD9C0BA2F}"/>
-              </a:ext>
-            </a:extLst>
-          </p:cNvPr>
-          <p:cNvSpPr>
-            <a:spLocks noGrp="1"/>
-          </p:cNvSpPr>
-          <p:nvPr>
-            <p:ph type="title"/>
-          </p:nvPr>
-        </p:nvSpPr>
-        <p:spPr/>
-        <p:txBody>
-          <a:bodyPr/>
-          <a:lstStyle/>
-          <a:p>
-            <a:r>
-              <a:rPr lang="en-US" dirty="0"/>
-              <a:t>Other Pools</a:t>
-            </a:r>
-          </a:p>
-        </p:txBody>
-      </p:sp>
-      <p:sp>
-        <p:nvSpPr>
-          <p:cNvPr id="3" name="Content Placeholder 2">
-            <a:extLst>
-              <a:ext uri="{FF2B5EF4-FFF2-40B4-BE49-F238E27FC236}">
-                <a16:creationId xmlns:a16="http://schemas.microsoft.com/office/drawing/2014/main" id="{D3490663-06C7-6CF8-1EE9-2B006D80E9BC}"/>
-              </a:ext>
-            </a:extLst>
-          </p:cNvPr>
-          <p:cNvSpPr>
-            <a:spLocks noGrp="1"/>
-          </p:cNvSpPr>
-          <p:nvPr>
-            <p:ph idx="1"/>
-          </p:nvPr>
-        </p:nvSpPr>
-        <p:spPr/>
-        <p:txBody>
-          <a:bodyPr/>
-          <a:lstStyle/>
-          <a:p>
-            <a:r>
-              <a:rPr lang="en-US" dirty="0"/>
-              <a:t>Spark pool</a:t>
-            </a:r>
-          </a:p>
-          <a:p>
-            <a:pPr lvl="1"/>
-            <a:r>
-              <a:rPr lang="en-US" dirty="0"/>
-              <a:t>Primary languages:  Scala, Python, Java</a:t>
-            </a:r>
-          </a:p>
-          <a:p>
-            <a:pPr lvl="1"/>
-            <a:r>
-              <a:rPr lang="en-US" dirty="0"/>
-              <a:t>Secondary languages:  SQL, F#, C#, R (in preview)</a:t>
-            </a:r>
-          </a:p>
-          <a:p>
-            <a:pPr lvl="1"/>
-            <a:r>
-              <a:rPr lang="en-US" dirty="0"/>
-              <a:t>Great for complex data transformation</a:t>
-            </a:r>
-          </a:p>
-          <a:p>
-            <a:pPr lvl="1"/>
-            <a:r>
-              <a:rPr lang="en-US" dirty="0"/>
-              <a:t>Emphasizes procedural logic</a:t>
-            </a:r>
-          </a:p>
-          <a:p>
-            <a:r>
-              <a:rPr lang="en-US" dirty="0"/>
-              <a:t>Data Explorer pool</a:t>
-            </a:r>
-          </a:p>
-          <a:p>
-            <a:pPr lvl="1"/>
-            <a:r>
-              <a:rPr lang="en-US" dirty="0"/>
-              <a:t>Kusto Query Language (KQL)</a:t>
-            </a:r>
-          </a:p>
-          <a:p>
-            <a:pPr lvl="1"/>
-            <a:r>
-              <a:rPr lang="en-US" dirty="0"/>
-              <a:t>Great for log and event analysis</a:t>
-            </a:r>
-          </a:p>
-        </p:txBody>
-      </p:sp>
-    </p:spTree>
-    <p:extLst>
-      <p:ext uri="{BB962C8B-B14F-4D97-AF65-F5344CB8AC3E}">
-        <p14:creationId xmlns:p14="http://schemas.microsoft.com/office/powerpoint/2010/main" val="983009349"/>
-      </p:ext>
-    </p:extLst>
-  </p:cSld>
-  <p:clrMapOvr>
-    <a:masterClrMapping/>
-  </p:clrMapOvr>
-</p:sld>
-</file>
-
-<file path=ppt/slides/slide50.xml><?xml version="1.0" encoding="utf-8"?>
+<file path=ppt/slides/slide57.xml><?xml version="1.0" encoding="utf-8"?>
 <p:sld xmlns:a="http://schemas.openxmlformats.org/drawingml/2006/main" xmlns:r="http://schemas.openxmlformats.org/officeDocument/2006/relationships" xmlns:p="http://schemas.openxmlformats.org/presentationml/2006/main">
   <p:cSld>
     <p:spTree>
@@ -10131,7 +11100,7 @@
 </p:sld>
 </file>
 
-<file path=ppt/slides/slide51.xml><?xml version="1.0" encoding="utf-8"?>
+<file path=ppt/slides/slide58.xml><?xml version="1.0" encoding="utf-8"?>
 <p:sld xmlns:a="http://schemas.openxmlformats.org/drawingml/2006/main" xmlns:r="http://schemas.openxmlformats.org/officeDocument/2006/relationships" xmlns:p="http://schemas.openxmlformats.org/presentationml/2006/main">
   <p:cSld>
     <p:spTree>
@@ -10339,7 +11308,7 @@
 </p:sld>
 </file>
 
-<file path=ppt/slides/slide52.xml><?xml version="1.0" encoding="utf-8"?>
+<file path=ppt/slides/slide59.xml><?xml version="1.0" encoding="utf-8"?>
 <p:sld xmlns:a="http://schemas.openxmlformats.org/drawingml/2006/main" xmlns:r="http://schemas.openxmlformats.org/officeDocument/2006/relationships" xmlns:p="http://schemas.openxmlformats.org/presentationml/2006/main">
   <p:cSld>
     <p:spTree>
@@ -10545,7 +11514,7 @@
 </p:sld>
 </file>
 
-<file path=ppt/slides/slide53.xml><?xml version="1.0" encoding="utf-8"?>
+<file path=ppt/slides/slide6.xml><?xml version="1.0" encoding="utf-8"?>
 <p:sld xmlns:a="http://schemas.openxmlformats.org/drawingml/2006/main" xmlns:r="http://schemas.openxmlformats.org/officeDocument/2006/relationships" xmlns:p="http://schemas.openxmlformats.org/presentationml/2006/main">
   <p:cSld>
     <p:spTree>
@@ -10567,7 +11536,7 @@
           <p:cNvPr id="2" name="Title 1">
             <a:extLst>
               <a:ext uri="{FF2B5EF4-FFF2-40B4-BE49-F238E27FC236}">
-                <a16:creationId xmlns:a16="http://schemas.microsoft.com/office/drawing/2014/main" id="{B22C245E-2B4F-FD50-59A0-517F533BEB13}"/>
+                <a16:creationId xmlns:a16="http://schemas.microsoft.com/office/drawing/2014/main" id="{5C03EE32-2A13-115F-BEB7-AD9AB8093D16}"/>
               </a:ext>
             </a:extLst>
           </p:cNvPr>
@@ -10585,7 +11554,7 @@
           <a:p>
             <a:r>
               <a:rPr lang="en-US" dirty="0"/>
-              <a:t>Data Cleansing Operations</a:t>
+              <a:t>Synapse Pipelines</a:t>
             </a:r>
           </a:p>
         </p:txBody>
@@ -10595,7 +11564,7 @@
           <p:cNvPr id="3" name="Content Placeholder 2">
             <a:extLst>
               <a:ext uri="{FF2B5EF4-FFF2-40B4-BE49-F238E27FC236}">
-                <a16:creationId xmlns:a16="http://schemas.microsoft.com/office/drawing/2014/main" id="{566CAAAE-75F3-7B5E-C61A-03FF68C88573}"/>
+                <a16:creationId xmlns:a16="http://schemas.microsoft.com/office/drawing/2014/main" id="{EE85CFCF-CBC7-F7A0-6088-160B54357F17}"/>
               </a:ext>
             </a:extLst>
           </p:cNvPr>
@@ -10613,60 +11582,21 @@
           <a:p>
             <a:r>
               <a:rPr lang="en-US" dirty="0"/>
-              <a:t>Typically handled through Spark pools – Python, Scala, maybe F#/C#</a:t>
-            </a:r>
-          </a:p>
-          <a:p>
-            <a:r>
-              <a:rPr lang="en-US" dirty="0"/>
-              <a:t>Common file issues:</a:t>
-            </a:r>
-          </a:p>
-          <a:p>
-            <a:pPr lvl="1"/>
-            <a:r>
-              <a:rPr lang="en-US" dirty="0"/>
-              <a:t>Improperly formatted delimited files</a:t>
-            </a:r>
-          </a:p>
-          <a:p>
-            <a:pPr lvl="1"/>
-            <a:r>
-              <a:rPr lang="en-US" dirty="0"/>
-              <a:t>Restructuring free-form text</a:t>
-            </a:r>
-          </a:p>
-          <a:p>
-            <a:pPr lvl="1"/>
-            <a:r>
-              <a:rPr lang="en-US" dirty="0"/>
-              <a:t>Nested data</a:t>
-            </a:r>
-          </a:p>
-          <a:p>
-            <a:pPr lvl="1"/>
-            <a:r>
-              <a:rPr lang="en-US" dirty="0"/>
-              <a:t>XML data inside file</a:t>
-            </a:r>
-          </a:p>
-          <a:p>
-            <a:pPr lvl="1"/>
-            <a:r>
-              <a:rPr lang="en-US" dirty="0"/>
-              <a:t>Missing / NULL entries</a:t>
-            </a:r>
-          </a:p>
-          <a:p>
-            <a:pPr lvl="1"/>
-            <a:endParaRPr lang="en-US" dirty="0"/>
+              <a:t>Based on Azure Data Factory code base</a:t>
+            </a:r>
+          </a:p>
+          <a:p>
+            <a:r>
+              <a:rPr lang="en-US" dirty="0"/>
+              <a:t>Works best for ELT, sometimes for ETL</a:t>
+            </a:r>
           </a:p>
         </p:txBody>
       </p:sp>
     </p:spTree>
     <p:extLst>
       <p:ext uri="{BB962C8B-B14F-4D97-AF65-F5344CB8AC3E}">
-        <p14:creationId xmlns:p14="http://schemas.microsoft.com/office/powerpoint/2010/main" val="1109056329"/>
+        <p14:creationId xmlns:p14="http://schemas.microsoft.com/office/powerpoint/2010/main" val="448488041"/>
       </p:ext>
     </p:extLst>
   </p:cSld>
@@ -10676,7 +11606,7 @@
 </p:sld>
 </file>
 
-<file path=ppt/slides/slide54.xml><?xml version="1.0" encoding="utf-8"?>
+<file path=ppt/slides/slide60.xml><?xml version="1.0" encoding="utf-8"?>
 <p:sld xmlns:a="http://schemas.openxmlformats.org/drawingml/2006/main" xmlns:r="http://schemas.openxmlformats.org/officeDocument/2006/relationships" xmlns:p="http://schemas.openxmlformats.org/presentationml/2006/main">
   <p:cSld>
     <p:spTree>
@@ -10744,6 +11674,137 @@
           <a:p>
             <a:r>
               <a:rPr lang="en-US" dirty="0"/>
+              <a:t>Typically handled through Spark pools – Python, Scala, maybe F#/C#</a:t>
+            </a:r>
+          </a:p>
+          <a:p>
+            <a:r>
+              <a:rPr lang="en-US" dirty="0"/>
+              <a:t>Common file issues:</a:t>
+            </a:r>
+          </a:p>
+          <a:p>
+            <a:pPr lvl="1"/>
+            <a:r>
+              <a:rPr lang="en-US" dirty="0"/>
+              <a:t>Improperly formatted delimited files</a:t>
+            </a:r>
+          </a:p>
+          <a:p>
+            <a:pPr lvl="1"/>
+            <a:r>
+              <a:rPr lang="en-US" dirty="0"/>
+              <a:t>Restructuring free-form text</a:t>
+            </a:r>
+          </a:p>
+          <a:p>
+            <a:pPr lvl="1"/>
+            <a:r>
+              <a:rPr lang="en-US" dirty="0"/>
+              <a:t>Nested data</a:t>
+            </a:r>
+          </a:p>
+          <a:p>
+            <a:pPr lvl="1"/>
+            <a:r>
+              <a:rPr lang="en-US" dirty="0"/>
+              <a:t>XML data inside file</a:t>
+            </a:r>
+          </a:p>
+          <a:p>
+            <a:pPr lvl="1"/>
+            <a:r>
+              <a:rPr lang="en-US" dirty="0"/>
+              <a:t>Missing / NULL entries</a:t>
+            </a:r>
+          </a:p>
+          <a:p>
+            <a:pPr lvl="1"/>
+            <a:endParaRPr lang="en-US" dirty="0"/>
+          </a:p>
+        </p:txBody>
+      </p:sp>
+    </p:spTree>
+    <p:extLst>
+      <p:ext uri="{BB962C8B-B14F-4D97-AF65-F5344CB8AC3E}">
+        <p14:creationId xmlns:p14="http://schemas.microsoft.com/office/powerpoint/2010/main" val="1109056329"/>
+      </p:ext>
+    </p:extLst>
+  </p:cSld>
+  <p:clrMapOvr>
+    <a:masterClrMapping/>
+  </p:clrMapOvr>
+</p:sld>
+</file>
+
+<file path=ppt/slides/slide61.xml><?xml version="1.0" encoding="utf-8"?>
+<p:sld xmlns:a="http://schemas.openxmlformats.org/drawingml/2006/main" xmlns:r="http://schemas.openxmlformats.org/officeDocument/2006/relationships" xmlns:p="http://schemas.openxmlformats.org/presentationml/2006/main">
+  <p:cSld>
+    <p:spTree>
+      <p:nvGrpSpPr>
+        <p:cNvPr id="1" name=""/>
+        <p:cNvGrpSpPr/>
+        <p:nvPr/>
+      </p:nvGrpSpPr>
+      <p:grpSpPr>
+        <a:xfrm>
+          <a:off x="0" y="0"/>
+          <a:ext cx="0" cy="0"/>
+          <a:chOff x="0" y="0"/>
+          <a:chExt cx="0" cy="0"/>
+        </a:xfrm>
+      </p:grpSpPr>
+      <p:sp>
+        <p:nvSpPr>
+          <p:cNvPr id="2" name="Title 1">
+            <a:extLst>
+              <a:ext uri="{FF2B5EF4-FFF2-40B4-BE49-F238E27FC236}">
+                <a16:creationId xmlns:a16="http://schemas.microsoft.com/office/drawing/2014/main" id="{B22C245E-2B4F-FD50-59A0-517F533BEB13}"/>
+              </a:ext>
+            </a:extLst>
+          </p:cNvPr>
+          <p:cNvSpPr>
+            <a:spLocks noGrp="1"/>
+          </p:cNvSpPr>
+          <p:nvPr>
+            <p:ph type="title"/>
+          </p:nvPr>
+        </p:nvSpPr>
+        <p:spPr/>
+        <p:txBody>
+          <a:bodyPr/>
+          <a:lstStyle/>
+          <a:p>
+            <a:r>
+              <a:rPr lang="en-US" dirty="0"/>
+              <a:t>Data Cleansing Operations</a:t>
+            </a:r>
+          </a:p>
+        </p:txBody>
+      </p:sp>
+      <p:sp>
+        <p:nvSpPr>
+          <p:cNvPr id="3" name="Content Placeholder 2">
+            <a:extLst>
+              <a:ext uri="{FF2B5EF4-FFF2-40B4-BE49-F238E27FC236}">
+                <a16:creationId xmlns:a16="http://schemas.microsoft.com/office/drawing/2014/main" id="{566CAAAE-75F3-7B5E-C61A-03FF68C88573}"/>
+              </a:ext>
+            </a:extLst>
+          </p:cNvPr>
+          <p:cNvSpPr>
+            <a:spLocks noGrp="1"/>
+          </p:cNvSpPr>
+          <p:nvPr>
+            <p:ph idx="1"/>
+          </p:nvPr>
+        </p:nvSpPr>
+        <p:spPr/>
+        <p:txBody>
+          <a:bodyPr/>
+          <a:lstStyle/>
+          <a:p>
+            <a:r>
+              <a:rPr lang="en-US" dirty="0"/>
               <a:t>Don’t forget data issues!</a:t>
             </a:r>
           </a:p>
@@ -10821,7 +11882,7 @@
 </p:sld>
 </file>
 
-<file path=ppt/slides/slide55.xml><?xml version="1.0" encoding="utf-8"?>
+<file path=ppt/slides/slide62.xml><?xml version="1.0" encoding="utf-8"?>
 <p:sld xmlns:a="http://schemas.openxmlformats.org/drawingml/2006/main" xmlns:r="http://schemas.openxmlformats.org/officeDocument/2006/relationships" xmlns:p="http://schemas.openxmlformats.org/presentationml/2006/main">
   <p:cSld>
     <p:spTree>
@@ -11537,7 +12598,7 @@
 </p:sld>
 </file>
 
-<file path=ppt/slides/slide56.xml><?xml version="1.0" encoding="utf-8"?>
+<file path=ppt/slides/slide63.xml><?xml version="1.0" encoding="utf-8"?>
 <p:sld xmlns:a="http://schemas.openxmlformats.org/drawingml/2006/main" xmlns:r="http://schemas.openxmlformats.org/officeDocument/2006/relationships" xmlns:p="http://schemas.openxmlformats.org/presentationml/2006/main">
   <p:cSld>
     <p:spTree>
@@ -12244,7 +13305,7 @@
 </p:sld>
 </file>
 
-<file path=ppt/slides/slide57.xml><?xml version="1.0" encoding="utf-8"?>
+<file path=ppt/slides/slide64.xml><?xml version="1.0" encoding="utf-8"?>
 <p:sld xmlns:a="http://schemas.openxmlformats.org/drawingml/2006/main" xmlns:r="http://schemas.openxmlformats.org/officeDocument/2006/relationships" xmlns:p="http://schemas.openxmlformats.org/presentationml/2006/main">
   <p:cSld>
     <p:spTree>
@@ -12384,7 +13445,7 @@
 </p:sld>
 </file>
 
-<file path=ppt/slides/slide58.xml><?xml version="1.0" encoding="utf-8"?>
+<file path=ppt/slides/slide65.xml><?xml version="1.0" encoding="utf-8"?>
 <p:sld xmlns:a="http://schemas.openxmlformats.org/drawingml/2006/main" xmlns:r="http://schemas.openxmlformats.org/officeDocument/2006/relationships" xmlns:p="http://schemas.openxmlformats.org/presentationml/2006/main">
   <p:cSld>
     <p:spTree>
@@ -12467,7 +13528,7 @@
 </p:sld>
 </file>
 
-<file path=ppt/slides/slide59.xml><?xml version="1.0" encoding="utf-8"?>
+<file path=ppt/slides/slide66.xml><?xml version="1.0" encoding="utf-8"?>
 <p:sld xmlns:a="http://schemas.openxmlformats.org/drawingml/2006/main" xmlns:r="http://schemas.openxmlformats.org/officeDocument/2006/relationships" xmlns:p="http://schemas.openxmlformats.org/presentationml/2006/main">
   <p:cSld>
     <p:spTree>
@@ -12589,99 +13650,7 @@
 </p:sld>
 </file>
 
-<file path=ppt/slides/slide6.xml><?xml version="1.0" encoding="utf-8"?>
-<p:sld xmlns:a="http://schemas.openxmlformats.org/drawingml/2006/main" xmlns:r="http://schemas.openxmlformats.org/officeDocument/2006/relationships" xmlns:p="http://schemas.openxmlformats.org/presentationml/2006/main">
-  <p:cSld>
-    <p:spTree>
-      <p:nvGrpSpPr>
-        <p:cNvPr id="1" name=""/>
-        <p:cNvGrpSpPr/>
-        <p:nvPr/>
-      </p:nvGrpSpPr>
-      <p:grpSpPr>
-        <a:xfrm>
-          <a:off x="0" y="0"/>
-          <a:ext cx="0" cy="0"/>
-          <a:chOff x="0" y="0"/>
-          <a:chExt cx="0" cy="0"/>
-        </a:xfrm>
-      </p:grpSpPr>
-      <p:sp>
-        <p:nvSpPr>
-          <p:cNvPr id="2" name="Title 1">
-            <a:extLst>
-              <a:ext uri="{FF2B5EF4-FFF2-40B4-BE49-F238E27FC236}">
-                <a16:creationId xmlns:a16="http://schemas.microsoft.com/office/drawing/2014/main" id="{5C03EE32-2A13-115F-BEB7-AD9AB8093D16}"/>
-              </a:ext>
-            </a:extLst>
-          </p:cNvPr>
-          <p:cNvSpPr>
-            <a:spLocks noGrp="1"/>
-          </p:cNvSpPr>
-          <p:nvPr>
-            <p:ph type="title"/>
-          </p:nvPr>
-        </p:nvSpPr>
-        <p:spPr/>
-        <p:txBody>
-          <a:bodyPr/>
-          <a:lstStyle/>
-          <a:p>
-            <a:r>
-              <a:rPr lang="en-US" dirty="0"/>
-              <a:t>Synapse Pipelines</a:t>
-            </a:r>
-          </a:p>
-        </p:txBody>
-      </p:sp>
-      <p:sp>
-        <p:nvSpPr>
-          <p:cNvPr id="3" name="Content Placeholder 2">
-            <a:extLst>
-              <a:ext uri="{FF2B5EF4-FFF2-40B4-BE49-F238E27FC236}">
-                <a16:creationId xmlns:a16="http://schemas.microsoft.com/office/drawing/2014/main" id="{EE85CFCF-CBC7-F7A0-6088-160B54357F17}"/>
-              </a:ext>
-            </a:extLst>
-          </p:cNvPr>
-          <p:cNvSpPr>
-            <a:spLocks noGrp="1"/>
-          </p:cNvSpPr>
-          <p:nvPr>
-            <p:ph idx="1"/>
-          </p:nvPr>
-        </p:nvSpPr>
-        <p:spPr/>
-        <p:txBody>
-          <a:bodyPr/>
-          <a:lstStyle/>
-          <a:p>
-            <a:r>
-              <a:rPr lang="en-US" dirty="0"/>
-              <a:t>Based on Azure Data Factory code base</a:t>
-            </a:r>
-          </a:p>
-          <a:p>
-            <a:r>
-              <a:rPr lang="en-US" dirty="0"/>
-              <a:t>Works best for ELT, sometimes for ETL</a:t>
-            </a:r>
-          </a:p>
-        </p:txBody>
-      </p:sp>
-    </p:spTree>
-    <p:extLst>
-      <p:ext uri="{BB962C8B-B14F-4D97-AF65-F5344CB8AC3E}">
-        <p14:creationId xmlns:p14="http://schemas.microsoft.com/office/powerpoint/2010/main" val="448488041"/>
-      </p:ext>
-    </p:extLst>
-  </p:cSld>
-  <p:clrMapOvr>
-    <a:masterClrMapping/>
-  </p:clrMapOvr>
-</p:sld>
-</file>
-
-<file path=ppt/slides/slide60.xml><?xml version="1.0" encoding="utf-8"?>
+<file path=ppt/slides/slide67.xml><?xml version="1.0" encoding="utf-8"?>
 <p:sld xmlns:a="http://schemas.openxmlformats.org/drawingml/2006/main" xmlns:r="http://schemas.openxmlformats.org/officeDocument/2006/relationships" xmlns:p="http://schemas.openxmlformats.org/presentationml/2006/main">
   <p:cSld>
     <p:spTree>
@@ -12808,7 +13777,7 @@
 </p:sld>
 </file>
 
-<file path=ppt/slides/slide61.xml><?xml version="1.0" encoding="utf-8"?>
+<file path=ppt/slides/slide68.xml><?xml version="1.0" encoding="utf-8"?>
 <p:sld xmlns:a="http://schemas.openxmlformats.org/drawingml/2006/main" xmlns:r="http://schemas.openxmlformats.org/officeDocument/2006/relationships" xmlns:p="http://schemas.openxmlformats.org/presentationml/2006/main">
   <p:cSld>
     <p:spTree>
@@ -12931,7 +13900,7 @@
 </p:sld>
 </file>
 
-<file path=ppt/slides/slide62.xml><?xml version="1.0" encoding="utf-8"?>
+<file path=ppt/slides/slide69.xml><?xml version="1.0" encoding="utf-8"?>
 <p:sld xmlns:a="http://schemas.openxmlformats.org/drawingml/2006/main" xmlns:r="http://schemas.openxmlformats.org/officeDocument/2006/relationships" xmlns:p="http://schemas.openxmlformats.org/presentationml/2006/main">
   <p:cSld>
     <p:spTree>
@@ -13035,7 +14004,7 @@
 </p:sld>
 </file>
 
-<file path=ppt/slides/slide63.xml><?xml version="1.0" encoding="utf-8"?>
+<file path=ppt/slides/slide7.xml><?xml version="1.0" encoding="utf-8"?>
 <p:sld xmlns:a="http://schemas.openxmlformats.org/drawingml/2006/main" xmlns:r="http://schemas.openxmlformats.org/officeDocument/2006/relationships" xmlns:p="http://schemas.openxmlformats.org/presentationml/2006/main">
   <p:cSld>
     <p:spTree>
@@ -13057,7 +14026,7 @@
           <p:cNvPr id="2" name="Title 1">
             <a:extLst>
               <a:ext uri="{FF2B5EF4-FFF2-40B4-BE49-F238E27FC236}">
-                <a16:creationId xmlns:a16="http://schemas.microsoft.com/office/drawing/2014/main" id="{EC13CA8F-1BA1-8E30-EC44-4ECC2E6CADBF}"/>
+                <a16:creationId xmlns:a16="http://schemas.microsoft.com/office/drawing/2014/main" id="{AE4E9D02-F4B1-7DDD-4DA4-4FB21F80A804}"/>
               </a:ext>
             </a:extLst>
           </p:cNvPr>
@@ -13075,17 +14044,17 @@
           <a:p>
             <a:r>
               <a:rPr lang="en-US" dirty="0"/>
-              <a:t>Synapse Pipelines</a:t>
-            </a:r>
-          </a:p>
-        </p:txBody>
-      </p:sp>
-      <p:sp>
-        <p:nvSpPr>
-          <p:cNvPr id="3" name="Text Placeholder 2">
-            <a:extLst>
-              <a:ext uri="{FF2B5EF4-FFF2-40B4-BE49-F238E27FC236}">
-                <a16:creationId xmlns:a16="http://schemas.microsoft.com/office/drawing/2014/main" id="{01CE36E8-5BB2-8735-36ED-2830E523ACB3}"/>
+              <a:t>Where Is My Data?</a:t>
+            </a:r>
+          </a:p>
+        </p:txBody>
+      </p:sp>
+      <p:sp>
+        <p:nvSpPr>
+          <p:cNvPr id="3" name="Content Placeholder 2">
+            <a:extLst>
+              <a:ext uri="{FF2B5EF4-FFF2-40B4-BE49-F238E27FC236}">
+                <a16:creationId xmlns:a16="http://schemas.microsoft.com/office/drawing/2014/main" id="{AC869689-4A76-C95F-DF1B-1503917B22E1}"/>
               </a:ext>
             </a:extLst>
           </p:cNvPr>
@@ -13093,7 +14062,7 @@
             <a:spLocks noGrp="1"/>
           </p:cNvSpPr>
           <p:nvPr>
-            <p:ph type="body" idx="1"/>
+            <p:ph idx="1"/>
           </p:nvPr>
         </p:nvSpPr>
         <p:spPr/>
@@ -13101,14 +14070,65 @@
           <a:bodyPr/>
           <a:lstStyle/>
           <a:p>
-            <a:endParaRPr lang="en-US"/>
+            <a:r>
+              <a:rPr lang="en-US" dirty="0"/>
+              <a:t>Dedicated SQL pool</a:t>
+            </a:r>
+          </a:p>
+          <a:p>
+            <a:pPr lvl="1"/>
+            <a:r>
+              <a:rPr lang="en-US" dirty="0"/>
+              <a:t>Split into 60 distributions but can logically be considered together</a:t>
+            </a:r>
+          </a:p>
+          <a:p>
+            <a:pPr lvl="1"/>
+            <a:r>
+              <a:rPr lang="en-US" dirty="0"/>
+              <a:t>Closest thing to a “normal” database for SQL Server users, though plenty of differences</a:t>
+            </a:r>
+          </a:p>
+          <a:p>
+            <a:r>
+              <a:rPr lang="en-US" dirty="0"/>
+              <a:t>Data Lake</a:t>
+            </a:r>
+          </a:p>
+          <a:p>
+            <a:pPr lvl="1"/>
+            <a:r>
+              <a:rPr lang="en-US" dirty="0"/>
+              <a:t>Data files stored in Azure Data Lake Storage Gen2</a:t>
+            </a:r>
+          </a:p>
+          <a:p>
+            <a:pPr lvl="1"/>
+            <a:r>
+              <a:rPr lang="en-US" dirty="0"/>
+              <a:t>Typically follows a particular hierarchical breakdown:</a:t>
+            </a:r>
+            <a:br>
+              <a:rPr lang="en-US" dirty="0"/>
+            </a:br>
+            <a:r>
+              <a:rPr lang="en-US" dirty="0"/>
+              <a:t>Measure \ Year \ Month \ Day \ {Hour \ … }</a:t>
+            </a:r>
+          </a:p>
+          <a:p>
+            <a:pPr lvl="1"/>
+            <a:r>
+              <a:rPr lang="en-US" dirty="0"/>
+              <a:t>Data typically stored in quasi-structured formats:  CSV/delimited file, JSON, ORC, Parquet</a:t>
+            </a:r>
           </a:p>
         </p:txBody>
       </p:sp>
     </p:spTree>
     <p:extLst>
       <p:ext uri="{BB962C8B-B14F-4D97-AF65-F5344CB8AC3E}">
-        <p14:creationId xmlns:p14="http://schemas.microsoft.com/office/powerpoint/2010/main" val="3473337278"/>
+        <p14:creationId xmlns:p14="http://schemas.microsoft.com/office/powerpoint/2010/main" val="2524622518"/>
       </p:ext>
     </p:extLst>
   </p:cSld>
@@ -13118,7 +14138,7 @@
 </p:sld>
 </file>
 
-<file path=ppt/slides/slide64.xml><?xml version="1.0" encoding="utf-8"?>
+<file path=ppt/slides/slide70.xml><?xml version="1.0" encoding="utf-8"?>
 <p:sld xmlns:a="http://schemas.openxmlformats.org/drawingml/2006/main" xmlns:r="http://schemas.openxmlformats.org/officeDocument/2006/relationships" xmlns:p="http://schemas.openxmlformats.org/presentationml/2006/main">
   <p:cSld>
     <p:spTree>
@@ -13140,6 +14160,89 @@
           <p:cNvPr id="2" name="Title 1">
             <a:extLst>
               <a:ext uri="{FF2B5EF4-FFF2-40B4-BE49-F238E27FC236}">
+                <a16:creationId xmlns:a16="http://schemas.microsoft.com/office/drawing/2014/main" id="{EC13CA8F-1BA1-8E30-EC44-4ECC2E6CADBF}"/>
+              </a:ext>
+            </a:extLst>
+          </p:cNvPr>
+          <p:cNvSpPr>
+            <a:spLocks noGrp="1"/>
+          </p:cNvSpPr>
+          <p:nvPr>
+            <p:ph type="title"/>
+          </p:nvPr>
+        </p:nvSpPr>
+        <p:spPr/>
+        <p:txBody>
+          <a:bodyPr/>
+          <a:lstStyle/>
+          <a:p>
+            <a:r>
+              <a:rPr lang="en-US" dirty="0"/>
+              <a:t>Synapse Pipelines</a:t>
+            </a:r>
+          </a:p>
+        </p:txBody>
+      </p:sp>
+      <p:sp>
+        <p:nvSpPr>
+          <p:cNvPr id="3" name="Text Placeholder 2">
+            <a:extLst>
+              <a:ext uri="{FF2B5EF4-FFF2-40B4-BE49-F238E27FC236}">
+                <a16:creationId xmlns:a16="http://schemas.microsoft.com/office/drawing/2014/main" id="{01CE36E8-5BB2-8735-36ED-2830E523ACB3}"/>
+              </a:ext>
+            </a:extLst>
+          </p:cNvPr>
+          <p:cNvSpPr>
+            <a:spLocks noGrp="1"/>
+          </p:cNvSpPr>
+          <p:nvPr>
+            <p:ph type="body" idx="1"/>
+          </p:nvPr>
+        </p:nvSpPr>
+        <p:spPr/>
+        <p:txBody>
+          <a:bodyPr/>
+          <a:lstStyle/>
+          <a:p>
+            <a:endParaRPr lang="en-US"/>
+          </a:p>
+        </p:txBody>
+      </p:sp>
+    </p:spTree>
+    <p:extLst>
+      <p:ext uri="{BB962C8B-B14F-4D97-AF65-F5344CB8AC3E}">
+        <p14:creationId xmlns:p14="http://schemas.microsoft.com/office/powerpoint/2010/main" val="3473337278"/>
+      </p:ext>
+    </p:extLst>
+  </p:cSld>
+  <p:clrMapOvr>
+    <a:masterClrMapping/>
+  </p:clrMapOvr>
+</p:sld>
+</file>
+
+<file path=ppt/slides/slide71.xml><?xml version="1.0" encoding="utf-8"?>
+<p:sld xmlns:a="http://schemas.openxmlformats.org/drawingml/2006/main" xmlns:r="http://schemas.openxmlformats.org/officeDocument/2006/relationships" xmlns:p="http://schemas.openxmlformats.org/presentationml/2006/main">
+  <p:cSld>
+    <p:spTree>
+      <p:nvGrpSpPr>
+        <p:cNvPr id="1" name=""/>
+        <p:cNvGrpSpPr/>
+        <p:nvPr/>
+      </p:nvGrpSpPr>
+      <p:grpSpPr>
+        <a:xfrm>
+          <a:off x="0" y="0"/>
+          <a:ext cx="0" cy="0"/>
+          <a:chOff x="0" y="0"/>
+          <a:chExt cx="0" cy="0"/>
+        </a:xfrm>
+      </p:grpSpPr>
+      <p:sp>
+        <p:nvSpPr>
+          <p:cNvPr id="2" name="Title 1">
+            <a:extLst>
+              <a:ext uri="{FF2B5EF4-FFF2-40B4-BE49-F238E27FC236}">
                 <a16:creationId xmlns:a16="http://schemas.microsoft.com/office/drawing/2014/main" id="{B22C245E-2B4F-FD50-59A0-517F533BEB13}"/>
               </a:ext>
             </a:extLst>
@@ -13250,7 +14353,7 @@
 </p:sld>
 </file>
 
-<file path=ppt/slides/slide65.xml><?xml version="1.0" encoding="utf-8"?>
+<file path=ppt/slides/slide72.xml><?xml version="1.0" encoding="utf-8"?>
 <p:sld xmlns:a="http://schemas.openxmlformats.org/drawingml/2006/main" xmlns:r="http://schemas.openxmlformats.org/officeDocument/2006/relationships" xmlns:p="http://schemas.openxmlformats.org/presentationml/2006/main">
   <p:cSld>
     <p:spTree>
@@ -13337,7 +14440,7 @@
 </p:sld>
 </file>
 
-<file path=ppt/slides/slide66.xml><?xml version="1.0" encoding="utf-8"?>
+<file path=ppt/slides/slide73.xml><?xml version="1.0" encoding="utf-8"?>
 <p:sld xmlns:a="http://schemas.openxmlformats.org/drawingml/2006/main" xmlns:r="http://schemas.openxmlformats.org/officeDocument/2006/relationships" xmlns:p="http://schemas.openxmlformats.org/presentationml/2006/main">
   <p:cSld>
     <p:spTree>
@@ -14329,7 +15432,7 @@
 </p:sld>
 </file>
 
-<file path=ppt/slides/slide67.xml><?xml version="1.0" encoding="utf-8"?>
+<file path=ppt/slides/slide74.xml><?xml version="1.0" encoding="utf-8"?>
 <p:sld xmlns:a="http://schemas.openxmlformats.org/drawingml/2006/main" xmlns:r="http://schemas.openxmlformats.org/officeDocument/2006/relationships" xmlns:p="http://schemas.openxmlformats.org/presentationml/2006/main">
   <p:cSld>
     <p:spTree>
@@ -20646,7 +21749,7 @@
 </p:sld>
 </file>
 
-<file path=ppt/slides/slide68.xml><?xml version="1.0" encoding="utf-8"?>
+<file path=ppt/slides/slide75.xml><?xml version="1.0" encoding="utf-8"?>
 <p:sld xmlns:a="http://schemas.openxmlformats.org/drawingml/2006/main" xmlns:r="http://schemas.openxmlformats.org/officeDocument/2006/relationships" xmlns:p="http://schemas.openxmlformats.org/presentationml/2006/main">
   <p:cSld>
     <p:spTree>
@@ -20803,7 +21906,7 @@
 </p:sld>
 </file>
 
-<file path=ppt/slides/slide69.xml><?xml version="1.0" encoding="utf-8"?>
+<file path=ppt/slides/slide76.xml><?xml version="1.0" encoding="utf-8"?>
 <p:sld xmlns:a="http://schemas.openxmlformats.org/drawingml/2006/main" xmlns:r="http://schemas.openxmlformats.org/officeDocument/2006/relationships" xmlns:p="http://schemas.openxmlformats.org/presentationml/2006/main">
   <p:cSld>
     <p:spTree>
@@ -20954,141 +22057,7 @@
 </p:sld>
 </file>
 
-<file path=ppt/slides/slide7.xml><?xml version="1.0" encoding="utf-8"?>
-<p:sld xmlns:a="http://schemas.openxmlformats.org/drawingml/2006/main" xmlns:r="http://schemas.openxmlformats.org/officeDocument/2006/relationships" xmlns:p="http://schemas.openxmlformats.org/presentationml/2006/main">
-  <p:cSld>
-    <p:spTree>
-      <p:nvGrpSpPr>
-        <p:cNvPr id="1" name=""/>
-        <p:cNvGrpSpPr/>
-        <p:nvPr/>
-      </p:nvGrpSpPr>
-      <p:grpSpPr>
-        <a:xfrm>
-          <a:off x="0" y="0"/>
-          <a:ext cx="0" cy="0"/>
-          <a:chOff x="0" y="0"/>
-          <a:chExt cx="0" cy="0"/>
-        </a:xfrm>
-      </p:grpSpPr>
-      <p:sp>
-        <p:nvSpPr>
-          <p:cNvPr id="2" name="Title 1">
-            <a:extLst>
-              <a:ext uri="{FF2B5EF4-FFF2-40B4-BE49-F238E27FC236}">
-                <a16:creationId xmlns:a16="http://schemas.microsoft.com/office/drawing/2014/main" id="{AE4E9D02-F4B1-7DDD-4DA4-4FB21F80A804}"/>
-              </a:ext>
-            </a:extLst>
-          </p:cNvPr>
-          <p:cNvSpPr>
-            <a:spLocks noGrp="1"/>
-          </p:cNvSpPr>
-          <p:nvPr>
-            <p:ph type="title"/>
-          </p:nvPr>
-        </p:nvSpPr>
-        <p:spPr/>
-        <p:txBody>
-          <a:bodyPr/>
-          <a:lstStyle/>
-          <a:p>
-            <a:r>
-              <a:rPr lang="en-US" dirty="0"/>
-              <a:t>Where Is My Data?</a:t>
-            </a:r>
-          </a:p>
-        </p:txBody>
-      </p:sp>
-      <p:sp>
-        <p:nvSpPr>
-          <p:cNvPr id="3" name="Content Placeholder 2">
-            <a:extLst>
-              <a:ext uri="{FF2B5EF4-FFF2-40B4-BE49-F238E27FC236}">
-                <a16:creationId xmlns:a16="http://schemas.microsoft.com/office/drawing/2014/main" id="{AC869689-4A76-C95F-DF1B-1503917B22E1}"/>
-              </a:ext>
-            </a:extLst>
-          </p:cNvPr>
-          <p:cNvSpPr>
-            <a:spLocks noGrp="1"/>
-          </p:cNvSpPr>
-          <p:nvPr>
-            <p:ph idx="1"/>
-          </p:nvPr>
-        </p:nvSpPr>
-        <p:spPr/>
-        <p:txBody>
-          <a:bodyPr/>
-          <a:lstStyle/>
-          <a:p>
-            <a:r>
-              <a:rPr lang="en-US" dirty="0"/>
-              <a:t>Dedicated SQL pool</a:t>
-            </a:r>
-          </a:p>
-          <a:p>
-            <a:pPr lvl="1"/>
-            <a:r>
-              <a:rPr lang="en-US" dirty="0"/>
-              <a:t>Split into 60 distributions but can logically be considered together</a:t>
-            </a:r>
-          </a:p>
-          <a:p>
-            <a:pPr lvl="1"/>
-            <a:r>
-              <a:rPr lang="en-US" dirty="0"/>
-              <a:t>Closest thing to a “normal” database for SQL Server users, though plenty of differences</a:t>
-            </a:r>
-          </a:p>
-          <a:p>
-            <a:r>
-              <a:rPr lang="en-US" dirty="0"/>
-              <a:t>Data Lake</a:t>
-            </a:r>
-          </a:p>
-          <a:p>
-            <a:pPr lvl="1"/>
-            <a:r>
-              <a:rPr lang="en-US" dirty="0"/>
-              <a:t>Data files stored in Azure Data Lake Storage Gen2</a:t>
-            </a:r>
-          </a:p>
-          <a:p>
-            <a:pPr lvl="1"/>
-            <a:r>
-              <a:rPr lang="en-US" dirty="0"/>
-              <a:t>Typically follows a particular hierarchical breakdown:</a:t>
-            </a:r>
-            <a:br>
-              <a:rPr lang="en-US" dirty="0"/>
-            </a:br>
-            <a:r>
-              <a:rPr lang="en-US" dirty="0"/>
-              <a:t>Measure \ Year \ Month \ Day \ {Hour \ … }</a:t>
-            </a:r>
-          </a:p>
-          <a:p>
-            <a:pPr lvl="1"/>
-            <a:r>
-              <a:rPr lang="en-US" dirty="0"/>
-              <a:t>Data typically stored in quasi-structured formats:  CSV/delimited file, JSON, ORC, Parquet</a:t>
-            </a:r>
-          </a:p>
-        </p:txBody>
-      </p:sp>
-    </p:spTree>
-    <p:extLst>
-      <p:ext uri="{BB962C8B-B14F-4D97-AF65-F5344CB8AC3E}">
-        <p14:creationId xmlns:p14="http://schemas.microsoft.com/office/powerpoint/2010/main" val="2524622518"/>
-      </p:ext>
-    </p:extLst>
-  </p:cSld>
-  <p:clrMapOvr>
-    <a:masterClrMapping/>
-  </p:clrMapOvr>
-</p:sld>
-</file>
-
-<file path=ppt/slides/slide70.xml><?xml version="1.0" encoding="utf-8"?>
+<file path=ppt/slides/slide77.xml><?xml version="1.0" encoding="utf-8"?>
 <p:sld xmlns:a="http://schemas.openxmlformats.org/drawingml/2006/main" xmlns:r="http://schemas.openxmlformats.org/officeDocument/2006/relationships" xmlns:p="http://schemas.openxmlformats.org/presentationml/2006/main">
   <p:cSld>
     <p:spTree>
@@ -21219,7 +22188,7 @@
 </p:sld>
 </file>
 
-<file path=ppt/slides/slide71.xml><?xml version="1.0" encoding="utf-8"?>
+<file path=ppt/slides/slide78.xml><?xml version="1.0" encoding="utf-8"?>
 <p:sld xmlns:a="http://schemas.openxmlformats.org/drawingml/2006/main" xmlns:r="http://schemas.openxmlformats.org/officeDocument/2006/relationships" xmlns:p="http://schemas.openxmlformats.org/presentationml/2006/main">
   <p:cSld>
     <p:spTree>
@@ -21380,7 +22349,7 @@
 </p:sld>
 </file>
 
-<file path=ppt/slides/slide72.xml><?xml version="1.0" encoding="utf-8"?>
+<file path=ppt/slides/slide79.xml><?xml version="1.0" encoding="utf-8"?>
 <p:sld xmlns:a="http://schemas.openxmlformats.org/drawingml/2006/main" xmlns:r="http://schemas.openxmlformats.org/officeDocument/2006/relationships" xmlns:p="http://schemas.openxmlformats.org/presentationml/2006/main">
   <p:cSld>
     <p:spTree>
@@ -21510,313 +22479,6 @@
 </p:sld>
 </file>
 
-<file path=ppt/slides/slide73.xml><?xml version="1.0" encoding="utf-8"?>
-<p:sld xmlns:a="http://schemas.openxmlformats.org/drawingml/2006/main" xmlns:r="http://schemas.openxmlformats.org/officeDocument/2006/relationships" xmlns:p="http://schemas.openxmlformats.org/presentationml/2006/main">
-  <p:cSld>
-    <p:spTree>
-      <p:nvGrpSpPr>
-        <p:cNvPr id="1" name=""/>
-        <p:cNvGrpSpPr/>
-        <p:nvPr/>
-      </p:nvGrpSpPr>
-      <p:grpSpPr>
-        <a:xfrm>
-          <a:off x="0" y="0"/>
-          <a:ext cx="0" cy="0"/>
-          <a:chOff x="0" y="0"/>
-          <a:chExt cx="0" cy="0"/>
-        </a:xfrm>
-      </p:grpSpPr>
-      <p:sp>
-        <p:nvSpPr>
-          <p:cNvPr id="2" name="Title 1">
-            <a:extLst>
-              <a:ext uri="{FF2B5EF4-FFF2-40B4-BE49-F238E27FC236}">
-                <a16:creationId xmlns:a16="http://schemas.microsoft.com/office/drawing/2014/main" id="{B22C245E-2B4F-FD50-59A0-517F533BEB13}"/>
-              </a:ext>
-            </a:extLst>
-          </p:cNvPr>
-          <p:cNvSpPr>
-            <a:spLocks noGrp="1"/>
-          </p:cNvSpPr>
-          <p:nvPr>
-            <p:ph type="title"/>
-          </p:nvPr>
-        </p:nvSpPr>
-        <p:spPr/>
-        <p:txBody>
-          <a:bodyPr/>
-          <a:lstStyle/>
-          <a:p>
-            <a:r>
-              <a:rPr lang="en-US" dirty="0"/>
-              <a:t>Lab Part 3</a:t>
-            </a:r>
-          </a:p>
-        </p:txBody>
-      </p:sp>
-      <p:sp>
-        <p:nvSpPr>
-          <p:cNvPr id="3" name="Content Placeholder 2">
-            <a:extLst>
-              <a:ext uri="{FF2B5EF4-FFF2-40B4-BE49-F238E27FC236}">
-                <a16:creationId xmlns:a16="http://schemas.microsoft.com/office/drawing/2014/main" id="{566CAAAE-75F3-7B5E-C61A-03FF68C88573}"/>
-              </a:ext>
-            </a:extLst>
-          </p:cNvPr>
-          <p:cNvSpPr>
-            <a:spLocks noGrp="1"/>
-          </p:cNvSpPr>
-          <p:nvPr>
-            <p:ph idx="1"/>
-          </p:nvPr>
-        </p:nvSpPr>
-        <p:spPr/>
-        <p:txBody>
-          <a:bodyPr/>
-          <a:lstStyle/>
-          <a:p>
-            <a:r>
-              <a:rPr lang="en-US" dirty="0"/>
-              <a:t>Convert notebook into Synapse pipeline</a:t>
-            </a:r>
-          </a:p>
-          <a:p>
-            <a:r>
-              <a:rPr lang="en-US" dirty="0"/>
-              <a:t>Execute notebook</a:t>
-            </a:r>
-          </a:p>
-          <a:p>
-            <a:r>
-              <a:rPr lang="en-US" dirty="0"/>
-              <a:t>Trigger on new data</a:t>
-            </a:r>
-          </a:p>
-        </p:txBody>
-      </p:sp>
-    </p:spTree>
-    <p:extLst>
-      <p:ext uri="{BB962C8B-B14F-4D97-AF65-F5344CB8AC3E}">
-        <p14:creationId xmlns:p14="http://schemas.microsoft.com/office/powerpoint/2010/main" val="1127114026"/>
-      </p:ext>
-    </p:extLst>
-  </p:cSld>
-  <p:clrMapOvr>
-    <a:masterClrMapping/>
-  </p:clrMapOvr>
-</p:sld>
-</file>
-
-<file path=ppt/slides/slide74.xml><?xml version="1.0" encoding="utf-8"?>
-<p:sld xmlns:a="http://schemas.openxmlformats.org/drawingml/2006/main" xmlns:r="http://schemas.openxmlformats.org/officeDocument/2006/relationships" xmlns:p="http://schemas.openxmlformats.org/presentationml/2006/main">
-  <p:cSld>
-    <p:spTree>
-      <p:nvGrpSpPr>
-        <p:cNvPr id="1" name=""/>
-        <p:cNvGrpSpPr/>
-        <p:nvPr/>
-      </p:nvGrpSpPr>
-      <p:grpSpPr>
-        <a:xfrm>
-          <a:off x="0" y="0"/>
-          <a:ext cx="0" cy="0"/>
-          <a:chOff x="0" y="0"/>
-          <a:chExt cx="0" cy="0"/>
-        </a:xfrm>
-      </p:grpSpPr>
-      <p:sp>
-        <p:nvSpPr>
-          <p:cNvPr id="2" name="Title 1">
-            <a:extLst>
-              <a:ext uri="{FF2B5EF4-FFF2-40B4-BE49-F238E27FC236}">
-                <a16:creationId xmlns:a16="http://schemas.microsoft.com/office/drawing/2014/main" id="{F1BF4DF7-6ECF-F443-4A77-36AB5447924C}"/>
-              </a:ext>
-            </a:extLst>
-          </p:cNvPr>
-          <p:cNvSpPr>
-            <a:spLocks noGrp="1"/>
-          </p:cNvSpPr>
-          <p:nvPr>
-            <p:ph type="title"/>
-          </p:nvPr>
-        </p:nvSpPr>
-        <p:spPr/>
-        <p:txBody>
-          <a:bodyPr/>
-          <a:lstStyle/>
-          <a:p>
-            <a:r>
-              <a:rPr lang="en-US" dirty="0"/>
-              <a:t>Post-Lab </a:t>
-            </a:r>
-            <a:r>
-              <a:rPr lang="en-US" dirty="0" err="1"/>
-              <a:t>Wrapup</a:t>
-            </a:r>
-            <a:endParaRPr lang="en-US" dirty="0"/>
-          </a:p>
-        </p:txBody>
-      </p:sp>
-      <p:sp>
-        <p:nvSpPr>
-          <p:cNvPr id="3" name="Text Placeholder 2">
-            <a:extLst>
-              <a:ext uri="{FF2B5EF4-FFF2-40B4-BE49-F238E27FC236}">
-                <a16:creationId xmlns:a16="http://schemas.microsoft.com/office/drawing/2014/main" id="{DF1A2AEF-37FE-4FFE-DC27-790EA13427B9}"/>
-              </a:ext>
-            </a:extLst>
-          </p:cNvPr>
-          <p:cNvSpPr>
-            <a:spLocks noGrp="1"/>
-          </p:cNvSpPr>
-          <p:nvPr>
-            <p:ph type="body" idx="1"/>
-          </p:nvPr>
-        </p:nvSpPr>
-        <p:spPr/>
-        <p:txBody>
-          <a:bodyPr/>
-          <a:lstStyle/>
-          <a:p>
-            <a:endParaRPr lang="en-US"/>
-          </a:p>
-        </p:txBody>
-      </p:sp>
-    </p:spTree>
-    <p:extLst>
-      <p:ext uri="{BB962C8B-B14F-4D97-AF65-F5344CB8AC3E}">
-        <p14:creationId xmlns:p14="http://schemas.microsoft.com/office/powerpoint/2010/main" val="1861773582"/>
-      </p:ext>
-    </p:extLst>
-  </p:cSld>
-  <p:clrMapOvr>
-    <a:masterClrMapping/>
-  </p:clrMapOvr>
-</p:sld>
-</file>
-
-<file path=ppt/slides/slide75.xml><?xml version="1.0" encoding="utf-8"?>
-<p:sld xmlns:a="http://schemas.openxmlformats.org/drawingml/2006/main" xmlns:r="http://schemas.openxmlformats.org/officeDocument/2006/relationships" xmlns:p="http://schemas.openxmlformats.org/presentationml/2006/main">
-  <p:cSld>
-    <p:spTree>
-      <p:nvGrpSpPr>
-        <p:cNvPr id="1" name=""/>
-        <p:cNvGrpSpPr/>
-        <p:nvPr/>
-      </p:nvGrpSpPr>
-      <p:grpSpPr>
-        <a:xfrm>
-          <a:off x="0" y="0"/>
-          <a:ext cx="0" cy="0"/>
-          <a:chOff x="0" y="0"/>
-          <a:chExt cx="0" cy="0"/>
-        </a:xfrm>
-      </p:grpSpPr>
-      <p:sp>
-        <p:nvSpPr>
-          <p:cNvPr id="2" name="Title 1">
-            <a:extLst>
-              <a:ext uri="{FF2B5EF4-FFF2-40B4-BE49-F238E27FC236}">
-                <a16:creationId xmlns:a16="http://schemas.microsoft.com/office/drawing/2014/main" id="{B22C245E-2B4F-FD50-59A0-517F533BEB13}"/>
-              </a:ext>
-            </a:extLst>
-          </p:cNvPr>
-          <p:cNvSpPr>
-            <a:spLocks noGrp="1"/>
-          </p:cNvSpPr>
-          <p:nvPr>
-            <p:ph type="title"/>
-          </p:nvPr>
-        </p:nvSpPr>
-        <p:spPr/>
-        <p:txBody>
-          <a:bodyPr/>
-          <a:lstStyle/>
-          <a:p>
-            <a:r>
-              <a:rPr lang="en-US" dirty="0"/>
-              <a:t>What We Learned</a:t>
-            </a:r>
-          </a:p>
-        </p:txBody>
-      </p:sp>
-      <p:sp>
-        <p:nvSpPr>
-          <p:cNvPr id="3" name="Content Placeholder 2">
-            <a:extLst>
-              <a:ext uri="{FF2B5EF4-FFF2-40B4-BE49-F238E27FC236}">
-                <a16:creationId xmlns:a16="http://schemas.microsoft.com/office/drawing/2014/main" id="{566CAAAE-75F3-7B5E-C61A-03FF68C88573}"/>
-              </a:ext>
-            </a:extLst>
-          </p:cNvPr>
-          <p:cNvSpPr>
-            <a:spLocks noGrp="1"/>
-          </p:cNvSpPr>
-          <p:nvPr>
-            <p:ph idx="1"/>
-          </p:nvPr>
-        </p:nvSpPr>
-        <p:spPr/>
-        <p:txBody>
-          <a:bodyPr/>
-          <a:lstStyle/>
-          <a:p>
-            <a:r>
-              <a:rPr lang="en-US" dirty="0"/>
-              <a:t>Creating a Spark pool</a:t>
-            </a:r>
-          </a:p>
-          <a:p>
-            <a:r>
-              <a:rPr lang="en-US" dirty="0"/>
-              <a:t>Importing notebooks into a Synapse workspace</a:t>
-            </a:r>
-          </a:p>
-          <a:p>
-            <a:r>
-              <a:rPr lang="en-US" dirty="0"/>
-              <a:t>Running a Spark notebook</a:t>
-            </a:r>
-          </a:p>
-          <a:p>
-            <a:r>
-              <a:rPr lang="en-US" dirty="0"/>
-              <a:t>Building a simple ML model with </a:t>
-            </a:r>
-            <a:r>
-              <a:rPr lang="en-US" dirty="0" err="1"/>
-              <a:t>PySpark</a:t>
-            </a:r>
-            <a:endParaRPr lang="en-US" dirty="0"/>
-          </a:p>
-          <a:p>
-            <a:r>
-              <a:rPr lang="en-US" dirty="0"/>
-              <a:t>Writing prediction results to the data lake</a:t>
-            </a:r>
-          </a:p>
-          <a:p>
-            <a:r>
-              <a:rPr lang="en-US" dirty="0"/>
-              <a:t>Building a Synapse pipeline to execute a notebook</a:t>
-            </a:r>
-          </a:p>
-        </p:txBody>
-      </p:sp>
-    </p:spTree>
-    <p:extLst>
-      <p:ext uri="{BB962C8B-B14F-4D97-AF65-F5344CB8AC3E}">
-        <p14:creationId xmlns:p14="http://schemas.microsoft.com/office/powerpoint/2010/main" val="2090887696"/>
-      </p:ext>
-    </p:extLst>
-  </p:cSld>
-  <p:clrMapOvr>
-    <a:masterClrMapping/>
-  </p:clrMapOvr>
-</p:sld>
-</file>
-
 <file path=ppt/slides/slide8.xml><?xml version="1.0" encoding="utf-8"?>
 <p:sld xmlns:a="http://schemas.openxmlformats.org/drawingml/2006/main" xmlns:r="http://schemas.openxmlformats.org/officeDocument/2006/relationships" xmlns:p="http://schemas.openxmlformats.org/presentationml/2006/main">
   <p:cSld>
@@ -21951,6 +22613,313 @@
     <p:extLst>
       <p:ext uri="{BB962C8B-B14F-4D97-AF65-F5344CB8AC3E}">
         <p14:creationId xmlns:p14="http://schemas.microsoft.com/office/powerpoint/2010/main" val="2698394386"/>
+      </p:ext>
+    </p:extLst>
+  </p:cSld>
+  <p:clrMapOvr>
+    <a:masterClrMapping/>
+  </p:clrMapOvr>
+</p:sld>
+</file>
+
+<file path=ppt/slides/slide80.xml><?xml version="1.0" encoding="utf-8"?>
+<p:sld xmlns:a="http://schemas.openxmlformats.org/drawingml/2006/main" xmlns:r="http://schemas.openxmlformats.org/officeDocument/2006/relationships" xmlns:p="http://schemas.openxmlformats.org/presentationml/2006/main">
+  <p:cSld>
+    <p:spTree>
+      <p:nvGrpSpPr>
+        <p:cNvPr id="1" name=""/>
+        <p:cNvGrpSpPr/>
+        <p:nvPr/>
+      </p:nvGrpSpPr>
+      <p:grpSpPr>
+        <a:xfrm>
+          <a:off x="0" y="0"/>
+          <a:ext cx="0" cy="0"/>
+          <a:chOff x="0" y="0"/>
+          <a:chExt cx="0" cy="0"/>
+        </a:xfrm>
+      </p:grpSpPr>
+      <p:sp>
+        <p:nvSpPr>
+          <p:cNvPr id="2" name="Title 1">
+            <a:extLst>
+              <a:ext uri="{FF2B5EF4-FFF2-40B4-BE49-F238E27FC236}">
+                <a16:creationId xmlns:a16="http://schemas.microsoft.com/office/drawing/2014/main" id="{B22C245E-2B4F-FD50-59A0-517F533BEB13}"/>
+              </a:ext>
+            </a:extLst>
+          </p:cNvPr>
+          <p:cNvSpPr>
+            <a:spLocks noGrp="1"/>
+          </p:cNvSpPr>
+          <p:nvPr>
+            <p:ph type="title"/>
+          </p:nvPr>
+        </p:nvSpPr>
+        <p:spPr/>
+        <p:txBody>
+          <a:bodyPr/>
+          <a:lstStyle/>
+          <a:p>
+            <a:r>
+              <a:rPr lang="en-US" dirty="0"/>
+              <a:t>Lab Part 3</a:t>
+            </a:r>
+          </a:p>
+        </p:txBody>
+      </p:sp>
+      <p:sp>
+        <p:nvSpPr>
+          <p:cNvPr id="3" name="Content Placeholder 2">
+            <a:extLst>
+              <a:ext uri="{FF2B5EF4-FFF2-40B4-BE49-F238E27FC236}">
+                <a16:creationId xmlns:a16="http://schemas.microsoft.com/office/drawing/2014/main" id="{566CAAAE-75F3-7B5E-C61A-03FF68C88573}"/>
+              </a:ext>
+            </a:extLst>
+          </p:cNvPr>
+          <p:cNvSpPr>
+            <a:spLocks noGrp="1"/>
+          </p:cNvSpPr>
+          <p:nvPr>
+            <p:ph idx="1"/>
+          </p:nvPr>
+        </p:nvSpPr>
+        <p:spPr/>
+        <p:txBody>
+          <a:bodyPr/>
+          <a:lstStyle/>
+          <a:p>
+            <a:r>
+              <a:rPr lang="en-US" dirty="0"/>
+              <a:t>Convert notebook into Synapse pipeline</a:t>
+            </a:r>
+          </a:p>
+          <a:p>
+            <a:r>
+              <a:rPr lang="en-US" dirty="0"/>
+              <a:t>Execute notebook</a:t>
+            </a:r>
+          </a:p>
+          <a:p>
+            <a:r>
+              <a:rPr lang="en-US" dirty="0"/>
+              <a:t>Trigger on new data</a:t>
+            </a:r>
+          </a:p>
+        </p:txBody>
+      </p:sp>
+    </p:spTree>
+    <p:extLst>
+      <p:ext uri="{BB962C8B-B14F-4D97-AF65-F5344CB8AC3E}">
+        <p14:creationId xmlns:p14="http://schemas.microsoft.com/office/powerpoint/2010/main" val="1127114026"/>
+      </p:ext>
+    </p:extLst>
+  </p:cSld>
+  <p:clrMapOvr>
+    <a:masterClrMapping/>
+  </p:clrMapOvr>
+</p:sld>
+</file>
+
+<file path=ppt/slides/slide81.xml><?xml version="1.0" encoding="utf-8"?>
+<p:sld xmlns:a="http://schemas.openxmlformats.org/drawingml/2006/main" xmlns:r="http://schemas.openxmlformats.org/officeDocument/2006/relationships" xmlns:p="http://schemas.openxmlformats.org/presentationml/2006/main">
+  <p:cSld>
+    <p:spTree>
+      <p:nvGrpSpPr>
+        <p:cNvPr id="1" name=""/>
+        <p:cNvGrpSpPr/>
+        <p:nvPr/>
+      </p:nvGrpSpPr>
+      <p:grpSpPr>
+        <a:xfrm>
+          <a:off x="0" y="0"/>
+          <a:ext cx="0" cy="0"/>
+          <a:chOff x="0" y="0"/>
+          <a:chExt cx="0" cy="0"/>
+        </a:xfrm>
+      </p:grpSpPr>
+      <p:sp>
+        <p:nvSpPr>
+          <p:cNvPr id="2" name="Title 1">
+            <a:extLst>
+              <a:ext uri="{FF2B5EF4-FFF2-40B4-BE49-F238E27FC236}">
+                <a16:creationId xmlns:a16="http://schemas.microsoft.com/office/drawing/2014/main" id="{F1BF4DF7-6ECF-F443-4A77-36AB5447924C}"/>
+              </a:ext>
+            </a:extLst>
+          </p:cNvPr>
+          <p:cNvSpPr>
+            <a:spLocks noGrp="1"/>
+          </p:cNvSpPr>
+          <p:nvPr>
+            <p:ph type="title"/>
+          </p:nvPr>
+        </p:nvSpPr>
+        <p:spPr/>
+        <p:txBody>
+          <a:bodyPr/>
+          <a:lstStyle/>
+          <a:p>
+            <a:r>
+              <a:rPr lang="en-US" dirty="0"/>
+              <a:t>Post-Lab </a:t>
+            </a:r>
+            <a:r>
+              <a:rPr lang="en-US" dirty="0" err="1"/>
+              <a:t>Wrapup</a:t>
+            </a:r>
+            <a:endParaRPr lang="en-US" dirty="0"/>
+          </a:p>
+        </p:txBody>
+      </p:sp>
+      <p:sp>
+        <p:nvSpPr>
+          <p:cNvPr id="3" name="Text Placeholder 2">
+            <a:extLst>
+              <a:ext uri="{FF2B5EF4-FFF2-40B4-BE49-F238E27FC236}">
+                <a16:creationId xmlns:a16="http://schemas.microsoft.com/office/drawing/2014/main" id="{DF1A2AEF-37FE-4FFE-DC27-790EA13427B9}"/>
+              </a:ext>
+            </a:extLst>
+          </p:cNvPr>
+          <p:cNvSpPr>
+            <a:spLocks noGrp="1"/>
+          </p:cNvSpPr>
+          <p:nvPr>
+            <p:ph type="body" idx="1"/>
+          </p:nvPr>
+        </p:nvSpPr>
+        <p:spPr/>
+        <p:txBody>
+          <a:bodyPr/>
+          <a:lstStyle/>
+          <a:p>
+            <a:endParaRPr lang="en-US"/>
+          </a:p>
+        </p:txBody>
+      </p:sp>
+    </p:spTree>
+    <p:extLst>
+      <p:ext uri="{BB962C8B-B14F-4D97-AF65-F5344CB8AC3E}">
+        <p14:creationId xmlns:p14="http://schemas.microsoft.com/office/powerpoint/2010/main" val="1861773582"/>
+      </p:ext>
+    </p:extLst>
+  </p:cSld>
+  <p:clrMapOvr>
+    <a:masterClrMapping/>
+  </p:clrMapOvr>
+</p:sld>
+</file>
+
+<file path=ppt/slides/slide82.xml><?xml version="1.0" encoding="utf-8"?>
+<p:sld xmlns:a="http://schemas.openxmlformats.org/drawingml/2006/main" xmlns:r="http://schemas.openxmlformats.org/officeDocument/2006/relationships" xmlns:p="http://schemas.openxmlformats.org/presentationml/2006/main">
+  <p:cSld>
+    <p:spTree>
+      <p:nvGrpSpPr>
+        <p:cNvPr id="1" name=""/>
+        <p:cNvGrpSpPr/>
+        <p:nvPr/>
+      </p:nvGrpSpPr>
+      <p:grpSpPr>
+        <a:xfrm>
+          <a:off x="0" y="0"/>
+          <a:ext cx="0" cy="0"/>
+          <a:chOff x="0" y="0"/>
+          <a:chExt cx="0" cy="0"/>
+        </a:xfrm>
+      </p:grpSpPr>
+      <p:sp>
+        <p:nvSpPr>
+          <p:cNvPr id="2" name="Title 1">
+            <a:extLst>
+              <a:ext uri="{FF2B5EF4-FFF2-40B4-BE49-F238E27FC236}">
+                <a16:creationId xmlns:a16="http://schemas.microsoft.com/office/drawing/2014/main" id="{B22C245E-2B4F-FD50-59A0-517F533BEB13}"/>
+              </a:ext>
+            </a:extLst>
+          </p:cNvPr>
+          <p:cNvSpPr>
+            <a:spLocks noGrp="1"/>
+          </p:cNvSpPr>
+          <p:nvPr>
+            <p:ph type="title"/>
+          </p:nvPr>
+        </p:nvSpPr>
+        <p:spPr/>
+        <p:txBody>
+          <a:bodyPr/>
+          <a:lstStyle/>
+          <a:p>
+            <a:r>
+              <a:rPr lang="en-US" dirty="0"/>
+              <a:t>What We Learned</a:t>
+            </a:r>
+          </a:p>
+        </p:txBody>
+      </p:sp>
+      <p:sp>
+        <p:nvSpPr>
+          <p:cNvPr id="3" name="Content Placeholder 2">
+            <a:extLst>
+              <a:ext uri="{FF2B5EF4-FFF2-40B4-BE49-F238E27FC236}">
+                <a16:creationId xmlns:a16="http://schemas.microsoft.com/office/drawing/2014/main" id="{566CAAAE-75F3-7B5E-C61A-03FF68C88573}"/>
+              </a:ext>
+            </a:extLst>
+          </p:cNvPr>
+          <p:cNvSpPr>
+            <a:spLocks noGrp="1"/>
+          </p:cNvSpPr>
+          <p:nvPr>
+            <p:ph idx="1"/>
+          </p:nvPr>
+        </p:nvSpPr>
+        <p:spPr/>
+        <p:txBody>
+          <a:bodyPr/>
+          <a:lstStyle/>
+          <a:p>
+            <a:r>
+              <a:rPr lang="en-US" dirty="0"/>
+              <a:t>Creating a Spark pool</a:t>
+            </a:r>
+          </a:p>
+          <a:p>
+            <a:r>
+              <a:rPr lang="en-US" dirty="0"/>
+              <a:t>Importing notebooks into a Synapse workspace</a:t>
+            </a:r>
+          </a:p>
+          <a:p>
+            <a:r>
+              <a:rPr lang="en-US" dirty="0"/>
+              <a:t>Running a Spark notebook</a:t>
+            </a:r>
+          </a:p>
+          <a:p>
+            <a:r>
+              <a:rPr lang="en-US" dirty="0"/>
+              <a:t>Building a simple ML model with </a:t>
+            </a:r>
+            <a:r>
+              <a:rPr lang="en-US" dirty="0" err="1"/>
+              <a:t>PySpark</a:t>
+            </a:r>
+            <a:endParaRPr lang="en-US" dirty="0"/>
+          </a:p>
+          <a:p>
+            <a:r>
+              <a:rPr lang="en-US" dirty="0"/>
+              <a:t>Writing prediction results to the data lake</a:t>
+            </a:r>
+          </a:p>
+          <a:p>
+            <a:r>
+              <a:rPr lang="en-US" dirty="0"/>
+              <a:t>Building a Synapse pipeline to execute a notebook</a:t>
+            </a:r>
+          </a:p>
+        </p:txBody>
+      </p:sp>
+    </p:spTree>
+    <p:extLst>
+      <p:ext uri="{BB962C8B-B14F-4D97-AF65-F5344CB8AC3E}">
+        <p14:creationId xmlns:p14="http://schemas.microsoft.com/office/powerpoint/2010/main" val="2090887696"/>
       </p:ext>
     </p:extLst>
   </p:cSld>

--- a/Slides/02 - Synapse Development.pptx
+++ b/Slides/02 - Synapse Development.pptx
@@ -278,7 +278,7 @@
           <a:p>
             <a:fld id="{A9E87CA4-4457-4F5E-BAFC-B765C0B66170}" type="datetimeFigureOut">
               <a:rPr lang="en-US" smtClean="0"/>
-              <a:t>10/29/2022</a:t>
+              <a:t>11/17/2022</a:t>
             </a:fld>
             <a:endParaRPr lang="en-US"/>
           </a:p>
@@ -776,7 +776,7 @@
           <a:p>
             <a:fld id="{9CBAA52B-0432-40D9-AEE2-5FF9967BACCD}" type="datetimeFigureOut">
               <a:rPr lang="en-US" smtClean="0"/>
-              <a:t>10/24/2022</a:t>
+              <a:t>11/17/2022</a:t>
             </a:fld>
             <a:endParaRPr lang="en-US"/>
           </a:p>
@@ -974,7 +974,7 @@
           <a:p>
             <a:fld id="{9CBAA52B-0432-40D9-AEE2-5FF9967BACCD}" type="datetimeFigureOut">
               <a:rPr lang="en-US" smtClean="0"/>
-              <a:t>10/24/2022</a:t>
+              <a:t>11/17/2022</a:t>
             </a:fld>
             <a:endParaRPr lang="en-US"/>
           </a:p>
@@ -1182,7 +1182,7 @@
           <a:p>
             <a:fld id="{9CBAA52B-0432-40D9-AEE2-5FF9967BACCD}" type="datetimeFigureOut">
               <a:rPr lang="en-US" smtClean="0"/>
-              <a:t>10/24/2022</a:t>
+              <a:t>11/17/2022</a:t>
             </a:fld>
             <a:endParaRPr lang="en-US"/>
           </a:p>
@@ -1611,7 +1611,7 @@
           <a:p>
             <a:fld id="{9CBAA52B-0432-40D9-AEE2-5FF9967BACCD}" type="datetimeFigureOut">
               <a:rPr lang="en-US" smtClean="0"/>
-              <a:t>10/24/2022</a:t>
+              <a:t>11/17/2022</a:t>
             </a:fld>
             <a:endParaRPr lang="en-US"/>
           </a:p>
@@ -1886,7 +1886,7 @@
           <a:p>
             <a:fld id="{9CBAA52B-0432-40D9-AEE2-5FF9967BACCD}" type="datetimeFigureOut">
               <a:rPr lang="en-US" smtClean="0"/>
-              <a:t>10/24/2022</a:t>
+              <a:t>11/17/2022</a:t>
             </a:fld>
             <a:endParaRPr lang="en-US"/>
           </a:p>
@@ -2151,7 +2151,7 @@
           <a:p>
             <a:fld id="{9CBAA52B-0432-40D9-AEE2-5FF9967BACCD}" type="datetimeFigureOut">
               <a:rPr lang="en-US" smtClean="0"/>
-              <a:t>10/24/2022</a:t>
+              <a:t>11/17/2022</a:t>
             </a:fld>
             <a:endParaRPr lang="en-US"/>
           </a:p>
@@ -2563,7 +2563,7 @@
           <a:p>
             <a:fld id="{9CBAA52B-0432-40D9-AEE2-5FF9967BACCD}" type="datetimeFigureOut">
               <a:rPr lang="en-US" smtClean="0"/>
-              <a:t>10/24/2022</a:t>
+              <a:t>11/17/2022</a:t>
             </a:fld>
             <a:endParaRPr lang="en-US"/>
           </a:p>
@@ -2704,7 +2704,7 @@
           <a:p>
             <a:fld id="{9CBAA52B-0432-40D9-AEE2-5FF9967BACCD}" type="datetimeFigureOut">
               <a:rPr lang="en-US" smtClean="0"/>
-              <a:t>10/24/2022</a:t>
+              <a:t>11/17/2022</a:t>
             </a:fld>
             <a:endParaRPr lang="en-US"/>
           </a:p>
@@ -2817,7 +2817,7 @@
           <a:p>
             <a:fld id="{9CBAA52B-0432-40D9-AEE2-5FF9967BACCD}" type="datetimeFigureOut">
               <a:rPr lang="en-US" smtClean="0"/>
-              <a:t>10/24/2022</a:t>
+              <a:t>11/17/2022</a:t>
             </a:fld>
             <a:endParaRPr lang="en-US"/>
           </a:p>
@@ -3128,7 +3128,7 @@
           <a:p>
             <a:fld id="{9CBAA52B-0432-40D9-AEE2-5FF9967BACCD}" type="datetimeFigureOut">
               <a:rPr lang="en-US" smtClean="0"/>
-              <a:t>10/24/2022</a:t>
+              <a:t>11/17/2022</a:t>
             </a:fld>
             <a:endParaRPr lang="en-US"/>
           </a:p>
@@ -3416,7 +3416,7 @@
           <a:p>
             <a:fld id="{9CBAA52B-0432-40D9-AEE2-5FF9967BACCD}" type="datetimeFigureOut">
               <a:rPr lang="en-US" smtClean="0"/>
-              <a:t>10/24/2022</a:t>
+              <a:t>11/17/2022</a:t>
             </a:fld>
             <a:endParaRPr lang="en-US"/>
           </a:p>
@@ -3657,7 +3657,7 @@
           <a:p>
             <a:fld id="{9CBAA52B-0432-40D9-AEE2-5FF9967BACCD}" type="datetimeFigureOut">
               <a:rPr lang="en-US" smtClean="0"/>
-              <a:t>10/24/2022</a:t>
+              <a:t>11/17/2022</a:t>
             </a:fld>
             <a:endParaRPr lang="en-US"/>
           </a:p>
@@ -13974,19 +13974,21 @@
           <a:p>
             <a:r>
               <a:rPr lang="en-US" dirty="0"/>
-              <a:t>Process data with Python and Spark SQL</a:t>
-            </a:r>
-          </a:p>
-          <a:p>
-            <a:r>
-              <a:rPr lang="en-US" dirty="0"/>
-              <a:t>Perform basic machine learning with Python</a:t>
-            </a:r>
-          </a:p>
-          <a:p>
-            <a:r>
-              <a:rPr lang="en-US" dirty="0"/>
-              <a:t>Write results to the data lake</a:t>
+              <a:t>Process data with Python and </a:t>
+            </a:r>
+            <a:r>
+              <a:rPr lang="en-US"/>
+              <a:t>Spark SQL</a:t>
+            </a:r>
+          </a:p>
+          <a:p>
+            <a:r>
+              <a:rPr lang="en-US"/>
+              <a:t>Write </a:t>
+            </a:r>
+            <a:r>
+              <a:rPr lang="en-US" dirty="0"/>
+              <a:t>results to the data lake</a:t>
             </a:r>
           </a:p>
         </p:txBody>
